--- a/Report/Presentation_slide_nico.pptx
+++ b/Report/Presentation_slide_nico.pptx
@@ -4654,22 +4654,14 @@
             </a:r>
             <a:r>
               <a:rPr lang="fr-FR" dirty="0" smtClean="0"/>
-              <a:t> </a:t>
-            </a:r>
-            <a:r>
-              <a:rPr lang="fr-FR" dirty="0" smtClean="0"/>
-              <a:t>&amp; </a:t>
-            </a:r>
-            <a:r>
-              <a:rPr lang="fr-FR" dirty="0" smtClean="0"/>
-              <a:t>al</a:t>
+              <a:t> &amp; al</a:t>
             </a:r>
             <a:endParaRPr lang="fr-FR" dirty="0"/>
           </a:p>
         </p:txBody>
       </p:sp>
-      <mc:AlternateContent xmlns:mc="http://schemas.openxmlformats.org/markup-compatibility/2006">
-        <mc:Choice xmlns:a14="http://schemas.microsoft.com/office/drawing/2010/main" Requires="a14">
+      <mc:AlternateContent xmlns:mc="http://schemas.openxmlformats.org/markup-compatibility/2006" xmlns:a14="http://schemas.microsoft.com/office/drawing/2010/main">
+        <mc:Choice Requires="a14">
           <p:sp>
             <p:nvSpPr>
               <p:cNvPr id="3" name="Content Placeholder 2"/>
@@ -4837,7 +4829,7 @@
             </p:txBody>
           </p:sp>
         </mc:Choice>
-        <mc:Fallback>
+        <mc:Fallback xmlns="">
           <p:sp>
             <p:nvSpPr>
               <p:cNvPr id="3" name="Content Placeholder 2"/>
@@ -5715,8 +5707,8 @@
           </a:p>
         </p:txBody>
       </p:sp>
-      <mc:AlternateContent xmlns:mc="http://schemas.openxmlformats.org/markup-compatibility/2006">
-        <mc:Choice xmlns:a14="http://schemas.microsoft.com/office/drawing/2010/main" Requires="a14">
+      <mc:AlternateContent xmlns:mc="http://schemas.openxmlformats.org/markup-compatibility/2006" xmlns:a14="http://schemas.microsoft.com/office/drawing/2010/main">
+        <mc:Choice Requires="a14">
           <p:sp>
             <p:nvSpPr>
               <p:cNvPr id="3" name="Content Placeholder 2"/>
@@ -5762,6 +5754,166 @@
                   <a:rPr lang="fr-FR" dirty="0" smtClean="0"/>
                   <a:t> HKS and WKS</a:t>
                 </a:r>
+              </a:p>
+              <a:p>
+                <a:pPr marL="514350" indent="-514350">
+                  <a:buFont typeface="+mj-lt"/>
+                  <a:buAutoNum type="arabicPeriod"/>
+                </a:pPr>
+                <a:r>
+                  <a:rPr lang="fr-FR" dirty="0" smtClean="0"/>
+                  <a:t>Set up the </a:t>
+                </a:r>
+                <a:r>
+                  <a:rPr lang="fr-FR" dirty="0" err="1" smtClean="0"/>
+                  <a:t>linear</a:t>
+                </a:r>
+                <a:r>
+                  <a:rPr lang="fr-FR" dirty="0" smtClean="0"/>
+                  <a:t> system by </a:t>
+                </a:r>
+                <a:r>
+                  <a:rPr lang="fr-FR" dirty="0" err="1" smtClean="0"/>
+                  <a:t>adding</a:t>
+                </a:r>
+                <a:r>
+                  <a:rPr lang="fr-FR" dirty="0" smtClean="0"/>
+                  <a:t> </a:t>
+                </a:r>
+                <a:r>
+                  <a:rPr lang="fr-FR" dirty="0" err="1" smtClean="0"/>
+                  <a:t>linear</a:t>
+                </a:r>
+                <a:r>
+                  <a:rPr lang="fr-FR" dirty="0" smtClean="0"/>
+                  <a:t> </a:t>
+                </a:r>
+                <a:r>
+                  <a:rPr lang="fr-FR" dirty="0" err="1" smtClean="0"/>
+                  <a:t>constraints</a:t>
+                </a:r>
+                <a:endParaRPr lang="fr-FR" dirty="0" smtClean="0"/>
+              </a:p>
+              <a:p>
+                <a:pPr lvl="1"/>
+                <a:r>
+                  <a:rPr lang="fr-FR" dirty="0" err="1" smtClean="0"/>
+                  <a:t>Add</a:t>
+                </a:r>
+                <a:r>
+                  <a:rPr lang="fr-FR" dirty="0" smtClean="0"/>
+                  <a:t> </a:t>
+                </a:r>
+                <a:r>
+                  <a:rPr lang="fr-FR" dirty="0" err="1" smtClean="0"/>
+                  <a:t>descriptor</a:t>
+                </a:r>
+                <a:r>
+                  <a:rPr lang="fr-FR" dirty="0" smtClean="0"/>
+                  <a:t> </a:t>
+                </a:r>
+                <a:r>
+                  <a:rPr lang="fr-FR" dirty="0" err="1" smtClean="0"/>
+                  <a:t>constraints</a:t>
+                </a:r>
+                <a:r>
+                  <a:rPr lang="fr-FR" dirty="0" smtClean="0"/>
+                  <a:t> for HKS and WKS</a:t>
+                </a:r>
+              </a:p>
+              <a:p>
+                <a:pPr lvl="1"/>
+                <a:r>
+                  <a:rPr lang="fr-FR" dirty="0" smtClean="0"/>
+                  <a:t>Segment </a:t>
+                </a:r>
+                <a:r>
+                  <a:rPr lang="fr-FR" dirty="0" err="1" smtClean="0"/>
+                  <a:t>shapes</a:t>
+                </a:r>
+                <a:r>
+                  <a:rPr lang="fr-FR" dirty="0" smtClean="0"/>
+                  <a:t> and match parts </a:t>
+                </a:r>
+                <a:r>
+                  <a:rPr lang="fr-FR" dirty="0" err="1" smtClean="0"/>
+                  <a:t>between</a:t>
+                </a:r>
+                <a:r>
+                  <a:rPr lang="fr-FR" dirty="0" smtClean="0"/>
+                  <a:t> </a:t>
+                </a:r>
+                <a:r>
+                  <a:rPr lang="fr-FR" dirty="0" err="1" smtClean="0"/>
+                  <a:t>shape</a:t>
+                </a:r>
+                <a:r>
+                  <a:rPr lang="fr-FR" dirty="0" smtClean="0"/>
+                  <a:t> </a:t>
+                </a:r>
+              </a:p>
+              <a:p>
+                <a:pPr lvl="1"/>
+                <a:r>
+                  <a:rPr lang="fr-FR" dirty="0" err="1"/>
+                  <a:t>A</a:t>
+                </a:r>
+                <a:r>
+                  <a:rPr lang="fr-FR" dirty="0" err="1" smtClean="0"/>
+                  <a:t>dd</a:t>
+                </a:r>
+                <a:r>
+                  <a:rPr lang="fr-FR" dirty="0" smtClean="0"/>
+                  <a:t> segment </a:t>
+                </a:r>
+                <a:r>
+                  <a:rPr lang="fr-FR" dirty="0" err="1" smtClean="0"/>
+                  <a:t>correspondences</a:t>
+                </a:r>
+                <a:r>
+                  <a:rPr lang="fr-FR" dirty="0" smtClean="0"/>
+                  <a:t> </a:t>
+                </a:r>
+                <a:r>
+                  <a:rPr lang="fr-FR" dirty="0" err="1" smtClean="0"/>
+                  <a:t>constraints</a:t>
+                </a:r>
+                <a:endParaRPr lang="fr-FR" dirty="0" smtClean="0"/>
+              </a:p>
+              <a:p>
+                <a:pPr lvl="1"/>
+                <a:r>
+                  <a:rPr lang="fr-FR" dirty="0" err="1" smtClean="0"/>
+                  <a:t>Add</a:t>
+                </a:r>
+                <a:r>
+                  <a:rPr lang="fr-FR" dirty="0" smtClean="0"/>
+                  <a:t> </a:t>
+                </a:r>
+                <a:r>
+                  <a:rPr lang="fr-FR" dirty="0" err="1"/>
+                  <a:t>o</a:t>
+                </a:r>
+                <a:r>
+                  <a:rPr lang="fr-FR" dirty="0" err="1" smtClean="0"/>
+                  <a:t>perator</a:t>
+                </a:r>
+                <a:r>
+                  <a:rPr lang="fr-FR" dirty="0" smtClean="0"/>
+                  <a:t> </a:t>
+                </a:r>
+                <a:r>
+                  <a:rPr lang="fr-FR" dirty="0" err="1" smtClean="0"/>
+                  <a:t>commutativity</a:t>
+                </a:r>
+                <a:r>
+                  <a:rPr lang="fr-FR" dirty="0" smtClean="0"/>
+                  <a:t> LB </a:t>
+                </a:r>
+                <a:r>
+                  <a:rPr lang="fr-FR" dirty="0" err="1" smtClean="0"/>
+                  <a:t>constraints</a:t>
+                </a:r>
                 <a:endParaRPr lang="fr-FR" dirty="0" smtClean="0"/>
               </a:p>
               <a:p>
@@ -5770,8 +5922,12 @@
                   <a:buAutoNum type="arabicPeriod"/>
                 </a:pPr>
                 <a:r>
+                  <a:rPr lang="fr-FR" dirty="0" err="1" smtClean="0"/>
+                  <a:t>Solve</a:t>
+                </a:r>
+                <a:r>
                   <a:rPr lang="fr-FR" dirty="0" smtClean="0"/>
-                  <a:t>Set up the </a:t>
+                  <a:t> </a:t>
                 </a:r>
                 <a:r>
                   <a:rPr lang="fr-FR" dirty="0" err="1" smtClean="0"/>
@@ -5779,180 +5935,7 @@
                 </a:r>
                 <a:r>
                   <a:rPr lang="fr-FR" dirty="0" smtClean="0"/>
-                  <a:t> system by </a:t>
-                </a:r>
-                <a:r>
-                  <a:rPr lang="fr-FR" dirty="0" err="1" smtClean="0"/>
-                  <a:t>adding</a:t>
-                </a:r>
-                <a:r>
-                  <a:rPr lang="fr-FR" dirty="0" smtClean="0"/>
-                  <a:t> </a:t>
-                </a:r>
-                <a:r>
-                  <a:rPr lang="fr-FR" dirty="0" err="1" smtClean="0"/>
-                  <a:t>linear</a:t>
-                </a:r>
-                <a:r>
-                  <a:rPr lang="fr-FR" dirty="0" smtClean="0"/>
-                  <a:t> </a:t>
-                </a:r>
-                <a:r>
-                  <a:rPr lang="fr-FR" dirty="0" err="1" smtClean="0"/>
-                  <a:t>constraints</a:t>
-                </a:r>
-                <a:endParaRPr lang="fr-FR" dirty="0" smtClean="0"/>
-              </a:p>
-              <a:p>
-                <a:pPr lvl="1"/>
-                <a:r>
-                  <a:rPr lang="fr-FR" dirty="0" err="1" smtClean="0"/>
-                  <a:t>Add</a:t>
-                </a:r>
-                <a:r>
-                  <a:rPr lang="fr-FR" dirty="0" smtClean="0"/>
-                  <a:t> </a:t>
-                </a:r>
-                <a:r>
-                  <a:rPr lang="fr-FR" dirty="0" err="1" smtClean="0"/>
-                  <a:t>descriptor</a:t>
-                </a:r>
-                <a:r>
-                  <a:rPr lang="fr-FR" dirty="0" smtClean="0"/>
-                  <a:t> </a:t>
-                </a:r>
-                <a:r>
-                  <a:rPr lang="fr-FR" dirty="0" err="1" smtClean="0"/>
-                  <a:t>constraints</a:t>
-                </a:r>
-                <a:r>
-                  <a:rPr lang="fr-FR" dirty="0" smtClean="0"/>
-                  <a:t> for HKS and WKS</a:t>
-                </a:r>
-              </a:p>
-              <a:p>
-                <a:pPr lvl="1"/>
-                <a:r>
-                  <a:rPr lang="fr-FR" dirty="0" smtClean="0"/>
-                  <a:t>Segment </a:t>
-                </a:r>
-                <a:r>
-                  <a:rPr lang="fr-FR" dirty="0" err="1" smtClean="0"/>
-                  <a:t>shapes</a:t>
-                </a:r>
-                <a:r>
-                  <a:rPr lang="fr-FR" dirty="0" smtClean="0"/>
-                  <a:t> and match parts </a:t>
-                </a:r>
-                <a:r>
-                  <a:rPr lang="fr-FR" dirty="0" err="1" smtClean="0"/>
-                  <a:t>between</a:t>
-                </a:r>
-                <a:r>
-                  <a:rPr lang="fr-FR" dirty="0" smtClean="0"/>
-                  <a:t> </a:t>
-                </a:r>
-                <a:r>
-                  <a:rPr lang="fr-FR" dirty="0" err="1" smtClean="0"/>
-                  <a:t>shape</a:t>
-                </a:r>
-                <a:r>
-                  <a:rPr lang="fr-FR" dirty="0" smtClean="0"/>
-                  <a:t> </a:t>
-                </a:r>
-              </a:p>
-              <a:p>
-                <a:pPr lvl="1"/>
-                <a:r>
-                  <a:rPr lang="fr-FR" dirty="0" err="1"/>
-                  <a:t>A</a:t>
-                </a:r>
-                <a:r>
-                  <a:rPr lang="fr-FR" dirty="0" err="1" smtClean="0"/>
-                  <a:t>dd</a:t>
-                </a:r>
-                <a:r>
-                  <a:rPr lang="fr-FR" dirty="0" smtClean="0"/>
-                  <a:t> segment </a:t>
-                </a:r>
-                <a:r>
-                  <a:rPr lang="fr-FR" dirty="0" err="1" smtClean="0"/>
-                  <a:t>correspondences</a:t>
-                </a:r>
-                <a:r>
-                  <a:rPr lang="fr-FR" dirty="0" smtClean="0"/>
-                  <a:t> </a:t>
-                </a:r>
-                <a:r>
-                  <a:rPr lang="fr-FR" dirty="0" err="1" smtClean="0"/>
-                  <a:t>constraints</a:t>
-                </a:r>
-                <a:endParaRPr lang="fr-FR" dirty="0" smtClean="0"/>
-              </a:p>
-              <a:p>
-                <a:pPr lvl="1"/>
-                <a:r>
-                  <a:rPr lang="fr-FR" dirty="0" err="1" smtClean="0"/>
-                  <a:t>Add</a:t>
-                </a:r>
-                <a:r>
-                  <a:rPr lang="fr-FR" dirty="0" smtClean="0"/>
-                  <a:t> </a:t>
-                </a:r>
-                <a:r>
-                  <a:rPr lang="fr-FR" dirty="0" err="1"/>
-                  <a:t>o</a:t>
-                </a:r>
-                <a:r>
-                  <a:rPr lang="fr-FR" dirty="0" err="1" smtClean="0"/>
-                  <a:t>perator</a:t>
-                </a:r>
-                <a:r>
-                  <a:rPr lang="fr-FR" dirty="0" smtClean="0"/>
-                  <a:t> </a:t>
-                </a:r>
-                <a:r>
-                  <a:rPr lang="fr-FR" dirty="0" err="1" smtClean="0"/>
-                  <a:t>commutativity</a:t>
-                </a:r>
-                <a:r>
-                  <a:rPr lang="fr-FR" dirty="0" smtClean="0"/>
-                  <a:t> </a:t>
-                </a:r>
-                <a:r>
-                  <a:rPr lang="fr-FR" dirty="0" smtClean="0"/>
-                  <a:t>LB </a:t>
-                </a:r>
-                <a:r>
-                  <a:rPr lang="fr-FR" dirty="0" err="1" smtClean="0"/>
-                  <a:t>constraints</a:t>
-                </a:r>
-                <a:endParaRPr lang="fr-FR" dirty="0" smtClean="0"/>
-              </a:p>
-              <a:p>
-                <a:pPr marL="514350" indent="-514350">
-                  <a:buFont typeface="+mj-lt"/>
-                  <a:buAutoNum type="arabicPeriod"/>
-                </a:pPr>
-                <a:r>
-                  <a:rPr lang="fr-FR" dirty="0" err="1" smtClean="0"/>
-                  <a:t>Solve</a:t>
-                </a:r>
-                <a:r>
-                  <a:rPr lang="fr-FR" dirty="0" smtClean="0"/>
-                  <a:t> </a:t>
-                </a:r>
-                <a:r>
-                  <a:rPr lang="fr-FR" dirty="0" err="1" smtClean="0"/>
-                  <a:t>linear</a:t>
-                </a:r>
-                <a:r>
-                  <a:rPr lang="fr-FR" dirty="0" smtClean="0"/>
-                  <a:t> </a:t>
-                </a:r>
-                <a:r>
-                  <a:rPr lang="fr-FR" dirty="0" smtClean="0"/>
-                  <a:t>system </a:t>
+                  <a:t> system </a:t>
                 </a:r>
                 <a14:m>
                   <m:oMath xmlns:m="http://schemas.openxmlformats.org/officeDocument/2006/math">
@@ -6062,7 +6045,7 @@
             </p:txBody>
           </p:sp>
         </mc:Choice>
-        <mc:Fallback>
+        <mc:Fallback xmlns="">
           <p:sp>
             <p:nvSpPr>
               <p:cNvPr id="3" name="Content Placeholder 2"/>
@@ -6251,6 +6234,64 @@
           </a:p>
         </p:txBody>
       </p:sp>
+      <p:pic>
+        <p:nvPicPr>
+          <p:cNvPr id="3" name="Image 2"/>
+          <p:cNvPicPr>
+            <a:picLocks noChangeAspect="1"/>
+          </p:cNvPicPr>
+          <p:nvPr/>
+        </p:nvPicPr>
+        <p:blipFill rotWithShape="1">
+          <a:blip r:embed="rId2">
+            <a:extLst>
+              <a:ext uri="{28A0092B-C50C-407E-A947-70E740481C1C}">
+                <a14:useLocalDpi xmlns:a14="http://schemas.microsoft.com/office/drawing/2010/main" val="0"/>
+              </a:ext>
+            </a:extLst>
+          </a:blip>
+          <a:srcRect l="24961" t="5879" r="19717" b="10833"/>
+          <a:stretch/>
+        </p:blipFill>
+        <p:spPr>
+          <a:xfrm>
+            <a:off x="2868461" y="2718341"/>
+            <a:ext cx="2022454" cy="2279544"/>
+          </a:xfrm>
+          <a:prstGeom prst="rect">
+            <a:avLst/>
+          </a:prstGeom>
+        </p:spPr>
+      </p:pic>
+      <p:pic>
+        <p:nvPicPr>
+          <p:cNvPr id="4" name="Image 3"/>
+          <p:cNvPicPr>
+            <a:picLocks noChangeAspect="1"/>
+          </p:cNvPicPr>
+          <p:nvPr/>
+        </p:nvPicPr>
+        <p:blipFill rotWithShape="1">
+          <a:blip r:embed="rId3">
+            <a:extLst>
+              <a:ext uri="{28A0092B-C50C-407E-A947-70E740481C1C}">
+                <a14:useLocalDpi xmlns:a14="http://schemas.microsoft.com/office/drawing/2010/main" val="0"/>
+              </a:ext>
+            </a:extLst>
+          </a:blip>
+          <a:srcRect l="20542" t="7808" r="15931" b="11722"/>
+          <a:stretch/>
+        </p:blipFill>
+        <p:spPr>
+          <a:xfrm>
+            <a:off x="5343331" y="2474543"/>
+            <a:ext cx="2660801" cy="2523342"/>
+          </a:xfrm>
+          <a:prstGeom prst="rect">
+            <a:avLst/>
+          </a:prstGeom>
+        </p:spPr>
+      </p:pic>
     </p:spTree>
     <p:extLst>
       <p:ext uri="{BB962C8B-B14F-4D97-AF65-F5344CB8AC3E}">
@@ -11394,8 +11435,8 @@
           <a:chExt cx="0" cy="0"/>
         </a:xfrm>
       </p:grpSpPr>
-      <mc:AlternateContent xmlns:mc="http://schemas.openxmlformats.org/markup-compatibility/2006">
-        <mc:Choice xmlns:a14="http://schemas.microsoft.com/office/drawing/2010/main" Requires="a14">
+      <mc:AlternateContent xmlns:mc="http://schemas.openxmlformats.org/markup-compatibility/2006" xmlns:a14="http://schemas.microsoft.com/office/drawing/2010/main">
+        <mc:Choice Requires="a14">
           <p:sp>
             <p:nvSpPr>
               <p:cNvPr id="2" name="Title 1"/>
@@ -11417,11 +11458,7 @@
                 </a:r>
                 <a:r>
                   <a:rPr lang="fr-FR" dirty="0" smtClean="0"/>
-                  <a:t> </a:t>
-                </a:r>
-                <a:r>
-                  <a:rPr lang="fr-FR" dirty="0" smtClean="0"/>
-                  <a:t>matrix </a:t>
+                  <a:t> matrix </a:t>
                 </a:r>
                 <a14:m>
                   <m:oMath xmlns:m="http://schemas.openxmlformats.org/officeDocument/2006/math">
@@ -11438,7 +11475,7 @@
             </p:txBody>
           </p:sp>
         </mc:Choice>
-        <mc:Fallback>
+        <mc:Fallback xmlns="">
           <p:sp>
             <p:nvSpPr>
               <p:cNvPr id="2" name="Title 1"/>
@@ -11472,8 +11509,8 @@
           </p:sp>
         </mc:Fallback>
       </mc:AlternateContent>
-      <mc:AlternateContent xmlns:mc="http://schemas.openxmlformats.org/markup-compatibility/2006">
-        <mc:Choice xmlns:a14="http://schemas.microsoft.com/office/drawing/2010/main" Requires="a14">
+      <mc:AlternateContent xmlns:mc="http://schemas.openxmlformats.org/markup-compatibility/2006" xmlns:a14="http://schemas.microsoft.com/office/drawing/2010/main">
+        <mc:Choice Requires="a14">
           <p:sp>
             <p:nvSpPr>
               <p:cNvPr id="3" name="Content Placeholder 2"/>
@@ -12224,7 +12261,7 @@
             </p:txBody>
           </p:sp>
         </mc:Choice>
-        <mc:Fallback>
+        <mc:Fallback xmlns="">
           <p:sp>
             <p:nvSpPr>
               <p:cNvPr id="3" name="Content Placeholder 2"/>
@@ -12298,8 +12335,8 @@
           </a:p>
         </p:txBody>
       </p:sp>
-      <mc:AlternateContent xmlns:mc="http://schemas.openxmlformats.org/markup-compatibility/2006">
-        <mc:Choice xmlns:a14="http://schemas.microsoft.com/office/drawing/2010/main" Requires="a14">
+      <mc:AlternateContent xmlns:mc="http://schemas.openxmlformats.org/markup-compatibility/2006" xmlns:a14="http://schemas.microsoft.com/office/drawing/2010/main">
+        <mc:Choice Requires="a14">
           <p:sp>
             <p:nvSpPr>
               <p:cNvPr id="5" name="ZoneTexte 4"/>
@@ -12381,7 +12418,7 @@
             </p:txBody>
           </p:sp>
         </mc:Choice>
-        <mc:Fallback>
+        <mc:Fallback xmlns="">
           <p:sp>
             <p:nvSpPr>
               <p:cNvPr id="5" name="ZoneTexte 4"/>
@@ -12500,8 +12537,8 @@
           </a:p>
         </p:txBody>
       </p:sp>
-      <mc:AlternateContent xmlns:mc="http://schemas.openxmlformats.org/markup-compatibility/2006">
-        <mc:Choice xmlns:a14="http://schemas.microsoft.com/office/drawing/2010/main" Requires="a14">
+      <mc:AlternateContent xmlns:mc="http://schemas.openxmlformats.org/markup-compatibility/2006" xmlns:a14="http://schemas.microsoft.com/office/drawing/2010/main">
+        <mc:Choice Requires="a14">
           <p:sp>
             <p:nvSpPr>
               <p:cNvPr id="3" name="Content Placeholder 2"/>
@@ -12654,11 +12691,7 @@
                 </a:r>
                 <a:r>
                   <a:rPr lang="fr-FR" dirty="0" smtClean="0"/>
-                  <a:t> </a:t>
-                </a:r>
-                <a:r>
-                  <a:rPr lang="fr-FR" dirty="0" smtClean="0"/>
-                  <a:t>invariant </a:t>
+                  <a:t> invariant </a:t>
                 </a:r>
                 <a:r>
                   <a:rPr lang="fr-FR" dirty="0" err="1" smtClean="0"/>
@@ -12727,7 +12760,7 @@
             </p:txBody>
           </p:sp>
         </mc:Choice>
-        <mc:Fallback>
+        <mc:Fallback xmlns="">
           <p:sp>
             <p:nvSpPr>
               <p:cNvPr id="3" name="Content Placeholder 2"/>

--- a/Report/Presentation_slide_nico.pptx
+++ b/Report/Presentation_slide_nico.pptx
@@ -5,26 +5,25 @@
     <p:sldMasterId id="2147483648" r:id="rId1"/>
   </p:sldMasterIdLst>
   <p:notesMasterIdLst>
-    <p:notesMasterId r:id="rId19"/>
+    <p:notesMasterId r:id="rId18"/>
   </p:notesMasterIdLst>
   <p:sldIdLst>
     <p:sldId id="277" r:id="rId2"/>
     <p:sldId id="257" r:id="rId3"/>
     <p:sldId id="278" r:id="rId4"/>
-    <p:sldId id="260" r:id="rId5"/>
-    <p:sldId id="279" r:id="rId6"/>
-    <p:sldId id="280" r:id="rId7"/>
-    <p:sldId id="281" r:id="rId8"/>
-    <p:sldId id="263" r:id="rId9"/>
-    <p:sldId id="264" r:id="rId10"/>
-    <p:sldId id="272" r:id="rId11"/>
-    <p:sldId id="274" r:id="rId12"/>
-    <p:sldId id="282" r:id="rId13"/>
-    <p:sldId id="268" r:id="rId14"/>
-    <p:sldId id="266" r:id="rId15"/>
-    <p:sldId id="267" r:id="rId16"/>
-    <p:sldId id="276" r:id="rId17"/>
-    <p:sldId id="270" r:id="rId18"/>
+    <p:sldId id="283" r:id="rId5"/>
+    <p:sldId id="284" r:id="rId6"/>
+    <p:sldId id="285" r:id="rId7"/>
+    <p:sldId id="263" r:id="rId8"/>
+    <p:sldId id="264" r:id="rId9"/>
+    <p:sldId id="272" r:id="rId10"/>
+    <p:sldId id="274" r:id="rId11"/>
+    <p:sldId id="282" r:id="rId12"/>
+    <p:sldId id="286" r:id="rId13"/>
+    <p:sldId id="266" r:id="rId14"/>
+    <p:sldId id="287" r:id="rId15"/>
+    <p:sldId id="276" r:id="rId16"/>
+    <p:sldId id="288" r:id="rId17"/>
   </p:sldIdLst>
   <p:sldSz cx="12192000" cy="6858000"/>
   <p:notesSz cx="6858000" cy="9144000"/>
@@ -3693,950 +3692,6 @@
           <a:lstStyle/>
           <a:p>
             <a:r>
-              <a:rPr lang="fr-FR" dirty="0" err="1" smtClean="0"/>
-              <a:t>Constraints</a:t>
-            </a:r>
-            <a:r>
-              <a:rPr lang="fr-FR" dirty="0" smtClean="0"/>
-              <a:t> : Landmark &amp; Segmentation </a:t>
-            </a:r>
-            <a:r>
-              <a:rPr lang="fr-FR" dirty="0" err="1" smtClean="0"/>
-              <a:t>correspondences</a:t>
-            </a:r>
-            <a:r>
-              <a:rPr lang="fr-FR" dirty="0" smtClean="0"/>
-              <a:t>		</a:t>
-            </a:r>
-            <a:endParaRPr lang="fr-FR" dirty="0"/>
-          </a:p>
-        </p:txBody>
-      </p:sp>
-      <p:sp>
-        <p:nvSpPr>
-          <p:cNvPr id="3" name="Content Placeholder 2"/>
-          <p:cNvSpPr>
-            <a:spLocks noGrp="1"/>
-          </p:cNvSpPr>
-          <p:nvPr>
-            <p:ph idx="1"/>
-          </p:nvPr>
-        </p:nvSpPr>
-        <p:spPr/>
-        <p:txBody>
-          <a:bodyPr/>
-          <a:lstStyle/>
-          <a:p>
-            <a:r>
-              <a:rPr lang="fr-FR" dirty="0" smtClean="0"/>
-              <a:t>Landmark point </a:t>
-            </a:r>
-            <a:r>
-              <a:rPr lang="fr-FR" dirty="0" err="1" smtClean="0"/>
-              <a:t>correspondences</a:t>
-            </a:r>
-            <a:r>
-              <a:rPr lang="fr-FR" dirty="0" smtClean="0"/>
-              <a:t> :</a:t>
-            </a:r>
-          </a:p>
-          <a:p>
-            <a:endParaRPr lang="fr-FR" dirty="0"/>
-          </a:p>
-          <a:p>
-            <a:endParaRPr lang="fr-FR" dirty="0" smtClean="0"/>
-          </a:p>
-          <a:p>
-            <a:endParaRPr lang="fr-FR" dirty="0"/>
-          </a:p>
-          <a:p>
-            <a:r>
-              <a:rPr lang="fr-FR" dirty="0" smtClean="0"/>
-              <a:t>Segment </a:t>
-            </a:r>
-            <a:r>
-              <a:rPr lang="fr-FR" dirty="0" err="1" smtClean="0"/>
-              <a:t>correspondences</a:t>
-            </a:r>
-            <a:r>
-              <a:rPr lang="fr-FR" dirty="0" smtClean="0"/>
-              <a:t> :</a:t>
-            </a:r>
-          </a:p>
-          <a:p>
-            <a:endParaRPr lang="fr-FR" dirty="0"/>
-          </a:p>
-        </p:txBody>
-      </p:sp>
-      <p:pic>
-        <p:nvPicPr>
-          <p:cNvPr id="4" name="Image 3"/>
-          <p:cNvPicPr>
-            <a:picLocks noChangeAspect="1"/>
-          </p:cNvPicPr>
-          <p:nvPr/>
-        </p:nvPicPr>
-        <p:blipFill>
-          <a:blip r:embed="rId2" cstate="print">
-            <a:extLst>
-              <a:ext uri="{28A0092B-C50C-407E-A947-70E740481C1C}">
-                <a14:useLocalDpi xmlns:a14="http://schemas.microsoft.com/office/drawing/2010/main" val="0"/>
-              </a:ext>
-            </a:extLst>
-          </a:blip>
-          <a:stretch>
-            <a:fillRect/>
-          </a:stretch>
-        </p:blipFill>
-        <p:spPr>
-          <a:xfrm>
-            <a:off x="1188416" y="2397425"/>
-            <a:ext cx="1902674" cy="1424462"/>
-          </a:xfrm>
-          <a:prstGeom prst="rect">
-            <a:avLst/>
-          </a:prstGeom>
-        </p:spPr>
-      </p:pic>
-      <p:pic>
-        <p:nvPicPr>
-          <p:cNvPr id="5" name="Image 4"/>
-          <p:cNvPicPr>
-            <a:picLocks noChangeAspect="1"/>
-          </p:cNvPicPr>
-          <p:nvPr/>
-        </p:nvPicPr>
-        <p:blipFill>
-          <a:blip r:embed="rId3" cstate="print">
-            <a:extLst>
-              <a:ext uri="{28A0092B-C50C-407E-A947-70E740481C1C}">
-                <a14:useLocalDpi xmlns:a14="http://schemas.microsoft.com/office/drawing/2010/main" val="0"/>
-              </a:ext>
-            </a:extLst>
-          </a:blip>
-          <a:stretch>
-            <a:fillRect/>
-          </a:stretch>
-        </p:blipFill>
-        <p:spPr>
-          <a:xfrm>
-            <a:off x="3091090" y="2397425"/>
-            <a:ext cx="1784134" cy="1335715"/>
-          </a:xfrm>
-          <a:prstGeom prst="rect">
-            <a:avLst/>
-          </a:prstGeom>
-        </p:spPr>
-      </p:pic>
-      <p:sp>
-        <p:nvSpPr>
-          <p:cNvPr id="6" name="Ellipse 5"/>
-          <p:cNvSpPr/>
-          <p:nvPr/>
-        </p:nvSpPr>
-        <p:spPr>
-          <a:xfrm>
-            <a:off x="1687592" y="2797482"/>
-            <a:ext cx="74428" cy="85060"/>
-          </a:xfrm>
-          <a:prstGeom prst="ellipse">
-            <a:avLst/>
-          </a:prstGeom>
-        </p:spPr>
-        <p:style>
-          <a:lnRef idx="2">
-            <a:schemeClr val="accent1">
-              <a:shade val="50000"/>
-            </a:schemeClr>
-          </a:lnRef>
-          <a:fillRef idx="1">
-            <a:schemeClr val="accent1"/>
-          </a:fillRef>
-          <a:effectRef idx="0">
-            <a:schemeClr val="accent1"/>
-          </a:effectRef>
-          <a:fontRef idx="minor">
-            <a:schemeClr val="lt1"/>
-          </a:fontRef>
-        </p:style>
-        <p:txBody>
-          <a:bodyPr rtlCol="0" anchor="ctr"/>
-          <a:lstStyle/>
-          <a:p>
-            <a:pPr algn="ctr"/>
-            <a:endParaRPr lang="en-US"/>
-          </a:p>
-        </p:txBody>
-      </p:sp>
-      <p:sp>
-        <p:nvSpPr>
-          <p:cNvPr id="7" name="Ellipse 6"/>
-          <p:cNvSpPr/>
-          <p:nvPr/>
-        </p:nvSpPr>
-        <p:spPr>
-          <a:xfrm>
-            <a:off x="3594364" y="3188118"/>
-            <a:ext cx="71438" cy="76872"/>
-          </a:xfrm>
-          <a:prstGeom prst="ellipse">
-            <a:avLst/>
-          </a:prstGeom>
-        </p:spPr>
-        <p:style>
-          <a:lnRef idx="2">
-            <a:schemeClr val="accent1">
-              <a:shade val="50000"/>
-            </a:schemeClr>
-          </a:lnRef>
-          <a:fillRef idx="1">
-            <a:schemeClr val="accent1"/>
-          </a:fillRef>
-          <a:effectRef idx="0">
-            <a:schemeClr val="accent1"/>
-          </a:effectRef>
-          <a:fontRef idx="minor">
-            <a:schemeClr val="lt1"/>
-          </a:fontRef>
-        </p:style>
-        <p:txBody>
-          <a:bodyPr rtlCol="0" anchor="ctr"/>
-          <a:lstStyle/>
-          <a:p>
-            <a:pPr algn="ctr"/>
-            <a:endParaRPr lang="en-US"/>
-          </a:p>
-        </p:txBody>
-      </p:sp>
-      <p:sp>
-        <p:nvSpPr>
-          <p:cNvPr id="8" name="Ellipse 7"/>
-          <p:cNvSpPr/>
-          <p:nvPr/>
-        </p:nvSpPr>
-        <p:spPr>
-          <a:xfrm>
-            <a:off x="1994773" y="3549957"/>
-            <a:ext cx="74428" cy="85060"/>
-          </a:xfrm>
-          <a:prstGeom prst="ellipse">
-            <a:avLst/>
-          </a:prstGeom>
-        </p:spPr>
-        <p:style>
-          <a:lnRef idx="2">
-            <a:schemeClr val="accent2">
-              <a:shade val="50000"/>
-            </a:schemeClr>
-          </a:lnRef>
-          <a:fillRef idx="1">
-            <a:schemeClr val="accent2"/>
-          </a:fillRef>
-          <a:effectRef idx="0">
-            <a:schemeClr val="accent2"/>
-          </a:effectRef>
-          <a:fontRef idx="minor">
-            <a:schemeClr val="lt1"/>
-          </a:fontRef>
-        </p:style>
-        <p:txBody>
-          <a:bodyPr rtlCol="0" anchor="ctr"/>
-          <a:lstStyle/>
-          <a:p>
-            <a:pPr algn="ctr"/>
-            <a:endParaRPr lang="en-US"/>
-          </a:p>
-        </p:txBody>
-      </p:sp>
-      <p:sp>
-        <p:nvSpPr>
-          <p:cNvPr id="9" name="Ellipse 8"/>
-          <p:cNvSpPr/>
-          <p:nvPr/>
-        </p:nvSpPr>
-        <p:spPr>
-          <a:xfrm>
-            <a:off x="3742610" y="3383269"/>
-            <a:ext cx="74428" cy="85060"/>
-          </a:xfrm>
-          <a:prstGeom prst="ellipse">
-            <a:avLst/>
-          </a:prstGeom>
-        </p:spPr>
-        <p:style>
-          <a:lnRef idx="2">
-            <a:schemeClr val="accent2">
-              <a:shade val="50000"/>
-            </a:schemeClr>
-          </a:lnRef>
-          <a:fillRef idx="1">
-            <a:schemeClr val="accent2"/>
-          </a:fillRef>
-          <a:effectRef idx="0">
-            <a:schemeClr val="accent2"/>
-          </a:effectRef>
-          <a:fontRef idx="minor">
-            <a:schemeClr val="lt1"/>
-          </a:fontRef>
-        </p:style>
-        <p:txBody>
-          <a:bodyPr rtlCol="0" anchor="ctr"/>
-          <a:lstStyle/>
-          <a:p>
-            <a:pPr algn="ctr"/>
-            <a:endParaRPr lang="en-US"/>
-          </a:p>
-        </p:txBody>
-      </p:sp>
-      <p:sp>
-        <p:nvSpPr>
-          <p:cNvPr id="10" name="Ellipse 9"/>
-          <p:cNvSpPr/>
-          <p:nvPr/>
-        </p:nvSpPr>
-        <p:spPr>
-          <a:xfrm>
-            <a:off x="2581246" y="3549957"/>
-            <a:ext cx="74428" cy="85060"/>
-          </a:xfrm>
-          <a:prstGeom prst="ellipse">
-            <a:avLst/>
-          </a:prstGeom>
-        </p:spPr>
-        <p:style>
-          <a:lnRef idx="2">
-            <a:schemeClr val="accent6">
-              <a:shade val="50000"/>
-            </a:schemeClr>
-          </a:lnRef>
-          <a:fillRef idx="1">
-            <a:schemeClr val="accent6"/>
-          </a:fillRef>
-          <a:effectRef idx="0">
-            <a:schemeClr val="accent6"/>
-          </a:effectRef>
-          <a:fontRef idx="minor">
-            <a:schemeClr val="lt1"/>
-          </a:fontRef>
-        </p:style>
-        <p:txBody>
-          <a:bodyPr rtlCol="0" anchor="ctr"/>
-          <a:lstStyle/>
-          <a:p>
-            <a:pPr algn="ctr"/>
-            <a:endParaRPr lang="en-US"/>
-          </a:p>
-        </p:txBody>
-      </p:sp>
-      <p:sp>
-        <p:nvSpPr>
-          <p:cNvPr id="11" name="Ellipse 10"/>
-          <p:cNvSpPr/>
-          <p:nvPr/>
-        </p:nvSpPr>
-        <p:spPr>
-          <a:xfrm>
-            <a:off x="4213024" y="3464897"/>
-            <a:ext cx="78859" cy="85060"/>
-          </a:xfrm>
-          <a:prstGeom prst="ellipse">
-            <a:avLst/>
-          </a:prstGeom>
-        </p:spPr>
-        <p:style>
-          <a:lnRef idx="2">
-            <a:schemeClr val="accent6">
-              <a:shade val="50000"/>
-            </a:schemeClr>
-          </a:lnRef>
-          <a:fillRef idx="1">
-            <a:schemeClr val="accent6"/>
-          </a:fillRef>
-          <a:effectRef idx="0">
-            <a:schemeClr val="accent6"/>
-          </a:effectRef>
-          <a:fontRef idx="minor">
-            <a:schemeClr val="lt1"/>
-          </a:fontRef>
-        </p:style>
-        <p:txBody>
-          <a:bodyPr rtlCol="0" anchor="ctr"/>
-          <a:lstStyle/>
-          <a:p>
-            <a:pPr algn="ctr"/>
-            <a:endParaRPr lang="en-US"/>
-          </a:p>
-        </p:txBody>
-      </p:sp>
-      <mc:AlternateContent xmlns:mc="http://schemas.openxmlformats.org/markup-compatibility/2006" xmlns:a14="http://schemas.microsoft.com/office/drawing/2010/main">
-        <mc:Choice Requires="a14">
-          <p:sp>
-            <p:nvSpPr>
-              <p:cNvPr id="12" name="ZoneTexte 11"/>
-              <p:cNvSpPr txBox="1"/>
-              <p:nvPr/>
-            </p:nvSpPr>
-            <p:spPr>
-              <a:xfrm>
-                <a:off x="5225440" y="2549611"/>
-                <a:ext cx="5963927" cy="923330"/>
-              </a:xfrm>
-              <a:prstGeom prst="rect">
-                <a:avLst/>
-              </a:prstGeom>
-              <a:noFill/>
-            </p:spPr>
-            <p:txBody>
-              <a:bodyPr wrap="square" rtlCol="0">
-                <a:spAutoFit/>
-              </a:bodyPr>
-              <a:lstStyle/>
-              <a:p>
-                <a:r>
-                  <a:rPr lang="en-US" dirty="0" smtClean="0"/>
-                  <a:t>Construct</a:t>
-                </a:r>
-              </a:p>
-              <a:p>
-                <a:pPr marL="285750" indent="-285750">
-                  <a:buFont typeface="Arial" panose="020B0604020202020204" pitchFamily="34" charset="0"/>
-                  <a:buChar char="•"/>
-                </a:pPr>
-                <a:r>
-                  <a:rPr lang="en-US" dirty="0" smtClean="0"/>
-                  <a:t>Indicator functions around </a:t>
-                </a:r>
-                <a14:m>
-                  <m:oMath xmlns:m="http://schemas.openxmlformats.org/officeDocument/2006/math">
-                    <m:r>
-                      <a:rPr lang="en-US" i="1" dirty="0" smtClean="0">
-                        <a:latin typeface="Cambria Math" panose="02040503050406030204" pitchFamily="18" charset="0"/>
-                      </a:rPr>
-                      <m:t>𝑥</m:t>
-                    </m:r>
-                  </m:oMath>
-                </a14:m>
-                <a:r>
-                  <a:rPr lang="en-US" dirty="0" smtClean="0"/>
-                  <a:t> and </a:t>
-                </a:r>
-                <a14:m>
-                  <m:oMath xmlns:m="http://schemas.openxmlformats.org/officeDocument/2006/math">
-                    <m:r>
-                      <a:rPr lang="en-US" i="1" dirty="0" smtClean="0">
-                        <a:latin typeface="Cambria Math" panose="02040503050406030204" pitchFamily="18" charset="0"/>
-                      </a:rPr>
-                      <m:t>𝑦</m:t>
-                    </m:r>
-                  </m:oMath>
-                </a14:m>
-                <a:r>
-                  <a:rPr lang="en-US" dirty="0" smtClean="0"/>
-                  <a:t> and set </a:t>
-                </a:r>
-                <a14:m>
-                  <m:oMath xmlns:m="http://schemas.openxmlformats.org/officeDocument/2006/math">
-                    <m:r>
-                      <a:rPr lang="fr-FR" i="1">
-                        <a:latin typeface="Cambria Math" panose="02040503050406030204" pitchFamily="18" charset="0"/>
-                      </a:rPr>
-                      <m:t>𝐶</m:t>
-                    </m:r>
-                    <m:r>
-                      <a:rPr lang="fr-FR" b="1" i="1">
-                        <a:latin typeface="Cambria Math" panose="02040503050406030204" pitchFamily="18" charset="0"/>
-                      </a:rPr>
-                      <m:t>𝒂</m:t>
-                    </m:r>
-                    <m:r>
-                      <a:rPr lang="fr-FR" i="1">
-                        <a:latin typeface="Cambria Math" panose="02040503050406030204" pitchFamily="18" charset="0"/>
-                      </a:rPr>
-                      <m:t>=</m:t>
-                    </m:r>
-                    <m:r>
-                      <a:rPr lang="fr-FR" b="1" i="1">
-                        <a:latin typeface="Cambria Math" panose="02040503050406030204" pitchFamily="18" charset="0"/>
-                      </a:rPr>
-                      <m:t>𝒃</m:t>
-                    </m:r>
-                  </m:oMath>
-                </a14:m>
-                <a:r>
-                  <a:rPr lang="en-US" dirty="0" smtClean="0"/>
-                  <a:t> </a:t>
-                </a:r>
-              </a:p>
-              <a:p>
-                <a:pPr marL="285750" indent="-285750">
-                  <a:buFont typeface="Arial" panose="020B0604020202020204" pitchFamily="34" charset="0"/>
-                  <a:buChar char="•"/>
-                </a:pPr>
-                <a:r>
-                  <a:rPr lang="en-US" dirty="0" smtClean="0"/>
-                  <a:t>Distance functions </a:t>
-                </a:r>
-                <a14:m>
-                  <m:oMath xmlns:m="http://schemas.openxmlformats.org/officeDocument/2006/math">
-                    <m:r>
-                      <a:rPr lang="en-US" i="1" dirty="0" smtClean="0">
-                        <a:latin typeface="Cambria Math" panose="02040503050406030204" pitchFamily="18" charset="0"/>
-                      </a:rPr>
-                      <m:t>𝑓</m:t>
-                    </m:r>
-                  </m:oMath>
-                </a14:m>
-                <a:r>
-                  <a:rPr lang="en-US" dirty="0" smtClean="0"/>
-                  <a:t> and </a:t>
-                </a:r>
-                <a14:m>
-                  <m:oMath xmlns:m="http://schemas.openxmlformats.org/officeDocument/2006/math">
-                    <m:r>
-                      <a:rPr lang="en-US" i="1" dirty="0" smtClean="0">
-                        <a:latin typeface="Cambria Math" panose="02040503050406030204" pitchFamily="18" charset="0"/>
-                      </a:rPr>
-                      <m:t>𝑔</m:t>
-                    </m:r>
-                  </m:oMath>
-                </a14:m>
-                <a:r>
-                  <a:rPr lang="en-US" dirty="0" smtClean="0"/>
-                  <a:t> to </a:t>
-                </a:r>
-                <a14:m>
-                  <m:oMath xmlns:m="http://schemas.openxmlformats.org/officeDocument/2006/math">
-                    <m:r>
-                      <a:rPr lang="en-US" i="1" dirty="0" smtClean="0">
-                        <a:latin typeface="Cambria Math" panose="02040503050406030204" pitchFamily="18" charset="0"/>
-                      </a:rPr>
-                      <m:t>𝑥</m:t>
-                    </m:r>
-                  </m:oMath>
-                </a14:m>
-                <a:r>
-                  <a:rPr lang="en-US" dirty="0" smtClean="0"/>
-                  <a:t> and </a:t>
-                </a:r>
-                <a14:m>
-                  <m:oMath xmlns:m="http://schemas.openxmlformats.org/officeDocument/2006/math">
-                    <m:r>
-                      <a:rPr lang="en-US" i="1" dirty="0" smtClean="0">
-                        <a:latin typeface="Cambria Math" panose="02040503050406030204" pitchFamily="18" charset="0"/>
-                      </a:rPr>
-                      <m:t>𝑦</m:t>
-                    </m:r>
-                  </m:oMath>
-                </a14:m>
-                <a:r>
-                  <a:rPr lang="en-US" dirty="0" smtClean="0"/>
-                  <a:t> and set </a:t>
-                </a:r>
-                <a14:m>
-                  <m:oMath xmlns:m="http://schemas.openxmlformats.org/officeDocument/2006/math">
-                    <m:r>
-                      <a:rPr lang="fr-FR" i="1">
-                        <a:latin typeface="Cambria Math" panose="02040503050406030204" pitchFamily="18" charset="0"/>
-                      </a:rPr>
-                      <m:t>𝐶</m:t>
-                    </m:r>
-                    <m:r>
-                      <a:rPr lang="fr-FR" b="1" i="1">
-                        <a:latin typeface="Cambria Math" panose="02040503050406030204" pitchFamily="18" charset="0"/>
-                      </a:rPr>
-                      <m:t>𝒂</m:t>
-                    </m:r>
-                    <m:r>
-                      <a:rPr lang="fr-FR" i="1">
-                        <a:latin typeface="Cambria Math" panose="02040503050406030204" pitchFamily="18" charset="0"/>
-                      </a:rPr>
-                      <m:t>=</m:t>
-                    </m:r>
-                    <m:r>
-                      <a:rPr lang="fr-FR" b="1" i="1">
-                        <a:latin typeface="Cambria Math" panose="02040503050406030204" pitchFamily="18" charset="0"/>
-                      </a:rPr>
-                      <m:t>𝒃</m:t>
-                    </m:r>
-                  </m:oMath>
-                </a14:m>
-                <a:r>
-                  <a:rPr lang="en-US" dirty="0"/>
-                  <a:t> </a:t>
-                </a:r>
-              </a:p>
-            </p:txBody>
-          </p:sp>
-        </mc:Choice>
-        <mc:Fallback xmlns="">
-          <p:sp>
-            <p:nvSpPr>
-              <p:cNvPr id="12" name="ZoneTexte 11"/>
-              <p:cNvSpPr txBox="1">
-                <a:spLocks noRot="1" noChangeAspect="1" noMove="1" noResize="1" noEditPoints="1" noAdjustHandles="1" noChangeArrowheads="1" noChangeShapeType="1" noTextEdit="1"/>
-              </p:cNvSpPr>
-              <p:nvPr/>
-            </p:nvSpPr>
-            <p:spPr>
-              <a:xfrm>
-                <a:off x="5225440" y="2549611"/>
-                <a:ext cx="5963927" cy="923330"/>
-              </a:xfrm>
-              <a:prstGeom prst="rect">
-                <a:avLst/>
-              </a:prstGeom>
-              <a:blipFill rotWithShape="0">
-                <a:blip r:embed="rId4"/>
-                <a:stretch>
-                  <a:fillRect l="-817" t="-3289" b="-9211"/>
-                </a:stretch>
-              </a:blipFill>
-            </p:spPr>
-            <p:txBody>
-              <a:bodyPr/>
-              <a:lstStyle/>
-              <a:p>
-                <a:r>
-                  <a:rPr lang="en-US">
-                    <a:noFill/>
-                  </a:rPr>
-                  <a:t> </a:t>
-                </a:r>
-              </a:p>
-            </p:txBody>
-          </p:sp>
-        </mc:Fallback>
-      </mc:AlternateContent>
-      <mc:AlternateContent xmlns:mc="http://schemas.openxmlformats.org/markup-compatibility/2006" xmlns:a14="http://schemas.microsoft.com/office/drawing/2010/main">
-        <mc:Choice Requires="a14">
-          <p:sp>
-            <p:nvSpPr>
-              <p:cNvPr id="13" name="Rectangle 12"/>
-              <p:cNvSpPr/>
-              <p:nvPr/>
-            </p:nvSpPr>
-            <p:spPr>
-              <a:xfrm>
-                <a:off x="1394035" y="2655346"/>
-                <a:ext cx="367985" cy="369332"/>
-              </a:xfrm>
-              <a:prstGeom prst="rect">
-                <a:avLst/>
-              </a:prstGeom>
-            </p:spPr>
-            <p:txBody>
-              <a:bodyPr wrap="none">
-                <a:spAutoFit/>
-              </a:bodyPr>
-              <a:lstStyle/>
-              <a:p>
-                <a:pPr/>
-                <a14:m>
-                  <m:oMathPara xmlns:m="http://schemas.openxmlformats.org/officeDocument/2006/math">
-                    <m:oMathParaPr>
-                      <m:jc m:val="centerGroup"/>
-                    </m:oMathParaPr>
-                    <m:oMath xmlns:m="http://schemas.openxmlformats.org/officeDocument/2006/math">
-                      <m:r>
-                        <a:rPr lang="en-US" i="1" dirty="0">
-                          <a:latin typeface="Cambria Math" panose="02040503050406030204" pitchFamily="18" charset="0"/>
-                        </a:rPr>
-                        <m:t>𝑥</m:t>
-                      </m:r>
-                    </m:oMath>
-                  </m:oMathPara>
-                </a14:m>
-                <a:endParaRPr lang="en-US" dirty="0"/>
-              </a:p>
-            </p:txBody>
-          </p:sp>
-        </mc:Choice>
-        <mc:Fallback xmlns="">
-          <p:sp>
-            <p:nvSpPr>
-              <p:cNvPr id="13" name="Rectangle 12"/>
-              <p:cNvSpPr>
-                <a:spLocks noRot="1" noChangeAspect="1" noMove="1" noResize="1" noEditPoints="1" noAdjustHandles="1" noChangeArrowheads="1" noChangeShapeType="1" noTextEdit="1"/>
-              </p:cNvSpPr>
-              <p:nvPr/>
-            </p:nvSpPr>
-            <p:spPr>
-              <a:xfrm>
-                <a:off x="1394035" y="2655346"/>
-                <a:ext cx="367985" cy="369332"/>
-              </a:xfrm>
-              <a:prstGeom prst="rect">
-                <a:avLst/>
-              </a:prstGeom>
-              <a:blipFill rotWithShape="0">
-                <a:blip r:embed="rId5"/>
-                <a:stretch>
-                  <a:fillRect/>
-                </a:stretch>
-              </a:blipFill>
-            </p:spPr>
-            <p:txBody>
-              <a:bodyPr/>
-              <a:lstStyle/>
-              <a:p>
-                <a:r>
-                  <a:rPr lang="en-US">
-                    <a:noFill/>
-                  </a:rPr>
-                  <a:t> </a:t>
-                </a:r>
-              </a:p>
-            </p:txBody>
-          </p:sp>
-        </mc:Fallback>
-      </mc:AlternateContent>
-      <mc:AlternateContent xmlns:mc="http://schemas.openxmlformats.org/markup-compatibility/2006" xmlns:a14="http://schemas.microsoft.com/office/drawing/2010/main">
-        <mc:Choice Requires="a14">
-          <p:sp>
-            <p:nvSpPr>
-              <p:cNvPr id="14" name="Rectangle 13"/>
-              <p:cNvSpPr/>
-              <p:nvPr/>
-            </p:nvSpPr>
-            <p:spPr>
-              <a:xfrm>
-                <a:off x="3296709" y="3016691"/>
-                <a:ext cx="371384" cy="369332"/>
-              </a:xfrm>
-              <a:prstGeom prst="rect">
-                <a:avLst/>
-              </a:prstGeom>
-            </p:spPr>
-            <p:txBody>
-              <a:bodyPr wrap="none">
-                <a:spAutoFit/>
-              </a:bodyPr>
-              <a:lstStyle/>
-              <a:p>
-                <a:pPr/>
-                <a14:m>
-                  <m:oMathPara xmlns:m="http://schemas.openxmlformats.org/officeDocument/2006/math">
-                    <m:oMathParaPr>
-                      <m:jc m:val="centerGroup"/>
-                    </m:oMathParaPr>
-                    <m:oMath xmlns:m="http://schemas.openxmlformats.org/officeDocument/2006/math">
-                      <m:r>
-                        <a:rPr lang="en-US" i="1" dirty="0">
-                          <a:latin typeface="Cambria Math" panose="02040503050406030204" pitchFamily="18" charset="0"/>
-                        </a:rPr>
-                        <m:t>𝑦</m:t>
-                      </m:r>
-                    </m:oMath>
-                  </m:oMathPara>
-                </a14:m>
-                <a:endParaRPr lang="en-US" dirty="0"/>
-              </a:p>
-            </p:txBody>
-          </p:sp>
-        </mc:Choice>
-        <mc:Fallback xmlns="">
-          <p:sp>
-            <p:nvSpPr>
-              <p:cNvPr id="14" name="Rectangle 13"/>
-              <p:cNvSpPr>
-                <a:spLocks noRot="1" noChangeAspect="1" noMove="1" noResize="1" noEditPoints="1" noAdjustHandles="1" noChangeArrowheads="1" noChangeShapeType="1" noTextEdit="1"/>
-              </p:cNvSpPr>
-              <p:nvPr/>
-            </p:nvSpPr>
-            <p:spPr>
-              <a:xfrm>
-                <a:off x="3296709" y="3016691"/>
-                <a:ext cx="371384" cy="369332"/>
-              </a:xfrm>
-              <a:prstGeom prst="rect">
-                <a:avLst/>
-              </a:prstGeom>
-              <a:blipFill rotWithShape="0">
-                <a:blip r:embed="rId6"/>
-                <a:stretch>
-                  <a:fillRect b="-6667"/>
-                </a:stretch>
-              </a:blipFill>
-            </p:spPr>
-            <p:txBody>
-              <a:bodyPr/>
-              <a:lstStyle/>
-              <a:p>
-                <a:r>
-                  <a:rPr lang="en-US">
-                    <a:noFill/>
-                  </a:rPr>
-                  <a:t> </a:t>
-                </a:r>
-              </a:p>
-            </p:txBody>
-          </p:sp>
-        </mc:Fallback>
-      </mc:AlternateContent>
-      <p:pic>
-        <p:nvPicPr>
-          <p:cNvPr id="15" name="Image 14"/>
-          <p:cNvPicPr>
-            <a:picLocks noChangeAspect="1"/>
-          </p:cNvPicPr>
-          <p:nvPr/>
-        </p:nvPicPr>
-        <p:blipFill>
-          <a:blip r:embed="rId7" cstate="print">
-            <a:extLst>
-              <a:ext uri="{28A0092B-C50C-407E-A947-70E740481C1C}">
-                <a14:useLocalDpi xmlns:a14="http://schemas.microsoft.com/office/drawing/2010/main" val="0"/>
-              </a:ext>
-            </a:extLst>
-          </a:blip>
-          <a:stretch>
-            <a:fillRect/>
-          </a:stretch>
-        </p:blipFill>
-        <p:spPr>
-          <a:xfrm>
-            <a:off x="768510" y="4571256"/>
-            <a:ext cx="1987020" cy="1487608"/>
-          </a:xfrm>
-          <a:prstGeom prst="rect">
-            <a:avLst/>
-          </a:prstGeom>
-        </p:spPr>
-      </p:pic>
-      <p:pic>
-        <p:nvPicPr>
-          <p:cNvPr id="16" name="Image 15"/>
-          <p:cNvPicPr>
-            <a:picLocks noChangeAspect="1"/>
-          </p:cNvPicPr>
-          <p:nvPr/>
-        </p:nvPicPr>
-        <p:blipFill>
-          <a:blip r:embed="rId8" cstate="print">
-            <a:extLst>
-              <a:ext uri="{28A0092B-C50C-407E-A947-70E740481C1C}">
-                <a14:useLocalDpi xmlns:a14="http://schemas.microsoft.com/office/drawing/2010/main" val="0"/>
-              </a:ext>
-            </a:extLst>
-          </a:blip>
-          <a:stretch>
-            <a:fillRect/>
-          </a:stretch>
-        </p:blipFill>
-        <p:spPr>
-          <a:xfrm>
-            <a:off x="2825220" y="4469997"/>
-            <a:ext cx="2257524" cy="1690125"/>
-          </a:xfrm>
-          <a:prstGeom prst="rect">
-            <a:avLst/>
-          </a:prstGeom>
-        </p:spPr>
-      </p:pic>
-      <p:sp>
-        <p:nvSpPr>
-          <p:cNvPr id="19" name="ZoneTexte 18"/>
-          <p:cNvSpPr txBox="1"/>
-          <p:nvPr/>
-        </p:nvSpPr>
-        <p:spPr>
-          <a:xfrm>
-            <a:off x="5082744" y="4714894"/>
-            <a:ext cx="6507894" cy="1200329"/>
-          </a:xfrm>
-          <a:prstGeom prst="rect">
-            <a:avLst/>
-          </a:prstGeom>
-          <a:noFill/>
-        </p:spPr>
-        <p:txBody>
-          <a:bodyPr wrap="square" rtlCol="0">
-            <a:spAutoFit/>
-          </a:bodyPr>
-          <a:lstStyle/>
-          <a:p>
-            <a:pPr marL="285750" indent="-285750">
-              <a:buFont typeface="Arial" panose="020B0604020202020204" pitchFamily="34" charset="0"/>
-              <a:buChar char="•"/>
-            </a:pPr>
-            <a:r>
-              <a:rPr lang="en-US" dirty="0" smtClean="0"/>
-              <a:t>Construct linear constraints exactly like for landmark but for a part of the shapes</a:t>
-            </a:r>
-            <a:r>
-              <a:rPr lang="en-US" dirty="0"/>
-              <a:t> </a:t>
-            </a:r>
-            <a:r>
-              <a:rPr lang="en-US" dirty="0" smtClean="0"/>
-              <a:t>: add more constraints  than few landmark point</a:t>
-            </a:r>
-          </a:p>
-          <a:p>
-            <a:pPr marL="285750" indent="-285750">
-              <a:buFont typeface="Arial" panose="020B0604020202020204" pitchFamily="34" charset="0"/>
-              <a:buChar char="•"/>
-            </a:pPr>
-            <a:r>
-              <a:rPr lang="en-US" dirty="0" smtClean="0"/>
-              <a:t>Need to pre-segment shape and match corresponding segments</a:t>
-            </a:r>
-          </a:p>
-        </p:txBody>
-      </p:sp>
-    </p:spTree>
-    <p:extLst>
-      <p:ext uri="{BB962C8B-B14F-4D97-AF65-F5344CB8AC3E}">
-        <p14:creationId xmlns:p14="http://schemas.microsoft.com/office/powerpoint/2010/main" val="3736656639"/>
-      </p:ext>
-    </p:extLst>
-  </p:cSld>
-  <p:clrMapOvr>
-    <a:masterClrMapping/>
-  </p:clrMapOvr>
-  <p:timing>
-    <p:tnLst>
-      <p:par>
-        <p:cTn id="1" dur="indefinite" restart="never" nodeType="tmRoot"/>
-      </p:par>
-    </p:tnLst>
-  </p:timing>
-</p:sld>
-</file>
-
-<file path=ppt/slides/slide11.xml><?xml version="1.0" encoding="utf-8"?>
-<p:sld xmlns:a="http://schemas.openxmlformats.org/drawingml/2006/main" xmlns:r="http://schemas.openxmlformats.org/officeDocument/2006/relationships" xmlns:p="http://schemas.openxmlformats.org/presentationml/2006/main">
-  <p:cSld>
-    <p:spTree>
-      <p:nvGrpSpPr>
-        <p:cNvPr id="1" name=""/>
-        <p:cNvGrpSpPr/>
-        <p:nvPr/>
-      </p:nvGrpSpPr>
-      <p:grpSpPr>
-        <a:xfrm>
-          <a:off x="0" y="0"/>
-          <a:ext cx="0" cy="0"/>
-          <a:chOff x="0" y="0"/>
-          <a:chExt cx="0" cy="0"/>
-        </a:xfrm>
-      </p:grpSpPr>
-      <p:sp>
-        <p:nvSpPr>
-          <p:cNvPr id="2" name="Title 1"/>
-          <p:cNvSpPr>
-            <a:spLocks noGrp="1"/>
-          </p:cNvSpPr>
-          <p:nvPr>
-            <p:ph type="title"/>
-          </p:nvPr>
-        </p:nvSpPr>
-        <p:spPr/>
-        <p:txBody>
-          <a:bodyPr/>
-          <a:lstStyle/>
-          <a:p>
-            <a:r>
               <a:rPr lang="fr-FR" dirty="0" smtClean="0"/>
               <a:t>Segmentation of the </a:t>
             </a:r>
@@ -5060,7 +4115,7 @@
 </p:sld>
 </file>
 
-<file path=ppt/slides/slide12.xml><?xml version="1.0" encoding="utf-8"?>
+<file path=ppt/slides/slide11.xml><?xml version="1.0" encoding="utf-8"?>
 <p:sld xmlns:a="http://schemas.openxmlformats.org/drawingml/2006/main" xmlns:r="http://schemas.openxmlformats.org/officeDocument/2006/relationships" xmlns:p="http://schemas.openxmlformats.org/presentationml/2006/main">
   <p:cSld>
     <p:spTree>
@@ -5584,6 +4639,443 @@
 </p:sld>
 </file>
 
+<file path=ppt/slides/slide12.xml><?xml version="1.0" encoding="utf-8"?>
+<p:sld xmlns:a="http://schemas.openxmlformats.org/drawingml/2006/main" xmlns:r="http://schemas.openxmlformats.org/officeDocument/2006/relationships" xmlns:p="http://schemas.openxmlformats.org/presentationml/2006/main">
+  <p:cSld>
+    <p:spTree>
+      <p:nvGrpSpPr>
+        <p:cNvPr id="1" name=""/>
+        <p:cNvGrpSpPr/>
+        <p:nvPr/>
+      </p:nvGrpSpPr>
+      <p:grpSpPr>
+        <a:xfrm>
+          <a:off x="0" y="0"/>
+          <a:ext cx="0" cy="0"/>
+          <a:chOff x="0" y="0"/>
+          <a:chExt cx="0" cy="0"/>
+        </a:xfrm>
+      </p:grpSpPr>
+      <p:sp>
+        <p:nvSpPr>
+          <p:cNvPr id="2" name="Title 1"/>
+          <p:cNvSpPr>
+            <a:spLocks noGrp="1"/>
+          </p:cNvSpPr>
+          <p:nvPr>
+            <p:ph type="title"/>
+          </p:nvPr>
+        </p:nvSpPr>
+        <p:spPr/>
+        <p:txBody>
+          <a:bodyPr/>
+          <a:lstStyle/>
+          <a:p>
+            <a:r>
+              <a:rPr lang="fr-FR" dirty="0" err="1" smtClean="0"/>
+              <a:t>Refinement</a:t>
+            </a:r>
+            <a:r>
+              <a:rPr lang="fr-FR" dirty="0" smtClean="0"/>
+              <a:t> and conversion to point to point</a:t>
+            </a:r>
+            <a:endParaRPr lang="fr-FR" dirty="0"/>
+          </a:p>
+        </p:txBody>
+      </p:sp>
+      <mc:AlternateContent xmlns:mc="http://schemas.openxmlformats.org/markup-compatibility/2006">
+        <mc:Choice xmlns:a14="http://schemas.microsoft.com/office/drawing/2010/main" Requires="a14">
+          <p:sp>
+            <p:nvSpPr>
+              <p:cNvPr id="3" name="Content Placeholder 2"/>
+              <p:cNvSpPr>
+                <a:spLocks noGrp="1"/>
+              </p:cNvSpPr>
+              <p:nvPr>
+                <p:ph idx="1"/>
+              </p:nvPr>
+            </p:nvSpPr>
+            <p:spPr/>
+            <p:txBody>
+              <a:bodyPr/>
+              <a:lstStyle/>
+              <a:p>
+                <a:r>
+                  <a:rPr lang="fr-FR" dirty="0" smtClean="0"/>
+                  <a:t>Refinement : </a:t>
+                </a:r>
+                <a:r>
+                  <a:rPr lang="fr-FR" dirty="0" err="1" smtClean="0"/>
+                  <a:t>Iterative</a:t>
+                </a:r>
+                <a:r>
+                  <a:rPr lang="fr-FR" dirty="0" smtClean="0"/>
+                  <a:t> closes point </a:t>
+                </a:r>
+                <a:r>
+                  <a:rPr lang="fr-FR" dirty="0" err="1" smtClean="0"/>
+                  <a:t>algorithm</a:t>
+                </a:r>
+                <a:r>
+                  <a:rPr lang="fr-FR" dirty="0" smtClean="0"/>
+                  <a:t> on the </a:t>
+                </a:r>
+                <a:r>
+                  <a:rPr lang="fr-FR" dirty="0" err="1" smtClean="0"/>
+                  <a:t>function</a:t>
+                </a:r>
+                <a:r>
+                  <a:rPr lang="fr-FR" dirty="0" smtClean="0"/>
+                  <a:t> </a:t>
+                </a:r>
+                <a:r>
+                  <a:rPr lang="fr-FR" dirty="0" err="1" smtClean="0"/>
+                  <a:t>space</a:t>
+                </a:r>
+                <a:endParaRPr lang="fr-FR" dirty="0" smtClean="0"/>
+              </a:p>
+              <a:p>
+                <a:pPr lvl="1"/>
+                <a:r>
+                  <a:rPr lang="fr-FR" dirty="0" err="1" smtClean="0"/>
+                  <a:t>Find</a:t>
+                </a:r>
+                <a:r>
+                  <a:rPr lang="fr-FR" dirty="0" smtClean="0"/>
+                  <a:t> </a:t>
+                </a:r>
+                <a:r>
+                  <a:rPr lang="fr-FR" dirty="0" err="1" smtClean="0"/>
+                  <a:t>correspondences</a:t>
+                </a:r>
+                <a:r>
+                  <a:rPr lang="fr-FR" dirty="0" smtClean="0"/>
+                  <a:t> </a:t>
+                </a:r>
+                <a:r>
+                  <a:rPr lang="fr-FR" dirty="0" err="1" smtClean="0"/>
+                  <a:t>between</a:t>
+                </a:r>
+                <a:r>
+                  <a:rPr lang="fr-FR" dirty="0" smtClean="0"/>
+                  <a:t> points </a:t>
+                </a:r>
+                <a:r>
+                  <a:rPr lang="fr-FR" dirty="0" err="1" smtClean="0"/>
+                  <a:t>using</a:t>
+                </a:r>
+                <a:r>
+                  <a:rPr lang="fr-FR" dirty="0" smtClean="0"/>
+                  <a:t> a good approximation of C</a:t>
+                </a:r>
+              </a:p>
+              <a:p>
+                <a:pPr lvl="1"/>
+                <a:r>
+                  <a:rPr lang="fr-FR" dirty="0" err="1" smtClean="0"/>
+                  <a:t>Find</a:t>
+                </a:r>
+                <a:r>
+                  <a:rPr lang="fr-FR" dirty="0" smtClean="0"/>
+                  <a:t> the best </a:t>
+                </a:r>
+                <a:r>
+                  <a:rPr lang="fr-FR" dirty="0" err="1" smtClean="0"/>
+                  <a:t>aligment</a:t>
+                </a:r>
+                <a:r>
+                  <a:rPr lang="fr-FR" dirty="0" smtClean="0"/>
+                  <a:t> for the </a:t>
+                </a:r>
+                <a:r>
+                  <a:rPr lang="fr-FR" dirty="0" err="1" smtClean="0"/>
+                  <a:t>corresponding</a:t>
+                </a:r>
+                <a:r>
+                  <a:rPr lang="fr-FR" dirty="0" smtClean="0"/>
+                  <a:t> points</a:t>
+                </a:r>
+              </a:p>
+              <a:p>
+                <a:pPr lvl="1"/>
+                <a:r>
+                  <a:rPr lang="fr-FR" dirty="0" smtClean="0"/>
+                  <a:t>Update matrix C and </a:t>
+                </a:r>
+                <a:r>
+                  <a:rPr lang="fr-FR" dirty="0" err="1" smtClean="0"/>
+                  <a:t>iterate</a:t>
+                </a:r>
+                <a:r>
+                  <a:rPr lang="fr-FR" dirty="0" smtClean="0"/>
+                  <a:t> </a:t>
+                </a:r>
+                <a:r>
+                  <a:rPr lang="fr-FR" dirty="0" err="1" smtClean="0"/>
+                  <a:t>until</a:t>
+                </a:r>
+                <a:r>
+                  <a:rPr lang="fr-FR" dirty="0" smtClean="0"/>
+                  <a:t> acceptable </a:t>
+                </a:r>
+                <a:r>
+                  <a:rPr lang="fr-FR" dirty="0" err="1" smtClean="0"/>
+                  <a:t>results</a:t>
+                </a:r>
+                <a:endParaRPr lang="fr-FR" dirty="0" smtClean="0"/>
+              </a:p>
+              <a:p>
+                <a:r>
+                  <a:rPr lang="fr-FR" dirty="0" smtClean="0"/>
+                  <a:t>Conversion point to point :</a:t>
+                </a:r>
+              </a:p>
+              <a:p>
+                <a:pPr lvl="1"/>
+                <a:r>
+                  <a:rPr lang="fr-FR" dirty="0" err="1" smtClean="0"/>
+                  <a:t>Build</a:t>
+                </a:r>
+                <a:r>
+                  <a:rPr lang="fr-FR" dirty="0" smtClean="0"/>
+                  <a:t> </a:t>
+                </a:r>
+                <a:r>
+                  <a:rPr lang="fr-FR" dirty="0" err="1" smtClean="0"/>
+                  <a:t>indicator</a:t>
+                </a:r>
+                <a:r>
+                  <a:rPr lang="fr-FR" dirty="0" smtClean="0"/>
+                  <a:t> </a:t>
+                </a:r>
+                <a:r>
+                  <a:rPr lang="fr-FR" dirty="0" err="1" smtClean="0"/>
+                  <a:t>function</a:t>
+                </a:r>
+                <a:r>
+                  <a:rPr lang="fr-FR" dirty="0" smtClean="0"/>
+                  <a:t> for </a:t>
+                </a:r>
+                <a:r>
+                  <a:rPr lang="fr-FR" dirty="0" err="1" smtClean="0"/>
+                  <a:t>each</a:t>
+                </a:r>
+                <a:r>
+                  <a:rPr lang="fr-FR" dirty="0" smtClean="0"/>
+                  <a:t> vertex, </a:t>
+                </a:r>
+                <a:r>
+                  <a:rPr lang="fr-FR" dirty="0" err="1" smtClean="0"/>
+                  <a:t>map</a:t>
+                </a:r>
+                <a:r>
+                  <a:rPr lang="fr-FR" dirty="0" smtClean="0"/>
+                  <a:t> the </a:t>
+                </a:r>
+                <a:r>
+                  <a:rPr lang="fr-FR" dirty="0" err="1" smtClean="0"/>
+                  <a:t>function</a:t>
+                </a:r>
+                <a:r>
+                  <a:rPr lang="fr-FR" dirty="0" smtClean="0"/>
+                  <a:t> and </a:t>
+                </a:r>
+                <a:r>
+                  <a:rPr lang="fr-FR" dirty="0" err="1" smtClean="0"/>
+                  <a:t>find</a:t>
+                </a:r>
+                <a:r>
+                  <a:rPr lang="fr-FR" dirty="0" smtClean="0"/>
+                  <a:t> the maximum </a:t>
+                </a:r>
+              </a:p>
+              <a:p>
+                <a:pPr lvl="1"/>
+                <a:r>
+                  <a:rPr lang="fr-FR" dirty="0" smtClean="0"/>
+                  <a:t>Or use </a:t>
+                </a:r>
+                <a:r>
+                  <a:rPr lang="fr-FR" dirty="0" err="1" smtClean="0"/>
+                  <a:t>find</a:t>
+                </a:r>
+                <a:r>
+                  <a:rPr lang="fr-FR" dirty="0" smtClean="0"/>
+                  <a:t> the </a:t>
+                </a:r>
+                <a:r>
+                  <a:rPr lang="fr-FR" dirty="0" err="1" smtClean="0"/>
+                  <a:t>nearest</a:t>
+                </a:r>
+                <a:r>
+                  <a:rPr lang="fr-FR" dirty="0" smtClean="0"/>
+                  <a:t> </a:t>
+                </a:r>
+                <a:r>
+                  <a:rPr lang="fr-FR" dirty="0" err="1" smtClean="0"/>
+                  <a:t>neighbour</a:t>
+                </a:r>
+                <a:r>
+                  <a:rPr lang="fr-FR" dirty="0" smtClean="0"/>
+                  <a:t> of </a:t>
+                </a:r>
+                <a14:m>
+                  <m:oMath xmlns:m="http://schemas.openxmlformats.org/officeDocument/2006/math">
+                    <m:r>
+                      <a:rPr lang="fr-FR" b="0" i="1" smtClean="0">
+                        <a:latin typeface="Cambria Math" panose="02040503050406030204" pitchFamily="18" charset="0"/>
+                      </a:rPr>
+                      <m:t>𝐶</m:t>
+                    </m:r>
+                    <m:sSup>
+                      <m:sSupPr>
+                        <m:ctrlPr>
+                          <a:rPr lang="fr-FR" b="0" i="1" smtClean="0">
+                            <a:latin typeface="Cambria Math" panose="02040503050406030204" pitchFamily="18" charset="0"/>
+                          </a:rPr>
+                        </m:ctrlPr>
+                      </m:sSupPr>
+                      <m:e>
+                        <m:r>
+                          <a:rPr lang="fr-FR" b="0" i="1" smtClean="0">
+                            <a:latin typeface="Cambria Math" panose="02040503050406030204" pitchFamily="18" charset="0"/>
+                            <a:ea typeface="Cambria Math" panose="02040503050406030204" pitchFamily="18" charset="0"/>
+                          </a:rPr>
+                          <m:t>𝜙</m:t>
+                        </m:r>
+                      </m:e>
+                      <m:sup>
+                        <m:r>
+                          <a:rPr lang="fr-FR" b="0" i="1" smtClean="0">
+                            <a:latin typeface="Cambria Math" panose="02040503050406030204" pitchFamily="18" charset="0"/>
+                          </a:rPr>
+                          <m:t>𝑀</m:t>
+                        </m:r>
+                      </m:sup>
+                    </m:sSup>
+                  </m:oMath>
+                </a14:m>
+                <a:r>
+                  <a:rPr lang="fr-FR" dirty="0" smtClean="0"/>
+                  <a:t> in </a:t>
+                </a:r>
+                <a14:m>
+                  <m:oMath xmlns:m="http://schemas.openxmlformats.org/officeDocument/2006/math">
+                    <m:sSup>
+                      <m:sSupPr>
+                        <m:ctrlPr>
+                          <a:rPr lang="fr-FR" i="1" smtClean="0">
+                            <a:latin typeface="Cambria Math" panose="02040503050406030204" pitchFamily="18" charset="0"/>
+                          </a:rPr>
+                        </m:ctrlPr>
+                      </m:sSupPr>
+                      <m:e>
+                        <m:r>
+                          <a:rPr lang="fr-FR" i="1" smtClean="0">
+                            <a:latin typeface="Cambria Math" panose="02040503050406030204" pitchFamily="18" charset="0"/>
+                            <a:ea typeface="Cambria Math" panose="02040503050406030204" pitchFamily="18" charset="0"/>
+                          </a:rPr>
+                          <m:t>𝜙</m:t>
+                        </m:r>
+                      </m:e>
+                      <m:sup>
+                        <m:r>
+                          <a:rPr lang="fr-FR" b="0" i="1" smtClean="0">
+                            <a:latin typeface="Cambria Math" panose="02040503050406030204" pitchFamily="18" charset="0"/>
+                          </a:rPr>
+                          <m:t>𝑁</m:t>
+                        </m:r>
+                      </m:sup>
+                    </m:sSup>
+                  </m:oMath>
+                </a14:m>
+                <a:r>
+                  <a:rPr lang="fr-FR" dirty="0" smtClean="0"/>
+                  <a:t> </a:t>
+                </a:r>
+                <a:r>
+                  <a:rPr lang="fr-FR" dirty="0" err="1" smtClean="0"/>
+                  <a:t>using</a:t>
+                </a:r>
+                <a:r>
+                  <a:rPr lang="fr-FR" dirty="0" smtClean="0"/>
+                  <a:t> an efficient </a:t>
+                </a:r>
+                <a:r>
+                  <a:rPr lang="fr-FR" dirty="0" err="1" smtClean="0"/>
+                  <a:t>search</a:t>
+                </a:r>
+                <a:r>
+                  <a:rPr lang="fr-FR" dirty="0" smtClean="0"/>
+                  <a:t> structure (</a:t>
+                </a:r>
+                <a:r>
+                  <a:rPr lang="fr-FR" dirty="0" err="1" smtClean="0"/>
+                  <a:t>kd-tree</a:t>
+                </a:r>
+                <a:r>
+                  <a:rPr lang="fr-FR" smtClean="0"/>
+                  <a:t>)</a:t>
+                </a:r>
+                <a:endParaRPr lang="fr-FR" dirty="0"/>
+              </a:p>
+            </p:txBody>
+          </p:sp>
+        </mc:Choice>
+        <mc:Fallback>
+          <p:sp>
+            <p:nvSpPr>
+              <p:cNvPr id="3" name="Content Placeholder 2"/>
+              <p:cNvSpPr>
+                <a:spLocks noGrp="1" noRot="1" noChangeAspect="1" noMove="1" noResize="1" noEditPoints="1" noAdjustHandles="1" noChangeArrowheads="1" noChangeShapeType="1" noTextEdit="1"/>
+              </p:cNvSpPr>
+              <p:nvPr>
+                <p:ph idx="1"/>
+              </p:nvPr>
+            </p:nvSpPr>
+            <p:spPr>
+              <a:blipFill rotWithShape="0">
+                <a:blip r:embed="rId2"/>
+                <a:stretch>
+                  <a:fillRect l="-1043" t="-2241"/>
+                </a:stretch>
+              </a:blipFill>
+            </p:spPr>
+            <p:txBody>
+              <a:bodyPr/>
+              <a:lstStyle/>
+              <a:p>
+                <a:r>
+                  <a:rPr lang="en-US">
+                    <a:noFill/>
+                  </a:rPr>
+                  <a:t> </a:t>
+                </a:r>
+              </a:p>
+            </p:txBody>
+          </p:sp>
+        </mc:Fallback>
+      </mc:AlternateContent>
+    </p:spTree>
+    <p:extLst>
+      <p:ext uri="{BB962C8B-B14F-4D97-AF65-F5344CB8AC3E}">
+        <p14:creationId xmlns:p14="http://schemas.microsoft.com/office/powerpoint/2010/main" val="1872179628"/>
+      </p:ext>
+    </p:extLst>
+  </p:cSld>
+  <p:clrMapOvr>
+    <a:masterClrMapping/>
+  </p:clrMapOvr>
+  <p:timing>
+    <p:tnLst>
+      <p:par>
+        <p:cTn id="1" dur="indefinite" restart="never" nodeType="tmRoot"/>
+      </p:par>
+    </p:tnLst>
+  </p:timing>
+</p:sld>
+</file>
+
 <file path=ppt/slides/slide13.xml><?xml version="1.0" encoding="utf-8"?>
 <p:sld xmlns:a="http://schemas.openxmlformats.org/drawingml/2006/main" xmlns:r="http://schemas.openxmlformats.org/officeDocument/2006/relationships" xmlns:p="http://schemas.openxmlformats.org/presentationml/2006/main">
   <p:cSld>
@@ -5617,40 +5109,389 @@
           <a:lstStyle/>
           <a:p>
             <a:r>
-              <a:rPr lang="fr-FR" dirty="0" err="1" smtClean="0"/>
-              <a:t>Refinement</a:t>
-            </a:r>
-            <a:r>
-              <a:rPr lang="fr-FR" dirty="0" smtClean="0"/>
-              <a:t> + conversion P2P - Alex </a:t>
-            </a:r>
-            <a:endParaRPr lang="fr-FR" dirty="0"/>
+              <a:rPr lang="en-US" dirty="0" smtClean="0"/>
+              <a:t>Recap and implementation </a:t>
+            </a:r>
+            <a:endParaRPr lang="en-US" dirty="0"/>
           </a:p>
         </p:txBody>
       </p:sp>
-      <p:sp>
-        <p:nvSpPr>
-          <p:cNvPr id="3" name="Content Placeholder 2"/>
-          <p:cNvSpPr>
-            <a:spLocks noGrp="1"/>
-          </p:cNvSpPr>
-          <p:nvPr>
-            <p:ph idx="1"/>
-          </p:nvPr>
-        </p:nvSpPr>
-        <p:spPr/>
-        <p:txBody>
-          <a:bodyPr/>
-          <a:lstStyle/>
-          <a:p>
-            <a:endParaRPr lang="fr-FR"/>
-          </a:p>
-        </p:txBody>
-      </p:sp>
+      <mc:AlternateContent xmlns:mc="http://schemas.openxmlformats.org/markup-compatibility/2006" xmlns:a14="http://schemas.microsoft.com/office/drawing/2010/main">
+        <mc:Choice Requires="a14">
+          <p:sp>
+            <p:nvSpPr>
+              <p:cNvPr id="3" name="Content Placeholder 2"/>
+              <p:cNvSpPr>
+                <a:spLocks noGrp="1"/>
+              </p:cNvSpPr>
+              <p:nvPr>
+                <p:ph idx="1"/>
+              </p:nvPr>
+            </p:nvSpPr>
+            <p:spPr/>
+            <p:txBody>
+              <a:bodyPr>
+                <a:normAutofit/>
+              </a:bodyPr>
+              <a:lstStyle/>
+              <a:p>
+                <a:pPr marL="514350" indent="-514350">
+                  <a:buFont typeface="+mj-lt"/>
+                  <a:buAutoNum type="arabicPeriod"/>
+                </a:pPr>
+                <a:r>
+                  <a:rPr lang="fr-FR" dirty="0" err="1" smtClean="0"/>
+                  <a:t>Compute</a:t>
+                </a:r>
+                <a:r>
+                  <a:rPr lang="fr-FR" dirty="0" smtClean="0"/>
+                  <a:t> Laplace-Beltrami </a:t>
+                </a:r>
+                <a:r>
+                  <a:rPr lang="fr-FR" dirty="0" err="1" smtClean="0"/>
+                  <a:t>operators</a:t>
+                </a:r>
+                <a:r>
+                  <a:rPr lang="fr-FR" dirty="0" smtClean="0"/>
+                  <a:t> and </a:t>
+                </a:r>
+                <a:r>
+                  <a:rPr lang="fr-FR" dirty="0" err="1" smtClean="0"/>
+                  <a:t>descriptors</a:t>
+                </a:r>
+                <a:r>
+                  <a:rPr lang="fr-FR" dirty="0" smtClean="0"/>
+                  <a:t> HKS and WKS</a:t>
+                </a:r>
+              </a:p>
+              <a:p>
+                <a:pPr marL="514350" indent="-514350">
+                  <a:buFont typeface="+mj-lt"/>
+                  <a:buAutoNum type="arabicPeriod"/>
+                </a:pPr>
+                <a:r>
+                  <a:rPr lang="fr-FR" dirty="0" smtClean="0"/>
+                  <a:t>Set up the </a:t>
+                </a:r>
+                <a:r>
+                  <a:rPr lang="fr-FR" dirty="0" err="1" smtClean="0"/>
+                  <a:t>linear</a:t>
+                </a:r>
+                <a:r>
+                  <a:rPr lang="fr-FR" dirty="0" smtClean="0"/>
+                  <a:t> system by </a:t>
+                </a:r>
+                <a:r>
+                  <a:rPr lang="fr-FR" dirty="0" err="1" smtClean="0"/>
+                  <a:t>adding</a:t>
+                </a:r>
+                <a:r>
+                  <a:rPr lang="fr-FR" dirty="0" smtClean="0"/>
+                  <a:t> </a:t>
+                </a:r>
+                <a:r>
+                  <a:rPr lang="fr-FR" dirty="0" err="1" smtClean="0"/>
+                  <a:t>linear</a:t>
+                </a:r>
+                <a:r>
+                  <a:rPr lang="fr-FR" dirty="0" smtClean="0"/>
+                  <a:t> </a:t>
+                </a:r>
+                <a:r>
+                  <a:rPr lang="fr-FR" dirty="0" err="1" smtClean="0"/>
+                  <a:t>constraints</a:t>
+                </a:r>
+                <a:endParaRPr lang="fr-FR" dirty="0" smtClean="0"/>
+              </a:p>
+              <a:p>
+                <a:pPr lvl="1"/>
+                <a:r>
+                  <a:rPr lang="fr-FR" dirty="0" err="1" smtClean="0"/>
+                  <a:t>Add</a:t>
+                </a:r>
+                <a:r>
+                  <a:rPr lang="fr-FR" dirty="0" smtClean="0"/>
+                  <a:t> </a:t>
+                </a:r>
+                <a:r>
+                  <a:rPr lang="fr-FR" dirty="0" err="1" smtClean="0"/>
+                  <a:t>descriptor</a:t>
+                </a:r>
+                <a:r>
+                  <a:rPr lang="fr-FR" dirty="0" smtClean="0"/>
+                  <a:t> </a:t>
+                </a:r>
+                <a:r>
+                  <a:rPr lang="fr-FR" dirty="0" err="1" smtClean="0"/>
+                  <a:t>constraints</a:t>
+                </a:r>
+                <a:r>
+                  <a:rPr lang="fr-FR" dirty="0" smtClean="0"/>
+                  <a:t> for HKS and WKS</a:t>
+                </a:r>
+              </a:p>
+              <a:p>
+                <a:pPr lvl="1"/>
+                <a:r>
+                  <a:rPr lang="fr-FR" dirty="0" smtClean="0"/>
+                  <a:t>Segment </a:t>
+                </a:r>
+                <a:r>
+                  <a:rPr lang="fr-FR" dirty="0" err="1" smtClean="0"/>
+                  <a:t>shapes</a:t>
+                </a:r>
+                <a:r>
+                  <a:rPr lang="fr-FR" dirty="0" smtClean="0"/>
+                  <a:t> and match parts </a:t>
+                </a:r>
+                <a:r>
+                  <a:rPr lang="fr-FR" dirty="0" err="1" smtClean="0"/>
+                  <a:t>between</a:t>
+                </a:r>
+                <a:r>
+                  <a:rPr lang="fr-FR" dirty="0" smtClean="0"/>
+                  <a:t> </a:t>
+                </a:r>
+                <a:r>
+                  <a:rPr lang="fr-FR" dirty="0" err="1" smtClean="0"/>
+                  <a:t>shapes</a:t>
+                </a:r>
+                <a:r>
+                  <a:rPr lang="fr-FR" dirty="0" smtClean="0"/>
+                  <a:t> </a:t>
+                </a:r>
+              </a:p>
+              <a:p>
+                <a:pPr lvl="1"/>
+                <a:r>
+                  <a:rPr lang="fr-FR" dirty="0" err="1"/>
+                  <a:t>A</a:t>
+                </a:r>
+                <a:r>
+                  <a:rPr lang="fr-FR" dirty="0" err="1" smtClean="0"/>
+                  <a:t>dd</a:t>
+                </a:r>
+                <a:r>
+                  <a:rPr lang="fr-FR" dirty="0" smtClean="0"/>
+                  <a:t> segment </a:t>
+                </a:r>
+                <a:r>
+                  <a:rPr lang="fr-FR" dirty="0" err="1" smtClean="0"/>
+                  <a:t>correspondences</a:t>
+                </a:r>
+                <a:r>
+                  <a:rPr lang="fr-FR" dirty="0" smtClean="0"/>
+                  <a:t> </a:t>
+                </a:r>
+                <a:r>
+                  <a:rPr lang="fr-FR" dirty="0" err="1" smtClean="0"/>
+                  <a:t>constraints</a:t>
+                </a:r>
+                <a:endParaRPr lang="fr-FR" dirty="0" smtClean="0"/>
+              </a:p>
+              <a:p>
+                <a:pPr lvl="1"/>
+                <a:r>
+                  <a:rPr lang="fr-FR" dirty="0" err="1" smtClean="0"/>
+                  <a:t>Add</a:t>
+                </a:r>
+                <a:r>
+                  <a:rPr lang="fr-FR" dirty="0" smtClean="0"/>
+                  <a:t> </a:t>
+                </a:r>
+                <a:r>
+                  <a:rPr lang="fr-FR" dirty="0"/>
+                  <a:t>LB </a:t>
+                </a:r>
+                <a:r>
+                  <a:rPr lang="fr-FR" dirty="0" err="1" smtClean="0"/>
+                  <a:t>operator</a:t>
+                </a:r>
+                <a:r>
+                  <a:rPr lang="fr-FR" dirty="0" smtClean="0"/>
+                  <a:t> </a:t>
+                </a:r>
+                <a:r>
+                  <a:rPr lang="fr-FR" dirty="0" err="1" smtClean="0"/>
+                  <a:t>commutativity</a:t>
+                </a:r>
+                <a:r>
+                  <a:rPr lang="fr-FR" dirty="0" smtClean="0"/>
+                  <a:t> </a:t>
+                </a:r>
+                <a:r>
+                  <a:rPr lang="fr-FR" dirty="0" err="1" smtClean="0"/>
+                  <a:t>constraints</a:t>
+                </a:r>
+                <a:endParaRPr lang="fr-FR" dirty="0" smtClean="0"/>
+              </a:p>
+              <a:p>
+                <a:pPr marL="514350" indent="-514350">
+                  <a:buFont typeface="+mj-lt"/>
+                  <a:buAutoNum type="arabicPeriod"/>
+                </a:pPr>
+                <a:r>
+                  <a:rPr lang="fr-FR" dirty="0" err="1" smtClean="0"/>
+                  <a:t>Solve</a:t>
+                </a:r>
+                <a:r>
+                  <a:rPr lang="fr-FR" dirty="0" smtClean="0"/>
+                  <a:t> </a:t>
+                </a:r>
+                <a:r>
+                  <a:rPr lang="fr-FR" dirty="0" err="1" smtClean="0"/>
+                  <a:t>linear</a:t>
+                </a:r>
+                <a:r>
+                  <a:rPr lang="fr-FR" dirty="0" smtClean="0"/>
+                  <a:t> system </a:t>
+                </a:r>
+                <a14:m>
+                  <m:oMath xmlns:m="http://schemas.openxmlformats.org/officeDocument/2006/math">
+                    <m:r>
+                      <a:rPr lang="fr-FR" i="1">
+                        <a:latin typeface="Cambria Math" panose="02040503050406030204" pitchFamily="18" charset="0"/>
+                      </a:rPr>
+                      <m:t>𝐶</m:t>
+                    </m:r>
+                    <m:r>
+                      <a:rPr lang="fr-FR" b="1" i="1">
+                        <a:latin typeface="Cambria Math" panose="02040503050406030204" pitchFamily="18" charset="0"/>
+                      </a:rPr>
+                      <m:t>𝒂</m:t>
+                    </m:r>
+                    <m:r>
+                      <a:rPr lang="fr-FR" i="1">
+                        <a:latin typeface="Cambria Math" panose="02040503050406030204" pitchFamily="18" charset="0"/>
+                      </a:rPr>
+                      <m:t>=</m:t>
+                    </m:r>
+                    <m:r>
+                      <a:rPr lang="fr-FR" b="1" i="1">
+                        <a:latin typeface="Cambria Math" panose="02040503050406030204" pitchFamily="18" charset="0"/>
+                      </a:rPr>
+                      <m:t>𝒃</m:t>
+                    </m:r>
+                  </m:oMath>
+                </a14:m>
+                <a:r>
+                  <a:rPr lang="fr-FR" dirty="0" smtClean="0"/>
+                  <a:t>		</a:t>
+                </a:r>
+              </a:p>
+              <a:p>
+                <a:pPr marL="514350" indent="-514350">
+                  <a:buFont typeface="+mj-lt"/>
+                  <a:buAutoNum type="arabicPeriod"/>
+                </a:pPr>
+                <a:r>
+                  <a:rPr lang="fr-FR" dirty="0" smtClean="0"/>
+                  <a:t>Post-</a:t>
+                </a:r>
+                <a:r>
+                  <a:rPr lang="fr-FR" dirty="0" err="1" smtClean="0"/>
+                  <a:t>Processing</a:t>
+                </a:r>
+                <a:r>
+                  <a:rPr lang="fr-FR" dirty="0" smtClean="0"/>
+                  <a:t> </a:t>
+                </a:r>
+                <a:r>
+                  <a:rPr lang="fr-FR" dirty="0" err="1" smtClean="0"/>
+                  <a:t>Iterative</a:t>
+                </a:r>
+                <a:r>
+                  <a:rPr lang="fr-FR" dirty="0" smtClean="0"/>
+                  <a:t> </a:t>
+                </a:r>
+                <a:r>
+                  <a:rPr lang="fr-FR" dirty="0" err="1" smtClean="0"/>
+                  <a:t>Refinement</a:t>
+                </a:r>
+                <a:endParaRPr lang="fr-FR" dirty="0" smtClean="0"/>
+              </a:p>
+              <a:p>
+                <a:pPr marL="514350" indent="-514350">
+                  <a:buFont typeface="+mj-lt"/>
+                  <a:buAutoNum type="arabicPeriod"/>
+                </a:pPr>
+                <a:r>
+                  <a:rPr lang="fr-FR" dirty="0" smtClean="0"/>
+                  <a:t>Conversion to Point-to-Point (</a:t>
+                </a:r>
+                <a:r>
+                  <a:rPr lang="fr-FR" dirty="0" err="1" smtClean="0"/>
+                  <a:t>recovering</a:t>
+                </a:r>
+                <a:r>
+                  <a:rPr lang="fr-FR" dirty="0" smtClean="0"/>
+                  <a:t> T </a:t>
+                </a:r>
+                <a:r>
+                  <a:rPr lang="fr-FR" dirty="0" err="1" smtClean="0"/>
+                  <a:t>from</a:t>
+                </a:r>
+                <a:r>
+                  <a:rPr lang="fr-FR" dirty="0" smtClean="0"/>
+                  <a:t> </a:t>
+                </a:r>
+                <a14:m>
+                  <m:oMath xmlns:m="http://schemas.openxmlformats.org/officeDocument/2006/math">
+                    <m:r>
+                      <a:rPr lang="fr-FR" i="1" dirty="0" smtClean="0">
+                        <a:latin typeface="Cambria Math" panose="02040503050406030204" pitchFamily="18" charset="0"/>
+                      </a:rPr>
+                      <m:t>𝐶</m:t>
+                    </m:r>
+                  </m:oMath>
+                </a14:m>
+                <a:r>
+                  <a:rPr lang="fr-FR" dirty="0" smtClean="0"/>
+                  <a:t>)</a:t>
+                </a:r>
+                <a:endParaRPr lang="fr-FR" dirty="0"/>
+              </a:p>
+            </p:txBody>
+          </p:sp>
+        </mc:Choice>
+        <mc:Fallback xmlns="">
+          <p:sp>
+            <p:nvSpPr>
+              <p:cNvPr id="3" name="Content Placeholder 2"/>
+              <p:cNvSpPr>
+                <a:spLocks noGrp="1" noRot="1" noChangeAspect="1" noMove="1" noResize="1" noEditPoints="1" noAdjustHandles="1" noChangeArrowheads="1" noChangeShapeType="1" noTextEdit="1"/>
+              </p:cNvSpPr>
+              <p:nvPr>
+                <p:ph idx="1"/>
+              </p:nvPr>
+            </p:nvSpPr>
+            <p:spPr>
+              <a:blipFill rotWithShape="0">
+                <a:blip r:embed="rId2"/>
+                <a:stretch>
+                  <a:fillRect l="-1217" t="-2381"/>
+                </a:stretch>
+              </a:blipFill>
+            </p:spPr>
+            <p:txBody>
+              <a:bodyPr/>
+              <a:lstStyle/>
+              <a:p>
+                <a:r>
+                  <a:rPr lang="en-US">
+                    <a:noFill/>
+                  </a:rPr>
+                  <a:t> </a:t>
+                </a:r>
+              </a:p>
+            </p:txBody>
+          </p:sp>
+        </mc:Fallback>
+      </mc:AlternateContent>
     </p:spTree>
     <p:extLst>
       <p:ext uri="{BB962C8B-B14F-4D97-AF65-F5344CB8AC3E}">
-        <p14:creationId xmlns:p14="http://schemas.microsoft.com/office/powerpoint/2010/main" val="3312705245"/>
+        <p14:creationId xmlns:p14="http://schemas.microsoft.com/office/powerpoint/2010/main" val="3968810430"/>
       </p:ext>
     </p:extLst>
   </p:cSld>
@@ -5700,389 +5541,306 @@
           <a:lstStyle/>
           <a:p>
             <a:r>
-              <a:rPr lang="en-US" dirty="0" smtClean="0"/>
-              <a:t>Recap and implementation </a:t>
-            </a:r>
-            <a:endParaRPr lang="en-US" dirty="0"/>
+              <a:rPr lang="fr-FR" dirty="0" err="1" smtClean="0"/>
+              <a:t>Preliminary</a:t>
+            </a:r>
+            <a:r>
+              <a:rPr lang="fr-FR" dirty="0" smtClean="0"/>
+              <a:t> </a:t>
+            </a:r>
+            <a:r>
+              <a:rPr lang="fr-FR" dirty="0" err="1" smtClean="0"/>
+              <a:t>results</a:t>
+            </a:r>
+            <a:r>
+              <a:rPr lang="fr-FR" dirty="0" smtClean="0"/>
+              <a:t> – Computation of </a:t>
+            </a:r>
+            <a:r>
+              <a:rPr lang="fr-FR" dirty="0" err="1" smtClean="0"/>
+              <a:t>map</a:t>
+            </a:r>
+            <a:r>
+              <a:rPr lang="fr-FR" dirty="0" smtClean="0"/>
+              <a:t> C</a:t>
+            </a:r>
+            <a:endParaRPr lang="fr-FR" dirty="0"/>
           </a:p>
         </p:txBody>
       </p:sp>
-      <mc:AlternateContent xmlns:mc="http://schemas.openxmlformats.org/markup-compatibility/2006" xmlns:a14="http://schemas.microsoft.com/office/drawing/2010/main">
-        <mc:Choice Requires="a14">
-          <p:sp>
-            <p:nvSpPr>
-              <p:cNvPr id="3" name="Content Placeholder 2"/>
-              <p:cNvSpPr>
-                <a:spLocks noGrp="1"/>
-              </p:cNvSpPr>
-              <p:nvPr>
-                <p:ph idx="1"/>
-              </p:nvPr>
-            </p:nvSpPr>
-            <p:spPr/>
-            <p:txBody>
-              <a:bodyPr>
-                <a:normAutofit/>
-              </a:bodyPr>
-              <a:lstStyle/>
-              <a:p>
-                <a:pPr marL="514350" indent="-514350">
-                  <a:buFont typeface="+mj-lt"/>
-                  <a:buAutoNum type="arabicPeriod"/>
-                </a:pPr>
-                <a:r>
-                  <a:rPr lang="fr-FR" dirty="0" err="1" smtClean="0"/>
-                  <a:t>Compute</a:t>
-                </a:r>
-                <a:r>
-                  <a:rPr lang="fr-FR" dirty="0" smtClean="0"/>
-                  <a:t> Laplace-Beltrami </a:t>
-                </a:r>
-                <a:r>
-                  <a:rPr lang="fr-FR" dirty="0" err="1" smtClean="0"/>
-                  <a:t>operators</a:t>
-                </a:r>
-                <a:r>
-                  <a:rPr lang="fr-FR" dirty="0" smtClean="0"/>
-                  <a:t> and </a:t>
-                </a:r>
-                <a:r>
-                  <a:rPr lang="fr-FR" dirty="0" err="1" smtClean="0"/>
-                  <a:t>descriptors</a:t>
-                </a:r>
-                <a:r>
-                  <a:rPr lang="fr-FR" dirty="0" smtClean="0"/>
-                  <a:t> HKS and WKS</a:t>
-                </a:r>
-              </a:p>
-              <a:p>
-                <a:pPr marL="514350" indent="-514350">
-                  <a:buFont typeface="+mj-lt"/>
-                  <a:buAutoNum type="arabicPeriod"/>
-                </a:pPr>
-                <a:r>
-                  <a:rPr lang="fr-FR" dirty="0" smtClean="0"/>
-                  <a:t>Set up the </a:t>
-                </a:r>
-                <a:r>
-                  <a:rPr lang="fr-FR" dirty="0" err="1" smtClean="0"/>
-                  <a:t>linear</a:t>
-                </a:r>
-                <a:r>
-                  <a:rPr lang="fr-FR" dirty="0" smtClean="0"/>
-                  <a:t> system by </a:t>
-                </a:r>
-                <a:r>
-                  <a:rPr lang="fr-FR" dirty="0" err="1" smtClean="0"/>
-                  <a:t>adding</a:t>
-                </a:r>
-                <a:r>
-                  <a:rPr lang="fr-FR" dirty="0" smtClean="0"/>
-                  <a:t> </a:t>
-                </a:r>
-                <a:r>
-                  <a:rPr lang="fr-FR" dirty="0" err="1" smtClean="0"/>
-                  <a:t>linear</a:t>
-                </a:r>
-                <a:r>
-                  <a:rPr lang="fr-FR" dirty="0" smtClean="0"/>
-                  <a:t> </a:t>
-                </a:r>
-                <a:r>
-                  <a:rPr lang="fr-FR" dirty="0" err="1" smtClean="0"/>
-                  <a:t>constraints</a:t>
-                </a:r>
-                <a:endParaRPr lang="fr-FR" dirty="0" smtClean="0"/>
-              </a:p>
-              <a:p>
-                <a:pPr lvl="1"/>
-                <a:r>
-                  <a:rPr lang="fr-FR" dirty="0" err="1" smtClean="0"/>
-                  <a:t>Add</a:t>
-                </a:r>
-                <a:r>
-                  <a:rPr lang="fr-FR" dirty="0" smtClean="0"/>
-                  <a:t> </a:t>
-                </a:r>
-                <a:r>
-                  <a:rPr lang="fr-FR" dirty="0" err="1" smtClean="0"/>
-                  <a:t>descriptor</a:t>
-                </a:r>
-                <a:r>
-                  <a:rPr lang="fr-FR" dirty="0" smtClean="0"/>
-                  <a:t> </a:t>
-                </a:r>
-                <a:r>
-                  <a:rPr lang="fr-FR" dirty="0" err="1" smtClean="0"/>
-                  <a:t>constraints</a:t>
-                </a:r>
-                <a:r>
-                  <a:rPr lang="fr-FR" dirty="0" smtClean="0"/>
-                  <a:t> for HKS and WKS</a:t>
-                </a:r>
-              </a:p>
-              <a:p>
-                <a:pPr lvl="1"/>
-                <a:r>
-                  <a:rPr lang="fr-FR" dirty="0" smtClean="0"/>
-                  <a:t>Segment </a:t>
-                </a:r>
-                <a:r>
-                  <a:rPr lang="fr-FR" dirty="0" err="1" smtClean="0"/>
-                  <a:t>shapes</a:t>
-                </a:r>
-                <a:r>
-                  <a:rPr lang="fr-FR" dirty="0" smtClean="0"/>
-                  <a:t> and match parts </a:t>
-                </a:r>
-                <a:r>
-                  <a:rPr lang="fr-FR" dirty="0" err="1" smtClean="0"/>
-                  <a:t>between</a:t>
-                </a:r>
-                <a:r>
-                  <a:rPr lang="fr-FR" dirty="0" smtClean="0"/>
-                  <a:t> </a:t>
-                </a:r>
-                <a:r>
-                  <a:rPr lang="fr-FR" dirty="0" err="1" smtClean="0"/>
-                  <a:t>shape</a:t>
-                </a:r>
-                <a:r>
-                  <a:rPr lang="fr-FR" dirty="0" smtClean="0"/>
-                  <a:t> </a:t>
-                </a:r>
-              </a:p>
-              <a:p>
-                <a:pPr lvl="1"/>
-                <a:r>
-                  <a:rPr lang="fr-FR" dirty="0" err="1"/>
-                  <a:t>A</a:t>
-                </a:r>
-                <a:r>
-                  <a:rPr lang="fr-FR" dirty="0" err="1" smtClean="0"/>
-                  <a:t>dd</a:t>
-                </a:r>
-                <a:r>
-                  <a:rPr lang="fr-FR" dirty="0" smtClean="0"/>
-                  <a:t> segment </a:t>
-                </a:r>
-                <a:r>
-                  <a:rPr lang="fr-FR" dirty="0" err="1" smtClean="0"/>
-                  <a:t>correspondences</a:t>
-                </a:r>
-                <a:r>
-                  <a:rPr lang="fr-FR" dirty="0" smtClean="0"/>
-                  <a:t> </a:t>
-                </a:r>
-                <a:r>
-                  <a:rPr lang="fr-FR" dirty="0" err="1" smtClean="0"/>
-                  <a:t>constraints</a:t>
-                </a:r>
-                <a:endParaRPr lang="fr-FR" dirty="0" smtClean="0"/>
-              </a:p>
-              <a:p>
-                <a:pPr lvl="1"/>
-                <a:r>
-                  <a:rPr lang="fr-FR" dirty="0" err="1" smtClean="0"/>
-                  <a:t>Add</a:t>
-                </a:r>
-                <a:r>
-                  <a:rPr lang="fr-FR" dirty="0" smtClean="0"/>
-                  <a:t> </a:t>
-                </a:r>
-                <a:r>
-                  <a:rPr lang="fr-FR" dirty="0" err="1"/>
-                  <a:t>o</a:t>
-                </a:r>
-                <a:r>
-                  <a:rPr lang="fr-FR" dirty="0" err="1" smtClean="0"/>
-                  <a:t>perator</a:t>
-                </a:r>
-                <a:r>
-                  <a:rPr lang="fr-FR" dirty="0" smtClean="0"/>
-                  <a:t> </a:t>
-                </a:r>
-                <a:r>
-                  <a:rPr lang="fr-FR" dirty="0" err="1" smtClean="0"/>
-                  <a:t>commutativity</a:t>
-                </a:r>
-                <a:r>
-                  <a:rPr lang="fr-FR" dirty="0" smtClean="0"/>
-                  <a:t> LB </a:t>
-                </a:r>
-                <a:r>
-                  <a:rPr lang="fr-FR" dirty="0" err="1" smtClean="0"/>
-                  <a:t>constraints</a:t>
-                </a:r>
-                <a:endParaRPr lang="fr-FR" dirty="0" smtClean="0"/>
-              </a:p>
-              <a:p>
-                <a:pPr marL="514350" indent="-514350">
-                  <a:buFont typeface="+mj-lt"/>
-                  <a:buAutoNum type="arabicPeriod"/>
-                </a:pPr>
-                <a:r>
-                  <a:rPr lang="fr-FR" dirty="0" err="1" smtClean="0"/>
-                  <a:t>Solve</a:t>
-                </a:r>
-                <a:r>
-                  <a:rPr lang="fr-FR" dirty="0" smtClean="0"/>
-                  <a:t> </a:t>
-                </a:r>
-                <a:r>
-                  <a:rPr lang="fr-FR" dirty="0" err="1" smtClean="0"/>
-                  <a:t>linear</a:t>
-                </a:r>
-                <a:r>
-                  <a:rPr lang="fr-FR" dirty="0" smtClean="0"/>
-                  <a:t> system </a:t>
-                </a:r>
-                <a14:m>
-                  <m:oMath xmlns:m="http://schemas.openxmlformats.org/officeDocument/2006/math">
-                    <m:r>
-                      <a:rPr lang="fr-FR" i="1">
-                        <a:latin typeface="Cambria Math" panose="02040503050406030204" pitchFamily="18" charset="0"/>
-                      </a:rPr>
-                      <m:t>𝐶</m:t>
-                    </m:r>
-                    <m:r>
-                      <a:rPr lang="fr-FR" b="1" i="1">
-                        <a:latin typeface="Cambria Math" panose="02040503050406030204" pitchFamily="18" charset="0"/>
-                      </a:rPr>
-                      <m:t>𝒂</m:t>
-                    </m:r>
-                    <m:r>
-                      <a:rPr lang="fr-FR" i="1">
-                        <a:latin typeface="Cambria Math" panose="02040503050406030204" pitchFamily="18" charset="0"/>
-                      </a:rPr>
-                      <m:t>=</m:t>
-                    </m:r>
-                    <m:r>
-                      <a:rPr lang="fr-FR" b="1" i="1">
-                        <a:latin typeface="Cambria Math" panose="02040503050406030204" pitchFamily="18" charset="0"/>
-                      </a:rPr>
-                      <m:t>𝒃</m:t>
-                    </m:r>
-                  </m:oMath>
-                </a14:m>
-                <a:r>
-                  <a:rPr lang="fr-FR" dirty="0" smtClean="0"/>
-                  <a:t>		</a:t>
-                </a:r>
-              </a:p>
-              <a:p>
-                <a:pPr marL="514350" indent="-514350">
-                  <a:buFont typeface="+mj-lt"/>
-                  <a:buAutoNum type="arabicPeriod"/>
-                </a:pPr>
-                <a:r>
-                  <a:rPr lang="fr-FR" dirty="0" smtClean="0"/>
-                  <a:t>Post-</a:t>
-                </a:r>
-                <a:r>
-                  <a:rPr lang="fr-FR" dirty="0" err="1" smtClean="0"/>
-                  <a:t>Processing</a:t>
-                </a:r>
-                <a:r>
-                  <a:rPr lang="fr-FR" dirty="0" smtClean="0"/>
-                  <a:t> </a:t>
-                </a:r>
-                <a:r>
-                  <a:rPr lang="fr-FR" dirty="0" err="1" smtClean="0"/>
-                  <a:t>Iterative</a:t>
-                </a:r>
-                <a:r>
-                  <a:rPr lang="fr-FR" dirty="0" smtClean="0"/>
-                  <a:t> </a:t>
-                </a:r>
-                <a:r>
-                  <a:rPr lang="fr-FR" dirty="0" err="1" smtClean="0"/>
-                  <a:t>Refinement</a:t>
-                </a:r>
-                <a:endParaRPr lang="fr-FR" dirty="0" smtClean="0"/>
-              </a:p>
-              <a:p>
-                <a:pPr marL="514350" indent="-514350">
-                  <a:buFont typeface="+mj-lt"/>
-                  <a:buAutoNum type="arabicPeriod"/>
-                </a:pPr>
-                <a:r>
-                  <a:rPr lang="fr-FR" dirty="0" smtClean="0"/>
-                  <a:t>Conversion to Point-to-Point (</a:t>
-                </a:r>
-                <a:r>
-                  <a:rPr lang="fr-FR" dirty="0" err="1" smtClean="0"/>
-                  <a:t>recovering</a:t>
-                </a:r>
-                <a:r>
-                  <a:rPr lang="fr-FR" dirty="0" smtClean="0"/>
-                  <a:t> T </a:t>
-                </a:r>
-                <a:r>
-                  <a:rPr lang="fr-FR" dirty="0" err="1" smtClean="0"/>
-                  <a:t>from</a:t>
-                </a:r>
-                <a:r>
-                  <a:rPr lang="fr-FR" dirty="0" smtClean="0"/>
-                  <a:t> </a:t>
-                </a:r>
-                <a14:m>
-                  <m:oMath xmlns:m="http://schemas.openxmlformats.org/officeDocument/2006/math">
-                    <m:r>
-                      <a:rPr lang="fr-FR" i="1" dirty="0" smtClean="0">
-                        <a:latin typeface="Cambria Math" panose="02040503050406030204" pitchFamily="18" charset="0"/>
-                      </a:rPr>
-                      <m:t>𝐶</m:t>
-                    </m:r>
-                  </m:oMath>
-                </a14:m>
-                <a:r>
-                  <a:rPr lang="fr-FR" dirty="0" smtClean="0"/>
-                  <a:t>)</a:t>
-                </a:r>
-                <a:endParaRPr lang="fr-FR" dirty="0"/>
-              </a:p>
-            </p:txBody>
-          </p:sp>
-        </mc:Choice>
-        <mc:Fallback xmlns="">
-          <p:sp>
-            <p:nvSpPr>
-              <p:cNvPr id="3" name="Content Placeholder 2"/>
-              <p:cNvSpPr>
-                <a:spLocks noGrp="1" noRot="1" noChangeAspect="1" noMove="1" noResize="1" noEditPoints="1" noAdjustHandles="1" noChangeArrowheads="1" noChangeShapeType="1" noTextEdit="1"/>
-              </p:cNvSpPr>
-              <p:nvPr>
-                <p:ph idx="1"/>
-              </p:nvPr>
-            </p:nvSpPr>
-            <p:spPr>
-              <a:blipFill rotWithShape="0">
-                <a:blip r:embed="rId2"/>
-                <a:stretch>
-                  <a:fillRect l="-1217" t="-2381"/>
-                </a:stretch>
-              </a:blipFill>
-            </p:spPr>
-            <p:txBody>
-              <a:bodyPr/>
-              <a:lstStyle/>
-              <a:p>
-                <a:r>
-                  <a:rPr lang="en-US">
-                    <a:noFill/>
-                  </a:rPr>
-                  <a:t> </a:t>
-                </a:r>
-              </a:p>
-            </p:txBody>
-          </p:sp>
-        </mc:Fallback>
-      </mc:AlternateContent>
+      <p:pic>
+        <p:nvPicPr>
+          <p:cNvPr id="3" name="Picture 2"/>
+          <p:cNvPicPr>
+            <a:picLocks noChangeAspect="1"/>
+          </p:cNvPicPr>
+          <p:nvPr/>
+        </p:nvPicPr>
+        <p:blipFill>
+          <a:blip r:embed="rId2">
+            <a:extLst>
+              <a:ext uri="{28A0092B-C50C-407E-A947-70E740481C1C}">
+                <a14:useLocalDpi xmlns:a14="http://schemas.microsoft.com/office/drawing/2010/main" val="0"/>
+              </a:ext>
+            </a:extLst>
+          </a:blip>
+          <a:stretch>
+            <a:fillRect/>
+          </a:stretch>
+        </p:blipFill>
+        <p:spPr>
+          <a:xfrm>
+            <a:off x="838200" y="1690688"/>
+            <a:ext cx="2861929" cy="2142621"/>
+          </a:xfrm>
+          <a:prstGeom prst="rect">
+            <a:avLst/>
+          </a:prstGeom>
+        </p:spPr>
+      </p:pic>
+      <p:pic>
+        <p:nvPicPr>
+          <p:cNvPr id="4" name="Picture 3"/>
+          <p:cNvPicPr>
+            <a:picLocks noChangeAspect="1"/>
+          </p:cNvPicPr>
+          <p:nvPr/>
+        </p:nvPicPr>
+        <p:blipFill>
+          <a:blip r:embed="rId3">
+            <a:extLst>
+              <a:ext uri="{28A0092B-C50C-407E-A947-70E740481C1C}">
+                <a14:useLocalDpi xmlns:a14="http://schemas.microsoft.com/office/drawing/2010/main" val="0"/>
+              </a:ext>
+            </a:extLst>
+          </a:blip>
+          <a:stretch>
+            <a:fillRect/>
+          </a:stretch>
+        </p:blipFill>
+        <p:spPr>
+          <a:xfrm>
+            <a:off x="838200" y="3833309"/>
+            <a:ext cx="2861929" cy="2142621"/>
+          </a:xfrm>
+          <a:prstGeom prst="rect">
+            <a:avLst/>
+          </a:prstGeom>
+        </p:spPr>
+      </p:pic>
+      <p:sp>
+        <p:nvSpPr>
+          <p:cNvPr id="6" name="TextBox 5"/>
+          <p:cNvSpPr txBox="1"/>
+          <p:nvPr/>
+        </p:nvSpPr>
+        <p:spPr>
+          <a:xfrm>
+            <a:off x="3700129" y="3235182"/>
+            <a:ext cx="4440383" cy="1754326"/>
+          </a:xfrm>
+          <a:prstGeom prst="rect">
+            <a:avLst/>
+          </a:prstGeom>
+          <a:noFill/>
+        </p:spPr>
+        <p:txBody>
+          <a:bodyPr wrap="none" rtlCol="0">
+            <a:spAutoFit/>
+          </a:bodyPr>
+          <a:lstStyle/>
+          <a:p>
+            <a:r>
+              <a:rPr lang="fr-FR" dirty="0" err="1" smtClean="0"/>
+              <a:t>Map</a:t>
+            </a:r>
+            <a:r>
+              <a:rPr lang="fr-FR" dirty="0" smtClean="0"/>
+              <a:t> </a:t>
+            </a:r>
+            <a:r>
+              <a:rPr lang="fr-FR" dirty="0" err="1" smtClean="0"/>
+              <a:t>computed</a:t>
+            </a:r>
+            <a:r>
+              <a:rPr lang="fr-FR" dirty="0" smtClean="0"/>
+              <a:t> </a:t>
+            </a:r>
+            <a:r>
+              <a:rPr lang="fr-FR" dirty="0" err="1" smtClean="0"/>
+              <a:t>with</a:t>
+            </a:r>
+            <a:r>
+              <a:rPr lang="fr-FR" dirty="0" smtClean="0"/>
+              <a:t> 40 </a:t>
+            </a:r>
+            <a:r>
+              <a:rPr lang="fr-FR" dirty="0" err="1" smtClean="0"/>
+              <a:t>eigenfunctions</a:t>
+            </a:r>
+            <a:r>
+              <a:rPr lang="fr-FR" dirty="0" smtClean="0"/>
+              <a:t> </a:t>
+            </a:r>
+            <a:r>
+              <a:rPr lang="fr-FR" dirty="0" err="1" smtClean="0"/>
+              <a:t>with</a:t>
+            </a:r>
+            <a:endParaRPr lang="fr-FR" dirty="0" smtClean="0"/>
+          </a:p>
+          <a:p>
+            <a:pPr marL="285750" indent="-285750">
+              <a:buFont typeface="Arial" panose="020B0604020202020204" pitchFamily="34" charset="0"/>
+              <a:buChar char="•"/>
+            </a:pPr>
+            <a:r>
+              <a:rPr lang="fr-FR" dirty="0" smtClean="0"/>
+              <a:t>HKS </a:t>
+            </a:r>
+            <a:r>
+              <a:rPr lang="fr-FR" dirty="0" err="1" smtClean="0"/>
+              <a:t>preservation</a:t>
+            </a:r>
+            <a:r>
+              <a:rPr lang="fr-FR" dirty="0" smtClean="0"/>
+              <a:t> </a:t>
+            </a:r>
+            <a:r>
+              <a:rPr lang="fr-FR" dirty="0" err="1" smtClean="0"/>
+              <a:t>constraints</a:t>
+            </a:r>
+            <a:endParaRPr lang="fr-FR" dirty="0" smtClean="0"/>
+          </a:p>
+          <a:p>
+            <a:pPr marL="285750" indent="-285750">
+              <a:buFont typeface="Arial" panose="020B0604020202020204" pitchFamily="34" charset="0"/>
+              <a:buChar char="•"/>
+            </a:pPr>
+            <a:r>
+              <a:rPr lang="fr-FR" dirty="0" smtClean="0"/>
+              <a:t>WKS </a:t>
+            </a:r>
+            <a:r>
+              <a:rPr lang="fr-FR" dirty="0" err="1" smtClean="0"/>
+              <a:t>preservation</a:t>
+            </a:r>
+            <a:r>
+              <a:rPr lang="fr-FR" dirty="0" smtClean="0"/>
+              <a:t> </a:t>
+            </a:r>
+            <a:r>
+              <a:rPr lang="fr-FR" dirty="0" err="1" smtClean="0"/>
+              <a:t>constraints</a:t>
+            </a:r>
+            <a:endParaRPr lang="fr-FR" dirty="0" smtClean="0"/>
+          </a:p>
+          <a:p>
+            <a:pPr marL="285750" indent="-285750">
+              <a:buFont typeface="Arial" panose="020B0604020202020204" pitchFamily="34" charset="0"/>
+              <a:buChar char="•"/>
+            </a:pPr>
+            <a:r>
+              <a:rPr lang="fr-FR" dirty="0"/>
+              <a:t>One segment </a:t>
+            </a:r>
+            <a:r>
+              <a:rPr lang="fr-FR" dirty="0" err="1"/>
+              <a:t>preservation</a:t>
+            </a:r>
+            <a:r>
+              <a:rPr lang="fr-FR" dirty="0"/>
+              <a:t> </a:t>
+            </a:r>
+            <a:r>
+              <a:rPr lang="fr-FR" dirty="0" err="1" smtClean="0"/>
+              <a:t>constraint</a:t>
+            </a:r>
+            <a:r>
+              <a:rPr lang="fr-FR" dirty="0" smtClean="0"/>
+              <a:t> (</a:t>
+            </a:r>
+            <a:r>
+              <a:rPr lang="fr-FR" dirty="0" err="1" smtClean="0"/>
+              <a:t>tail</a:t>
+            </a:r>
+            <a:r>
+              <a:rPr lang="fr-FR" dirty="0" smtClean="0"/>
+              <a:t>)</a:t>
+            </a:r>
+          </a:p>
+          <a:p>
+            <a:pPr marL="285750" indent="-285750">
+              <a:buFont typeface="Arial" panose="020B0604020202020204" pitchFamily="34" charset="0"/>
+              <a:buChar char="•"/>
+            </a:pPr>
+            <a:r>
+              <a:rPr lang="fr-FR" dirty="0" smtClean="0"/>
+              <a:t>LB </a:t>
+            </a:r>
+            <a:r>
+              <a:rPr lang="fr-FR" dirty="0" err="1" smtClean="0"/>
+              <a:t>operator</a:t>
+            </a:r>
+            <a:r>
+              <a:rPr lang="fr-FR" dirty="0" smtClean="0"/>
+              <a:t> </a:t>
+            </a:r>
+            <a:r>
+              <a:rPr lang="fr-FR" dirty="0" err="1" smtClean="0"/>
+              <a:t>commutativity</a:t>
+            </a:r>
+            <a:r>
+              <a:rPr lang="fr-FR" dirty="0" smtClean="0"/>
+              <a:t> </a:t>
+            </a:r>
+            <a:r>
+              <a:rPr lang="fr-FR" dirty="0" err="1" smtClean="0"/>
+              <a:t>constraints</a:t>
+            </a:r>
+            <a:endParaRPr lang="fr-FR" dirty="0" smtClean="0"/>
+          </a:p>
+          <a:p>
+            <a:pPr marL="285750" indent="-285750">
+              <a:buFont typeface="Arial" panose="020B0604020202020204" pitchFamily="34" charset="0"/>
+              <a:buChar char="•"/>
+            </a:pPr>
+            <a:endParaRPr lang="fr-FR" dirty="0" smtClean="0"/>
+          </a:p>
+        </p:txBody>
+      </p:sp>
+      <p:pic>
+        <p:nvPicPr>
+          <p:cNvPr id="7" name="Picture 6"/>
+          <p:cNvPicPr>
+            <a:picLocks noChangeAspect="1"/>
+          </p:cNvPicPr>
+          <p:nvPr/>
+        </p:nvPicPr>
+        <p:blipFill rotWithShape="1">
+          <a:blip r:embed="rId4">
+            <a:extLst>
+              <a:ext uri="{28A0092B-C50C-407E-A947-70E740481C1C}">
+                <a14:useLocalDpi xmlns:a14="http://schemas.microsoft.com/office/drawing/2010/main" val="0"/>
+              </a:ext>
+            </a:extLst>
+          </a:blip>
+          <a:srcRect l="8724" r="7144"/>
+          <a:stretch/>
+        </p:blipFill>
+        <p:spPr>
+          <a:xfrm>
+            <a:off x="8140512" y="2036427"/>
+            <a:ext cx="4038600" cy="3593763"/>
+          </a:xfrm>
+          <a:prstGeom prst="rect">
+            <a:avLst/>
+          </a:prstGeom>
+        </p:spPr>
+      </p:pic>
     </p:spTree>
     <p:extLst>
       <p:ext uri="{BB962C8B-B14F-4D97-AF65-F5344CB8AC3E}">
-        <p14:creationId xmlns:p14="http://schemas.microsoft.com/office/powerpoint/2010/main" val="3968810430"/>
+        <p14:creationId xmlns:p14="http://schemas.microsoft.com/office/powerpoint/2010/main" val="2106126263"/>
       </p:ext>
     </p:extLst>
   </p:cSld>
@@ -6092,9 +5850,141 @@
   <p:timing>
     <p:tnLst>
       <p:par>
-        <p:cTn id="1" dur="indefinite" restart="never" nodeType="tmRoot"/>
+        <p:cTn id="1" dur="indefinite" restart="never" nodeType="tmRoot">
+          <p:childTnLst>
+            <p:seq concurrent="1" nextAc="seek">
+              <p:cTn id="2" dur="indefinite" nodeType="mainSeq">
+                <p:childTnLst>
+                  <p:par>
+                    <p:cTn id="3" fill="hold">
+                      <p:stCondLst>
+                        <p:cond delay="indefinite"/>
+                      </p:stCondLst>
+                      <p:childTnLst>
+                        <p:par>
+                          <p:cTn id="4" fill="hold">
+                            <p:stCondLst>
+                              <p:cond delay="0"/>
+                            </p:stCondLst>
+                            <p:childTnLst>
+                              <p:par>
+                                <p:cTn id="5" presetID="10" presetClass="entr" presetSubtype="0" fill="hold" grpId="0" nodeType="clickEffect">
+                                  <p:stCondLst>
+                                    <p:cond delay="0"/>
+                                  </p:stCondLst>
+                                  <p:childTnLst>
+                                    <p:set>
+                                      <p:cBhvr>
+                                        <p:cTn id="6" dur="1" fill="hold">
+                                          <p:stCondLst>
+                                            <p:cond delay="0"/>
+                                          </p:stCondLst>
+                                        </p:cTn>
+                                        <p:tgtEl>
+                                          <p:spTgt spid="6"/>
+                                        </p:tgtEl>
+                                        <p:attrNameLst>
+                                          <p:attrName>style.visibility</p:attrName>
+                                        </p:attrNameLst>
+                                      </p:cBhvr>
+                                      <p:to>
+                                        <p:strVal val="visible"/>
+                                      </p:to>
+                                    </p:set>
+                                    <p:animEffect transition="in" filter="fade">
+                                      <p:cBhvr>
+                                        <p:cTn id="7" dur="500"/>
+                                        <p:tgtEl>
+                                          <p:spTgt spid="6"/>
+                                        </p:tgtEl>
+                                      </p:cBhvr>
+                                    </p:animEffect>
+                                  </p:childTnLst>
+                                </p:cTn>
+                              </p:par>
+                            </p:childTnLst>
+                          </p:cTn>
+                        </p:par>
+                      </p:childTnLst>
+                    </p:cTn>
+                  </p:par>
+                  <p:par>
+                    <p:cTn id="8" fill="hold">
+                      <p:stCondLst>
+                        <p:cond delay="indefinite"/>
+                      </p:stCondLst>
+                      <p:childTnLst>
+                        <p:par>
+                          <p:cTn id="9" fill="hold">
+                            <p:stCondLst>
+                              <p:cond delay="0"/>
+                            </p:stCondLst>
+                            <p:childTnLst>
+                              <p:par>
+                                <p:cTn id="10" presetID="10" presetClass="entr" presetSubtype="0" fill="hold" nodeType="clickEffect">
+                                  <p:stCondLst>
+                                    <p:cond delay="0"/>
+                                  </p:stCondLst>
+                                  <p:childTnLst>
+                                    <p:set>
+                                      <p:cBhvr>
+                                        <p:cTn id="11" dur="1" fill="hold">
+                                          <p:stCondLst>
+                                            <p:cond delay="0"/>
+                                          </p:stCondLst>
+                                        </p:cTn>
+                                        <p:tgtEl>
+                                          <p:spTgt spid="7"/>
+                                        </p:tgtEl>
+                                        <p:attrNameLst>
+                                          <p:attrName>style.visibility</p:attrName>
+                                        </p:attrNameLst>
+                                      </p:cBhvr>
+                                      <p:to>
+                                        <p:strVal val="visible"/>
+                                      </p:to>
+                                    </p:set>
+                                    <p:animEffect transition="in" filter="fade">
+                                      <p:cBhvr>
+                                        <p:cTn id="12" dur="500"/>
+                                        <p:tgtEl>
+                                          <p:spTgt spid="7"/>
+                                        </p:tgtEl>
+                                      </p:cBhvr>
+                                    </p:animEffect>
+                                  </p:childTnLst>
+                                </p:cTn>
+                              </p:par>
+                            </p:childTnLst>
+                          </p:cTn>
+                        </p:par>
+                      </p:childTnLst>
+                    </p:cTn>
+                  </p:par>
+                </p:childTnLst>
+              </p:cTn>
+              <p:prevCondLst>
+                <p:cond evt="onPrev" delay="0">
+                  <p:tgtEl>
+                    <p:sldTgt/>
+                  </p:tgtEl>
+                </p:cond>
+              </p:prevCondLst>
+              <p:nextCondLst>
+                <p:cond evt="onNext" delay="0">
+                  <p:tgtEl>
+                    <p:sldTgt/>
+                  </p:tgtEl>
+                </p:cond>
+              </p:nextCondLst>
+            </p:seq>
+          </p:childTnLst>
+        </p:cTn>
       </p:par>
     </p:tnLst>
+    <p:bldLst>
+      <p:bldP spid="6" grpId="0"/>
+    </p:bldLst>
   </p:timing>
 </p:sld>
 </file>
@@ -6133,39 +6023,420 @@
           <a:p>
             <a:r>
               <a:rPr lang="fr-FR" dirty="0" err="1" smtClean="0"/>
-              <a:t>Resultats</a:t>
+              <a:t>Preliminary</a:t>
             </a:r>
             <a:r>
               <a:rPr lang="fr-FR" dirty="0" smtClean="0"/>
-              <a:t> préliminaires – Descripteurs - Alex</a:t>
+              <a:t> </a:t>
+            </a:r>
+            <a:r>
+              <a:rPr lang="fr-FR" dirty="0" err="1" smtClean="0"/>
+              <a:t>results</a:t>
+            </a:r>
+            <a:r>
+              <a:rPr lang="fr-FR" dirty="0" smtClean="0"/>
+              <a:t> – Segment Transfer</a:t>
             </a:r>
             <a:endParaRPr lang="fr-FR" dirty="0"/>
+          </a:p>
+        </p:txBody>
+      </p:sp>
+      <p:pic>
+        <p:nvPicPr>
+          <p:cNvPr id="3" name="Image 2"/>
+          <p:cNvPicPr>
+            <a:picLocks noChangeAspect="1"/>
+          </p:cNvPicPr>
+          <p:nvPr/>
+        </p:nvPicPr>
+        <p:blipFill rotWithShape="1">
+          <a:blip r:embed="rId2">
+            <a:extLst>
+              <a:ext uri="{28A0092B-C50C-407E-A947-70E740481C1C}">
+                <a14:useLocalDpi xmlns:a14="http://schemas.microsoft.com/office/drawing/2010/main" val="0"/>
+              </a:ext>
+            </a:extLst>
+          </a:blip>
+          <a:srcRect l="24961" t="5879" r="19717" b="10833"/>
+          <a:stretch/>
+        </p:blipFill>
+        <p:spPr>
+          <a:xfrm>
+            <a:off x="838200" y="1678330"/>
+            <a:ext cx="1975386" cy="2226493"/>
+          </a:xfrm>
+          <a:prstGeom prst="rect">
+            <a:avLst/>
+          </a:prstGeom>
+        </p:spPr>
+      </p:pic>
+      <p:pic>
+        <p:nvPicPr>
+          <p:cNvPr id="4" name="Image 3"/>
+          <p:cNvPicPr>
+            <a:picLocks noChangeAspect="1"/>
+          </p:cNvPicPr>
+          <p:nvPr/>
+        </p:nvPicPr>
+        <p:blipFill rotWithShape="1">
+          <a:blip r:embed="rId3">
+            <a:extLst>
+              <a:ext uri="{28A0092B-C50C-407E-A947-70E740481C1C}">
+                <a14:useLocalDpi xmlns:a14="http://schemas.microsoft.com/office/drawing/2010/main" val="0"/>
+              </a:ext>
+            </a:extLst>
+          </a:blip>
+          <a:srcRect l="20542" t="7808" r="15931" b="11722"/>
+          <a:stretch/>
+        </p:blipFill>
+        <p:spPr>
+          <a:xfrm>
+            <a:off x="3331054" y="1413642"/>
+            <a:ext cx="2606070" cy="2471439"/>
+          </a:xfrm>
+          <a:prstGeom prst="rect">
+            <a:avLst/>
+          </a:prstGeom>
+        </p:spPr>
+      </p:pic>
+      <p:sp>
+        <p:nvSpPr>
+          <p:cNvPr id="5" name="Flèche droite 4"/>
+          <p:cNvSpPr/>
+          <p:nvPr/>
+        </p:nvSpPr>
+        <p:spPr>
+          <a:xfrm>
+            <a:off x="2907170" y="2666784"/>
+            <a:ext cx="423884" cy="222422"/>
+          </a:xfrm>
+          <a:prstGeom prst="rightArrow">
+            <a:avLst/>
+          </a:prstGeom>
+        </p:spPr>
+        <p:style>
+          <a:lnRef idx="2">
+            <a:schemeClr val="accent1">
+              <a:shade val="50000"/>
+            </a:schemeClr>
+          </a:lnRef>
+          <a:fillRef idx="1">
+            <a:schemeClr val="accent1"/>
+          </a:fillRef>
+          <a:effectRef idx="0">
+            <a:schemeClr val="accent1"/>
+          </a:effectRef>
+          <a:fontRef idx="minor">
+            <a:schemeClr val="lt1"/>
+          </a:fontRef>
+        </p:style>
+        <p:txBody>
+          <a:bodyPr rtlCol="0" anchor="ctr"/>
+          <a:lstStyle/>
+          <a:p>
+            <a:pPr algn="ctr"/>
+            <a:endParaRPr lang="en-US"/>
+          </a:p>
+        </p:txBody>
+      </p:sp>
+      <p:pic>
+        <p:nvPicPr>
+          <p:cNvPr id="6" name="Image 5"/>
+          <p:cNvPicPr>
+            <a:picLocks noChangeAspect="1"/>
+          </p:cNvPicPr>
+          <p:nvPr/>
+        </p:nvPicPr>
+        <p:blipFill rotWithShape="1">
+          <a:blip r:embed="rId4">
+            <a:extLst>
+              <a:ext uri="{28A0092B-C50C-407E-A947-70E740481C1C}">
+                <a14:useLocalDpi xmlns:a14="http://schemas.microsoft.com/office/drawing/2010/main" val="0"/>
+              </a:ext>
+            </a:extLst>
+          </a:blip>
+          <a:srcRect l="14630" t="5804" r="12919" b="9233"/>
+          <a:stretch/>
+        </p:blipFill>
+        <p:spPr>
+          <a:xfrm>
+            <a:off x="6571311" y="4011283"/>
+            <a:ext cx="2530363" cy="2221539"/>
+          </a:xfrm>
+          <a:prstGeom prst="rect">
+            <a:avLst/>
+          </a:prstGeom>
+        </p:spPr>
+      </p:pic>
+      <p:pic>
+        <p:nvPicPr>
+          <p:cNvPr id="7" name="Image 6"/>
+          <p:cNvPicPr>
+            <a:picLocks noChangeAspect="1"/>
+          </p:cNvPicPr>
+          <p:nvPr/>
+        </p:nvPicPr>
+        <p:blipFill rotWithShape="1">
+          <a:blip r:embed="rId5">
+            <a:extLst>
+              <a:ext uri="{28A0092B-C50C-407E-A947-70E740481C1C}">
+                <a14:useLocalDpi xmlns:a14="http://schemas.microsoft.com/office/drawing/2010/main" val="0"/>
+              </a:ext>
+            </a:extLst>
+          </a:blip>
+          <a:srcRect l="21145" t="2626" r="15817" b="12030"/>
+          <a:stretch/>
+        </p:blipFill>
+        <p:spPr>
+          <a:xfrm>
+            <a:off x="9539262" y="3919068"/>
+            <a:ext cx="2347938" cy="2379810"/>
+          </a:xfrm>
+          <a:prstGeom prst="rect">
+            <a:avLst/>
+          </a:prstGeom>
+        </p:spPr>
+      </p:pic>
+      <p:pic>
+        <p:nvPicPr>
+          <p:cNvPr id="8" name="Image 7"/>
+          <p:cNvPicPr>
+            <a:picLocks noChangeAspect="1"/>
+          </p:cNvPicPr>
+          <p:nvPr/>
+        </p:nvPicPr>
+        <p:blipFill rotWithShape="1">
+          <a:blip r:embed="rId6">
+            <a:extLst>
+              <a:ext uri="{28A0092B-C50C-407E-A947-70E740481C1C}">
+                <a14:useLocalDpi xmlns:a14="http://schemas.microsoft.com/office/drawing/2010/main" val="0"/>
+              </a:ext>
+            </a:extLst>
+          </a:blip>
+          <a:srcRect l="15959" t="15790" r="13587" b="4581"/>
+          <a:stretch/>
+        </p:blipFill>
+        <p:spPr>
+          <a:xfrm>
+            <a:off x="6454592" y="1690688"/>
+            <a:ext cx="2557549" cy="2164080"/>
+          </a:xfrm>
+          <a:prstGeom prst="rect">
+            <a:avLst/>
+          </a:prstGeom>
+        </p:spPr>
+      </p:pic>
+      <p:pic>
+        <p:nvPicPr>
+          <p:cNvPr id="10" name="Image 9"/>
+          <p:cNvPicPr>
+            <a:picLocks noChangeAspect="1"/>
+          </p:cNvPicPr>
+          <p:nvPr/>
+        </p:nvPicPr>
+        <p:blipFill rotWithShape="1">
+          <a:blip r:embed="rId7">
+            <a:extLst>
+              <a:ext uri="{28A0092B-C50C-407E-A947-70E740481C1C}">
+                <a14:useLocalDpi xmlns:a14="http://schemas.microsoft.com/office/drawing/2010/main" val="0"/>
+              </a:ext>
+            </a:extLst>
+          </a:blip>
+          <a:srcRect l="11174" t="19737" r="8958" b="20446"/>
+          <a:stretch/>
+        </p:blipFill>
+        <p:spPr>
+          <a:xfrm>
+            <a:off x="9318439" y="1954948"/>
+            <a:ext cx="2873561" cy="1611247"/>
+          </a:xfrm>
+          <a:prstGeom prst="rect">
+            <a:avLst/>
+          </a:prstGeom>
+        </p:spPr>
+      </p:pic>
+      <p:pic>
+        <p:nvPicPr>
+          <p:cNvPr id="11" name="Image 10"/>
+          <p:cNvPicPr>
+            <a:picLocks noChangeAspect="1"/>
+          </p:cNvPicPr>
+          <p:nvPr/>
+        </p:nvPicPr>
+        <p:blipFill rotWithShape="1">
+          <a:blip r:embed="rId8">
+            <a:extLst>
+              <a:ext uri="{28A0092B-C50C-407E-A947-70E740481C1C}">
+                <a14:useLocalDpi xmlns:a14="http://schemas.microsoft.com/office/drawing/2010/main" val="0"/>
+              </a:ext>
+            </a:extLst>
+          </a:blip>
+          <a:srcRect l="17710" t="9148" r="11265" b="9699"/>
+          <a:stretch/>
+        </p:blipFill>
+        <p:spPr>
+          <a:xfrm>
+            <a:off x="292983" y="4204461"/>
+            <a:ext cx="2364316" cy="2022487"/>
+          </a:xfrm>
+          <a:prstGeom prst="rect">
+            <a:avLst/>
+          </a:prstGeom>
+        </p:spPr>
+      </p:pic>
+      <p:pic>
+        <p:nvPicPr>
+          <p:cNvPr id="12" name="Image 11"/>
+          <p:cNvPicPr>
+            <a:picLocks noChangeAspect="1"/>
+          </p:cNvPicPr>
+          <p:nvPr/>
+        </p:nvPicPr>
+        <p:blipFill rotWithShape="1">
+          <a:blip r:embed="rId9">
+            <a:extLst>
+              <a:ext uri="{28A0092B-C50C-407E-A947-70E740481C1C}">
+                <a14:useLocalDpi xmlns:a14="http://schemas.microsoft.com/office/drawing/2010/main" val="0"/>
+              </a:ext>
+            </a:extLst>
+          </a:blip>
+          <a:srcRect l="15463" t="6287" r="8909" b="8142"/>
+          <a:stretch/>
+        </p:blipFill>
+        <p:spPr>
+          <a:xfrm>
+            <a:off x="3436429" y="4125018"/>
+            <a:ext cx="2659571" cy="2252909"/>
+          </a:xfrm>
+          <a:prstGeom prst="rect">
+            <a:avLst/>
+          </a:prstGeom>
+        </p:spPr>
+      </p:pic>
+      <p:sp>
+        <p:nvSpPr>
+          <p:cNvPr id="13" name="Flèche droite 12"/>
+          <p:cNvSpPr/>
+          <p:nvPr/>
+        </p:nvSpPr>
+        <p:spPr>
+          <a:xfrm>
+            <a:off x="2907170" y="5069120"/>
+            <a:ext cx="423884" cy="222422"/>
+          </a:xfrm>
+          <a:prstGeom prst="rightArrow">
+            <a:avLst/>
+          </a:prstGeom>
+        </p:spPr>
+        <p:style>
+          <a:lnRef idx="2">
+            <a:schemeClr val="accent1">
+              <a:shade val="50000"/>
+            </a:schemeClr>
+          </a:lnRef>
+          <a:fillRef idx="1">
+            <a:schemeClr val="accent1"/>
+          </a:fillRef>
+          <a:effectRef idx="0">
+            <a:schemeClr val="accent1"/>
+          </a:effectRef>
+          <a:fontRef idx="minor">
+            <a:schemeClr val="lt1"/>
+          </a:fontRef>
+        </p:style>
+        <p:txBody>
+          <a:bodyPr rtlCol="0" anchor="ctr"/>
+          <a:lstStyle/>
+          <a:p>
+            <a:pPr algn="ctr"/>
+            <a:endParaRPr lang="en-US"/>
           </a:p>
         </p:txBody>
       </p:sp>
       <p:sp>
         <p:nvSpPr>
-          <p:cNvPr id="3" name="Content Placeholder 2"/>
-          <p:cNvSpPr>
-            <a:spLocks noGrp="1"/>
-          </p:cNvSpPr>
-          <p:nvPr>
-            <p:ph idx="1"/>
-          </p:nvPr>
+          <p:cNvPr id="14" name="Flèche droite 13"/>
+          <p:cNvSpPr/>
+          <p:nvPr/>
         </p:nvSpPr>
-        <p:spPr/>
+        <p:spPr>
+          <a:xfrm>
+            <a:off x="8889732" y="2665737"/>
+            <a:ext cx="423884" cy="222422"/>
+          </a:xfrm>
+          <a:prstGeom prst="rightArrow">
+            <a:avLst/>
+          </a:prstGeom>
+        </p:spPr>
+        <p:style>
+          <a:lnRef idx="2">
+            <a:schemeClr val="accent1">
+              <a:shade val="50000"/>
+            </a:schemeClr>
+          </a:lnRef>
+          <a:fillRef idx="1">
+            <a:schemeClr val="accent1"/>
+          </a:fillRef>
+          <a:effectRef idx="0">
+            <a:schemeClr val="accent1"/>
+          </a:effectRef>
+          <a:fontRef idx="minor">
+            <a:schemeClr val="lt1"/>
+          </a:fontRef>
+        </p:style>
         <p:txBody>
-          <a:bodyPr/>
+          <a:bodyPr rtlCol="0" anchor="ctr"/>
           <a:lstStyle/>
           <a:p>
-            <a:endParaRPr lang="fr-FR"/>
+            <a:pPr algn="ctr"/>
+            <a:endParaRPr lang="en-US"/>
+          </a:p>
+        </p:txBody>
+      </p:sp>
+      <p:sp>
+        <p:nvSpPr>
+          <p:cNvPr id="15" name="Flèche droite 14"/>
+          <p:cNvSpPr/>
+          <p:nvPr/>
+        </p:nvSpPr>
+        <p:spPr>
+          <a:xfrm>
+            <a:off x="8889732" y="5069120"/>
+            <a:ext cx="423884" cy="222422"/>
+          </a:xfrm>
+          <a:prstGeom prst="rightArrow">
+            <a:avLst/>
+          </a:prstGeom>
+        </p:spPr>
+        <p:style>
+          <a:lnRef idx="2">
+            <a:schemeClr val="accent1">
+              <a:shade val="50000"/>
+            </a:schemeClr>
+          </a:lnRef>
+          <a:fillRef idx="1">
+            <a:schemeClr val="accent1"/>
+          </a:fillRef>
+          <a:effectRef idx="0">
+            <a:schemeClr val="accent1"/>
+          </a:effectRef>
+          <a:fontRef idx="minor">
+            <a:schemeClr val="lt1"/>
+          </a:fontRef>
+        </p:style>
+        <p:txBody>
+          <a:bodyPr rtlCol="0" anchor="ctr"/>
+          <a:lstStyle/>
+          <a:p>
+            <a:pPr algn="ctr"/>
+            <a:endParaRPr lang="en-US"/>
           </a:p>
         </p:txBody>
       </p:sp>
     </p:spTree>
     <p:extLst>
       <p:ext uri="{BB962C8B-B14F-4D97-AF65-F5344CB8AC3E}">
-        <p14:creationId xmlns:p14="http://schemas.microsoft.com/office/powerpoint/2010/main" val="1861282549"/>
+        <p14:creationId xmlns:p14="http://schemas.microsoft.com/office/powerpoint/2010/main" val="2535302492"/>
       </p:ext>
     </p:extLst>
   </p:cSld>
@@ -6215,203 +6486,587 @@
           <a:lstStyle/>
           <a:p>
             <a:r>
-              <a:rPr lang="fr-FR" dirty="0" err="1" smtClean="0"/>
-              <a:t>Preliminary</a:t>
-            </a:r>
-            <a:r>
               <a:rPr lang="fr-FR" dirty="0" smtClean="0"/>
-              <a:t> </a:t>
-            </a:r>
-            <a:r>
-              <a:rPr lang="fr-FR" dirty="0" err="1" smtClean="0"/>
-              <a:t>results</a:t>
+              <a:t>More applications and </a:t>
+            </a:r>
+            <a:r>
+              <a:rPr lang="fr-FR" smtClean="0"/>
+              <a:t>properties</a:t>
             </a:r>
             <a:r>
               <a:rPr lang="fr-FR" dirty="0" smtClean="0"/>
-              <a:t> – Segment Transfer</a:t>
+              <a:t>	</a:t>
             </a:r>
             <a:endParaRPr lang="fr-FR" dirty="0"/>
           </a:p>
         </p:txBody>
       </p:sp>
-      <p:pic>
-        <p:nvPicPr>
-          <p:cNvPr id="3" name="Image 2"/>
-          <p:cNvPicPr>
-            <a:picLocks noChangeAspect="1"/>
-          </p:cNvPicPr>
-          <p:nvPr/>
-        </p:nvPicPr>
-        <p:blipFill rotWithShape="1">
-          <a:blip r:embed="rId2">
-            <a:extLst>
-              <a:ext uri="{28A0092B-C50C-407E-A947-70E740481C1C}">
-                <a14:useLocalDpi xmlns:a14="http://schemas.microsoft.com/office/drawing/2010/main" val="0"/>
-              </a:ext>
-            </a:extLst>
-          </a:blip>
-          <a:srcRect l="24961" t="5879" r="19717" b="10833"/>
-          <a:stretch/>
-        </p:blipFill>
-        <p:spPr>
-          <a:xfrm>
-            <a:off x="2868461" y="2718341"/>
-            <a:ext cx="2022454" cy="2279544"/>
-          </a:xfrm>
-          <a:prstGeom prst="rect">
-            <a:avLst/>
-          </a:prstGeom>
-        </p:spPr>
-      </p:pic>
-      <p:pic>
-        <p:nvPicPr>
-          <p:cNvPr id="4" name="Image 3"/>
-          <p:cNvPicPr>
-            <a:picLocks noChangeAspect="1"/>
-          </p:cNvPicPr>
-          <p:nvPr/>
-        </p:nvPicPr>
-        <p:blipFill rotWithShape="1">
-          <a:blip r:embed="rId3">
-            <a:extLst>
-              <a:ext uri="{28A0092B-C50C-407E-A947-70E740481C1C}">
-                <a14:useLocalDpi xmlns:a14="http://schemas.microsoft.com/office/drawing/2010/main" val="0"/>
-              </a:ext>
-            </a:extLst>
-          </a:blip>
-          <a:srcRect l="20542" t="7808" r="15931" b="11722"/>
-          <a:stretch/>
-        </p:blipFill>
-        <p:spPr>
-          <a:xfrm>
-            <a:off x="5343331" y="2474543"/>
-            <a:ext cx="2660801" cy="2523342"/>
-          </a:xfrm>
-          <a:prstGeom prst="rect">
-            <a:avLst/>
-          </a:prstGeom>
-        </p:spPr>
-      </p:pic>
+      <mc:AlternateContent xmlns:mc="http://schemas.openxmlformats.org/markup-compatibility/2006">
+        <mc:Choice xmlns:a14="http://schemas.microsoft.com/office/drawing/2010/main" Requires="a14">
+          <p:sp>
+            <p:nvSpPr>
+              <p:cNvPr id="3" name="Content Placeholder 2"/>
+              <p:cNvSpPr>
+                <a:spLocks noGrp="1"/>
+              </p:cNvSpPr>
+              <p:nvPr>
+                <p:ph idx="1"/>
+              </p:nvPr>
+            </p:nvSpPr>
+            <p:spPr/>
+            <p:txBody>
+              <a:bodyPr/>
+              <a:lstStyle/>
+              <a:p>
+                <a:r>
+                  <a:rPr lang="fr-FR" dirty="0" smtClean="0"/>
+                  <a:t>Composition de </a:t>
+                </a:r>
+                <a:r>
+                  <a:rPr lang="fr-FR" dirty="0" err="1" smtClean="0"/>
+                  <a:t>mapping</a:t>
+                </a:r>
+                <a:r>
+                  <a:rPr lang="fr-FR" dirty="0" smtClean="0"/>
+                  <a:t> : </a:t>
+                </a:r>
+                <a14:m>
+                  <m:oMath xmlns:m="http://schemas.openxmlformats.org/officeDocument/2006/math">
+                    <m:sSub>
+                      <m:sSubPr>
+                        <m:ctrlPr>
+                          <a:rPr lang="fr-FR" i="1" smtClean="0">
+                            <a:latin typeface="Cambria Math" panose="02040503050406030204" pitchFamily="18" charset="0"/>
+                          </a:rPr>
+                        </m:ctrlPr>
+                      </m:sSubPr>
+                      <m:e>
+                        <m:r>
+                          <a:rPr lang="fr-FR" b="0" i="1" smtClean="0">
+                            <a:latin typeface="Cambria Math" panose="02040503050406030204" pitchFamily="18" charset="0"/>
+                          </a:rPr>
+                          <m:t>𝐶</m:t>
+                        </m:r>
+                      </m:e>
+                      <m:sub>
+                        <m:r>
+                          <a:rPr lang="fr-FR" b="0" i="1" smtClean="0">
+                            <a:latin typeface="Cambria Math" panose="02040503050406030204" pitchFamily="18" charset="0"/>
+                          </a:rPr>
+                          <m:t>1→3</m:t>
+                        </m:r>
+                      </m:sub>
+                    </m:sSub>
+                    <m:r>
+                      <a:rPr lang="fr-FR" b="0" i="1" smtClean="0">
+                        <a:latin typeface="Cambria Math" panose="02040503050406030204" pitchFamily="18" charset="0"/>
+                      </a:rPr>
+                      <m:t>=</m:t>
+                    </m:r>
+                    <m:sSub>
+                      <m:sSubPr>
+                        <m:ctrlPr>
+                          <a:rPr lang="fr-FR" b="0" i="1" smtClean="0">
+                            <a:latin typeface="Cambria Math" panose="02040503050406030204" pitchFamily="18" charset="0"/>
+                          </a:rPr>
+                        </m:ctrlPr>
+                      </m:sSubPr>
+                      <m:e>
+                        <m:r>
+                          <a:rPr lang="fr-FR" b="0" i="1" smtClean="0">
+                            <a:latin typeface="Cambria Math" panose="02040503050406030204" pitchFamily="18" charset="0"/>
+                          </a:rPr>
+                          <m:t>𝐶</m:t>
+                        </m:r>
+                      </m:e>
+                      <m:sub>
+                        <m:r>
+                          <a:rPr lang="fr-FR" b="0" i="1" smtClean="0">
+                            <a:latin typeface="Cambria Math" panose="02040503050406030204" pitchFamily="18" charset="0"/>
+                          </a:rPr>
+                          <m:t>2→3</m:t>
+                        </m:r>
+                      </m:sub>
+                    </m:sSub>
+                    <m:sSub>
+                      <m:sSubPr>
+                        <m:ctrlPr>
+                          <a:rPr lang="fr-FR" i="1">
+                            <a:latin typeface="Cambria Math" panose="02040503050406030204" pitchFamily="18" charset="0"/>
+                          </a:rPr>
+                        </m:ctrlPr>
+                      </m:sSubPr>
+                      <m:e>
+                        <m:r>
+                          <a:rPr lang="fr-FR" i="1">
+                            <a:latin typeface="Cambria Math" panose="02040503050406030204" pitchFamily="18" charset="0"/>
+                          </a:rPr>
+                          <m:t>𝐶</m:t>
+                        </m:r>
+                      </m:e>
+                      <m:sub>
+                        <m:r>
+                          <a:rPr lang="fr-FR" i="1">
+                            <a:latin typeface="Cambria Math" panose="02040503050406030204" pitchFamily="18" charset="0"/>
+                          </a:rPr>
+                          <m:t>1→2</m:t>
+                        </m:r>
+                      </m:sub>
+                    </m:sSub>
+                  </m:oMath>
+                </a14:m>
+                <a:endParaRPr lang="fr-FR" dirty="0" smtClean="0"/>
+              </a:p>
+              <a:p>
+                <a:r>
+                  <a:rPr lang="fr-FR" dirty="0" smtClean="0"/>
+                  <a:t>Inversion de </a:t>
+                </a:r>
+                <a:r>
+                  <a:rPr lang="fr-FR" dirty="0" err="1" smtClean="0"/>
+                  <a:t>mapping</a:t>
+                </a:r>
+                <a:r>
+                  <a:rPr lang="fr-FR" dirty="0" smtClean="0"/>
+                  <a:t> : </a:t>
+                </a:r>
+                <a14:m>
+                  <m:oMath xmlns:m="http://schemas.openxmlformats.org/officeDocument/2006/math">
+                    <m:sSub>
+                      <m:sSubPr>
+                        <m:ctrlPr>
+                          <a:rPr lang="fr-FR" i="1" smtClean="0">
+                            <a:latin typeface="Cambria Math" panose="02040503050406030204" pitchFamily="18" charset="0"/>
+                          </a:rPr>
+                        </m:ctrlPr>
+                      </m:sSubPr>
+                      <m:e>
+                        <m:r>
+                          <a:rPr lang="fr-FR" b="0" i="1" smtClean="0">
+                            <a:latin typeface="Cambria Math" panose="02040503050406030204" pitchFamily="18" charset="0"/>
+                          </a:rPr>
+                          <m:t>𝐶</m:t>
+                        </m:r>
+                      </m:e>
+                      <m:sub>
+                        <m:r>
+                          <a:rPr lang="fr-FR" b="0" i="1" smtClean="0">
+                            <a:latin typeface="Cambria Math" panose="02040503050406030204" pitchFamily="18" charset="0"/>
+                          </a:rPr>
+                          <m:t>2→1</m:t>
+                        </m:r>
+                      </m:sub>
+                    </m:sSub>
+                    <m:r>
+                      <a:rPr lang="fr-FR" b="0" i="1" smtClean="0">
+                        <a:latin typeface="Cambria Math" panose="02040503050406030204" pitchFamily="18" charset="0"/>
+                      </a:rPr>
+                      <m:t>=</m:t>
+                    </m:r>
+                    <m:sSubSup>
+                      <m:sSubSupPr>
+                        <m:ctrlPr>
+                          <a:rPr lang="fr-FR" i="1" smtClean="0">
+                            <a:latin typeface="Cambria Math" panose="02040503050406030204" pitchFamily="18" charset="0"/>
+                          </a:rPr>
+                        </m:ctrlPr>
+                      </m:sSubSupPr>
+                      <m:e>
+                        <m:r>
+                          <a:rPr lang="fr-FR" b="0" i="1" smtClean="0">
+                            <a:latin typeface="Cambria Math" panose="02040503050406030204" pitchFamily="18" charset="0"/>
+                          </a:rPr>
+                          <m:t>𝐶</m:t>
+                        </m:r>
+                      </m:e>
+                      <m:sub>
+                        <m:r>
+                          <a:rPr lang="fr-FR" b="0" i="1" smtClean="0">
+                            <a:latin typeface="Cambria Math" panose="02040503050406030204" pitchFamily="18" charset="0"/>
+                          </a:rPr>
+                          <m:t>1→2</m:t>
+                        </m:r>
+                      </m:sub>
+                      <m:sup>
+                        <m:r>
+                          <a:rPr lang="fr-FR" b="0" i="1" smtClean="0">
+                            <a:latin typeface="Cambria Math" panose="02040503050406030204" pitchFamily="18" charset="0"/>
+                          </a:rPr>
+                          <m:t>−1</m:t>
+                        </m:r>
+                      </m:sup>
+                    </m:sSubSup>
+                    <m:r>
+                      <a:rPr lang="fr-FR" b="0" i="1" smtClean="0">
+                        <a:latin typeface="Cambria Math" panose="02040503050406030204" pitchFamily="18" charset="0"/>
+                      </a:rPr>
+                      <m:t>= </m:t>
+                    </m:r>
+                    <m:sSubSup>
+                      <m:sSubSupPr>
+                        <m:ctrlPr>
+                          <a:rPr lang="fr-FR" b="0" i="1" smtClean="0">
+                            <a:latin typeface="Cambria Math" panose="02040503050406030204" pitchFamily="18" charset="0"/>
+                          </a:rPr>
+                        </m:ctrlPr>
+                      </m:sSubSupPr>
+                      <m:e>
+                        <m:r>
+                          <a:rPr lang="fr-FR" b="0" i="1" smtClean="0">
+                            <a:latin typeface="Cambria Math" panose="02040503050406030204" pitchFamily="18" charset="0"/>
+                          </a:rPr>
+                          <m:t>𝐶</m:t>
+                        </m:r>
+                      </m:e>
+                      <m:sub>
+                        <m:r>
+                          <a:rPr lang="fr-FR" b="0" i="1" smtClean="0">
+                            <a:latin typeface="Cambria Math" panose="02040503050406030204" pitchFamily="18" charset="0"/>
+                          </a:rPr>
+                          <m:t>1→2</m:t>
+                        </m:r>
+                      </m:sub>
+                      <m:sup>
+                        <m:r>
+                          <a:rPr lang="fr-FR" b="0" i="1" smtClean="0">
+                            <a:latin typeface="Cambria Math" panose="02040503050406030204" pitchFamily="18" charset="0"/>
+                          </a:rPr>
+                          <m:t>𝑡</m:t>
+                        </m:r>
+                      </m:sup>
+                    </m:sSubSup>
+                  </m:oMath>
+                </a14:m>
+                <a:endParaRPr lang="fr-FR" dirty="0" smtClean="0"/>
+              </a:p>
+              <a:p>
+                <a:r>
+                  <a:rPr lang="fr-FR" dirty="0" smtClean="0"/>
+                  <a:t>Segmentation </a:t>
+                </a:r>
+                <a:r>
+                  <a:rPr lang="fr-FR" dirty="0" err="1" smtClean="0"/>
+                  <a:t>transfer</a:t>
+                </a:r>
+                <a:r>
+                  <a:rPr lang="fr-FR" dirty="0" smtClean="0"/>
+                  <a:t> </a:t>
+                </a:r>
+              </a:p>
+              <a:p>
+                <a:r>
+                  <a:rPr lang="fr-FR" dirty="0" smtClean="0"/>
+                  <a:t>M </a:t>
+                </a:r>
+                <a:r>
+                  <a:rPr lang="fr-FR" dirty="0" err="1" smtClean="0"/>
+                  <a:t>being</a:t>
+                </a:r>
+                <a:r>
+                  <a:rPr lang="fr-FR" dirty="0" smtClean="0"/>
+                  <a:t> </a:t>
+                </a:r>
+                <a:r>
+                  <a:rPr lang="fr-FR" dirty="0" err="1" smtClean="0"/>
+                  <a:t>maps</a:t>
+                </a:r>
+                <a:r>
+                  <a:rPr lang="fr-FR" dirty="0"/>
+                  <a:t> </a:t>
+                </a:r>
+                <a:r>
+                  <a:rPr lang="fr-FR" dirty="0" err="1" smtClean="0"/>
+                  <a:t>between</a:t>
+                </a:r>
+                <a:r>
+                  <a:rPr lang="fr-FR" dirty="0" smtClean="0"/>
+                  <a:t> </a:t>
+                </a:r>
+                <a:r>
+                  <a:rPr lang="fr-FR" dirty="0" err="1" smtClean="0"/>
+                  <a:t>shapes</a:t>
+                </a:r>
+                <a:endParaRPr lang="fr-FR" dirty="0" smtClean="0"/>
+              </a:p>
+              <a:p>
+                <a:pPr lvl="1"/>
+                <a14:m>
+                  <m:oMath xmlns:m="http://schemas.openxmlformats.org/officeDocument/2006/math">
+                    <m:sSub>
+                      <m:sSubPr>
+                        <m:ctrlPr>
+                          <a:rPr lang="fr-FR" i="1">
+                            <a:latin typeface="Cambria Math" panose="02040503050406030204" pitchFamily="18" charset="0"/>
+                          </a:rPr>
+                        </m:ctrlPr>
+                      </m:sSubPr>
+                      <m:e>
+                        <m:r>
+                          <a:rPr lang="fr-FR" i="1">
+                            <a:latin typeface="Cambria Math" panose="02040503050406030204" pitchFamily="18" charset="0"/>
+                          </a:rPr>
+                          <m:t>𝑀</m:t>
+                        </m:r>
+                      </m:e>
+                      <m:sub>
+                        <m:r>
+                          <a:rPr lang="fr-FR" i="1">
+                            <a:latin typeface="Cambria Math" panose="02040503050406030204" pitchFamily="18" charset="0"/>
+                          </a:rPr>
+                          <m:t>3→1</m:t>
+                        </m:r>
+                      </m:sub>
+                    </m:sSub>
+                    <m:sSub>
+                      <m:sSubPr>
+                        <m:ctrlPr>
+                          <a:rPr lang="fr-FR" i="1">
+                            <a:latin typeface="Cambria Math" panose="02040503050406030204" pitchFamily="18" charset="0"/>
+                          </a:rPr>
+                        </m:ctrlPr>
+                      </m:sSubPr>
+                      <m:e>
+                        <m:r>
+                          <a:rPr lang="fr-FR" b="0" i="1" smtClean="0">
+                            <a:latin typeface="Cambria Math" panose="02040503050406030204" pitchFamily="18" charset="0"/>
+                          </a:rPr>
+                          <m:t>𝑀</m:t>
+                        </m:r>
+                      </m:e>
+                      <m:sub>
+                        <m:r>
+                          <a:rPr lang="fr-FR" b="0" i="1" smtClean="0">
+                            <a:latin typeface="Cambria Math" panose="02040503050406030204" pitchFamily="18" charset="0"/>
+                          </a:rPr>
+                          <m:t>2</m:t>
+                        </m:r>
+                        <m:r>
+                          <a:rPr lang="fr-FR" i="1">
+                            <a:latin typeface="Cambria Math" panose="02040503050406030204" pitchFamily="18" charset="0"/>
+                          </a:rPr>
+                          <m:t>→</m:t>
+                        </m:r>
+                        <m:r>
+                          <a:rPr lang="fr-FR" b="0" i="1" smtClean="0">
+                            <a:latin typeface="Cambria Math" panose="02040503050406030204" pitchFamily="18" charset="0"/>
+                          </a:rPr>
+                          <m:t>3</m:t>
+                        </m:r>
+                      </m:sub>
+                    </m:sSub>
+                    <m:sSub>
+                      <m:sSubPr>
+                        <m:ctrlPr>
+                          <a:rPr lang="fr-FR" i="1">
+                            <a:latin typeface="Cambria Math" panose="02040503050406030204" pitchFamily="18" charset="0"/>
+                          </a:rPr>
+                        </m:ctrlPr>
+                      </m:sSubPr>
+                      <m:e>
+                        <m:r>
+                          <a:rPr lang="fr-FR" i="1">
+                            <a:latin typeface="Cambria Math" panose="02040503050406030204" pitchFamily="18" charset="0"/>
+                          </a:rPr>
+                          <m:t>𝑀</m:t>
+                        </m:r>
+                      </m:e>
+                      <m:sub>
+                        <m:r>
+                          <a:rPr lang="fr-FR" i="1">
+                            <a:latin typeface="Cambria Math" panose="02040503050406030204" pitchFamily="18" charset="0"/>
+                          </a:rPr>
+                          <m:t>1→2</m:t>
+                        </m:r>
+                      </m:sub>
+                    </m:sSub>
+                  </m:oMath>
+                </a14:m>
+                <a:r>
+                  <a:rPr lang="fr-FR" dirty="0" err="1" smtClean="0"/>
+                  <a:t>should</a:t>
+                </a:r>
+                <a:r>
+                  <a:rPr lang="fr-FR" dirty="0" smtClean="0"/>
+                  <a:t> </a:t>
+                </a:r>
+                <a:r>
+                  <a:rPr lang="fr-FR" dirty="0" err="1" smtClean="0"/>
+                  <a:t>be</a:t>
+                </a:r>
+                <a:r>
+                  <a:rPr lang="fr-FR" dirty="0" smtClean="0"/>
+                  <a:t> </a:t>
+                </a:r>
+                <a:r>
+                  <a:rPr lang="fr-FR" dirty="0" err="1" smtClean="0"/>
+                  <a:t>equal</a:t>
+                </a:r>
+                <a:r>
+                  <a:rPr lang="fr-FR" dirty="0" smtClean="0"/>
+                  <a:t> to the </a:t>
+                </a:r>
+                <a:r>
+                  <a:rPr lang="fr-FR" dirty="0" err="1" smtClean="0"/>
+                  <a:t>identity</a:t>
+                </a:r>
+                <a:endParaRPr lang="fr-FR" dirty="0" smtClean="0"/>
+              </a:p>
+              <a:p>
+                <a:pPr lvl="1"/>
+                <a:r>
+                  <a:rPr lang="fr-FR" dirty="0" smtClean="0"/>
+                  <a:t>ICSM use </a:t>
+                </a:r>
+                <a:r>
+                  <a:rPr lang="fr-FR" dirty="0" err="1" smtClean="0"/>
+                  <a:t>that</a:t>
+                </a:r>
+                <a:r>
+                  <a:rPr lang="fr-FR" dirty="0" smtClean="0"/>
+                  <a:t> </a:t>
+                </a:r>
+                <a:r>
+                  <a:rPr lang="fr-FR" dirty="0" err="1" smtClean="0"/>
+                  <a:t>property</a:t>
+                </a:r>
+                <a:r>
+                  <a:rPr lang="fr-FR" dirty="0" smtClean="0"/>
+                  <a:t> to </a:t>
+                </a:r>
+                <a:r>
+                  <a:rPr lang="fr-FR" dirty="0" err="1" smtClean="0"/>
+                  <a:t>improve</a:t>
+                </a:r>
+                <a:r>
+                  <a:rPr lang="fr-FR" dirty="0" smtClean="0"/>
+                  <a:t> </a:t>
+                </a:r>
+                <a:r>
+                  <a:rPr lang="fr-FR" dirty="0" err="1" smtClean="0"/>
+                  <a:t>pairwise</a:t>
+                </a:r>
+                <a:r>
+                  <a:rPr lang="fr-FR" dirty="0" smtClean="0"/>
+                  <a:t> </a:t>
+                </a:r>
+                <a:r>
+                  <a:rPr lang="fr-FR" dirty="0" err="1" smtClean="0"/>
+                  <a:t>maps</a:t>
+                </a:r>
+                <a:r>
+                  <a:rPr lang="fr-FR" dirty="0" smtClean="0"/>
+                  <a:t>.</a:t>
+                </a:r>
+              </a:p>
+              <a:p>
+                <a:pPr lvl="1"/>
+                <a:r>
+                  <a:rPr lang="fr-FR" dirty="0" err="1" smtClean="0"/>
+                  <a:t>Functional</a:t>
+                </a:r>
+                <a:r>
+                  <a:rPr lang="fr-FR" dirty="0" smtClean="0"/>
+                  <a:t> </a:t>
+                </a:r>
+                <a:r>
+                  <a:rPr lang="fr-FR" dirty="0" err="1" smtClean="0"/>
+                  <a:t>maps</a:t>
+                </a:r>
+                <a:r>
+                  <a:rPr lang="fr-FR" dirty="0" smtClean="0"/>
+                  <a:t> </a:t>
+                </a:r>
+                <a:r>
+                  <a:rPr lang="fr-FR" dirty="0" err="1" smtClean="0"/>
+                  <a:t>provide</a:t>
+                </a:r>
+                <a:r>
+                  <a:rPr lang="fr-FR" dirty="0" smtClean="0"/>
+                  <a:t> an efficient </a:t>
+                </a:r>
+                <a:r>
+                  <a:rPr lang="fr-FR" dirty="0" err="1" smtClean="0"/>
+                  <a:t>way</a:t>
+                </a:r>
+                <a:r>
+                  <a:rPr lang="fr-FR" dirty="0" smtClean="0"/>
+                  <a:t> to compose </a:t>
+                </a:r>
+                <a:r>
+                  <a:rPr lang="fr-FR" dirty="0" err="1" smtClean="0"/>
+                  <a:t>between</a:t>
+                </a:r>
+                <a:r>
+                  <a:rPr lang="fr-FR" dirty="0" smtClean="0"/>
+                  <a:t> </a:t>
+                </a:r>
+                <a:r>
+                  <a:rPr lang="fr-FR" dirty="0" err="1" smtClean="0"/>
+                  <a:t>maps</a:t>
+                </a:r>
+                <a:r>
+                  <a:rPr lang="fr-FR" dirty="0" smtClean="0"/>
+                  <a:t> (</a:t>
+                </a:r>
+                <a:r>
+                  <a:rPr lang="fr-FR" dirty="0" err="1" smtClean="0"/>
+                  <a:t>low</a:t>
+                </a:r>
+                <a:r>
+                  <a:rPr lang="fr-FR" dirty="0" smtClean="0"/>
+                  <a:t> </a:t>
+                </a:r>
+                <a:r>
+                  <a:rPr lang="fr-FR" dirty="0" err="1" smtClean="0"/>
+                  <a:t>complexity</a:t>
+                </a:r>
+                <a:r>
+                  <a:rPr lang="fr-FR" dirty="0" smtClean="0"/>
+                  <a:t>)</a:t>
+                </a:r>
+                <a:endParaRPr lang="fr-FR" dirty="0"/>
+              </a:p>
+            </p:txBody>
+          </p:sp>
+        </mc:Choice>
+        <mc:Fallback>
+          <p:sp>
+            <p:nvSpPr>
+              <p:cNvPr id="3" name="Content Placeholder 2"/>
+              <p:cNvSpPr>
+                <a:spLocks noGrp="1" noRot="1" noChangeAspect="1" noMove="1" noResize="1" noEditPoints="1" noAdjustHandles="1" noChangeArrowheads="1" noChangeShapeType="1" noTextEdit="1"/>
+              </p:cNvSpPr>
+              <p:nvPr>
+                <p:ph idx="1"/>
+              </p:nvPr>
+            </p:nvSpPr>
+            <p:spPr>
+              <a:blipFill rotWithShape="0">
+                <a:blip r:embed="rId2"/>
+                <a:stretch>
+                  <a:fillRect l="-1043" t="-2241"/>
+                </a:stretch>
+              </a:blipFill>
+            </p:spPr>
+            <p:txBody>
+              <a:bodyPr/>
+              <a:lstStyle/>
+              <a:p>
+                <a:r>
+                  <a:rPr lang="en-US">
+                    <a:noFill/>
+                  </a:rPr>
+                  <a:t> </a:t>
+                </a:r>
+              </a:p>
+            </p:txBody>
+          </p:sp>
+        </mc:Fallback>
+      </mc:AlternateContent>
     </p:spTree>
     <p:extLst>
       <p:ext uri="{BB962C8B-B14F-4D97-AF65-F5344CB8AC3E}">
-        <p14:creationId xmlns:p14="http://schemas.microsoft.com/office/powerpoint/2010/main" val="2535302492"/>
-      </p:ext>
-    </p:extLst>
-  </p:cSld>
-  <p:clrMapOvr>
-    <a:masterClrMapping/>
-  </p:clrMapOvr>
-  <p:timing>
-    <p:tnLst>
-      <p:par>
-        <p:cTn id="1" dur="indefinite" restart="never" nodeType="tmRoot"/>
-      </p:par>
-    </p:tnLst>
-  </p:timing>
-</p:sld>
-</file>
-
-<file path=ppt/slides/slide17.xml><?xml version="1.0" encoding="utf-8"?>
-<p:sld xmlns:a="http://schemas.openxmlformats.org/drawingml/2006/main" xmlns:r="http://schemas.openxmlformats.org/officeDocument/2006/relationships" xmlns:p="http://schemas.openxmlformats.org/presentationml/2006/main">
-  <p:cSld>
-    <p:spTree>
-      <p:nvGrpSpPr>
-        <p:cNvPr id="1" name=""/>
-        <p:cNvGrpSpPr/>
-        <p:nvPr/>
-      </p:nvGrpSpPr>
-      <p:grpSpPr>
-        <a:xfrm>
-          <a:off x="0" y="0"/>
-          <a:ext cx="0" cy="0"/>
-          <a:chOff x="0" y="0"/>
-          <a:chExt cx="0" cy="0"/>
-        </a:xfrm>
-      </p:grpSpPr>
-      <p:sp>
-        <p:nvSpPr>
-          <p:cNvPr id="2" name="Title 1"/>
-          <p:cNvSpPr>
-            <a:spLocks noGrp="1"/>
-          </p:cNvSpPr>
-          <p:nvPr>
-            <p:ph type="title"/>
-          </p:nvPr>
-        </p:nvSpPr>
-        <p:spPr/>
-        <p:txBody>
-          <a:bodyPr/>
-          <a:lstStyle/>
-          <a:p>
-            <a:r>
-              <a:rPr lang="fr-FR" dirty="0" smtClean="0"/>
-              <a:t>Application - Alex	</a:t>
-            </a:r>
-            <a:endParaRPr lang="fr-FR" dirty="0"/>
-          </a:p>
-        </p:txBody>
-      </p:sp>
-      <p:sp>
-        <p:nvSpPr>
-          <p:cNvPr id="3" name="Content Placeholder 2"/>
-          <p:cNvSpPr>
-            <a:spLocks noGrp="1"/>
-          </p:cNvSpPr>
-          <p:nvPr>
-            <p:ph idx="1"/>
-          </p:nvPr>
-        </p:nvSpPr>
-        <p:spPr/>
-        <p:txBody>
-          <a:bodyPr/>
-          <a:lstStyle/>
-          <a:p>
-            <a:r>
-              <a:rPr lang="fr-FR" dirty="0" smtClean="0"/>
-              <a:t>Composition de </a:t>
-            </a:r>
-            <a:r>
-              <a:rPr lang="fr-FR" dirty="0" err="1" smtClean="0"/>
-              <a:t>mapping</a:t>
-            </a:r>
-            <a:endParaRPr lang="fr-FR" dirty="0" smtClean="0"/>
-          </a:p>
-          <a:p>
-            <a:r>
-              <a:rPr lang="fr-FR" dirty="0" smtClean="0"/>
-              <a:t>Inversion de </a:t>
-            </a:r>
-            <a:r>
-              <a:rPr lang="fr-FR" dirty="0" err="1" smtClean="0"/>
-              <a:t>mapping</a:t>
-            </a:r>
-            <a:endParaRPr lang="fr-FR" dirty="0" smtClean="0"/>
-          </a:p>
-          <a:p>
-            <a:r>
-              <a:rPr lang="fr-FR" dirty="0" smtClean="0"/>
-              <a:t>Segmentation </a:t>
-            </a:r>
-            <a:r>
-              <a:rPr lang="fr-FR" dirty="0" err="1" smtClean="0"/>
-              <a:t>transfer</a:t>
-            </a:r>
-            <a:endParaRPr lang="fr-FR" dirty="0" smtClean="0"/>
-          </a:p>
-          <a:p>
-            <a:r>
-              <a:rPr lang="fr-FR" dirty="0" smtClean="0"/>
-              <a:t>Use of ICSM (expliquer 1=&gt;2=&gt;3=&gt;1 = ID</a:t>
-            </a:r>
-            <a:endParaRPr lang="fr-FR" dirty="0"/>
-          </a:p>
-        </p:txBody>
-      </p:sp>
-    </p:spTree>
-    <p:extLst>
-      <p:ext uri="{BB962C8B-B14F-4D97-AF65-F5344CB8AC3E}">
-        <p14:creationId xmlns:p14="http://schemas.microsoft.com/office/powerpoint/2010/main" val="3173933781"/>
+        <p14:creationId xmlns:p14="http://schemas.microsoft.com/office/powerpoint/2010/main" val="80994284"/>
       </p:ext>
     </p:extLst>
   </p:cSld>
@@ -8044,204 +8699,9 @@
           <a:chExt cx="0" cy="0"/>
         </a:xfrm>
       </p:grpSpPr>
-      <p:sp>
-        <p:nvSpPr>
-          <p:cNvPr id="2" name="Title 1"/>
-          <p:cNvSpPr>
-            <a:spLocks noGrp="1"/>
-          </p:cNvSpPr>
-          <p:nvPr>
-            <p:ph type="title"/>
-          </p:nvPr>
-        </p:nvSpPr>
-        <p:spPr/>
-        <p:txBody>
-          <a:bodyPr/>
-          <a:lstStyle/>
-          <a:p>
-            <a:r>
-              <a:rPr lang="fr-FR" dirty="0" smtClean="0"/>
-              <a:t>Goals</a:t>
-            </a:r>
-            <a:endParaRPr lang="fr-FR" dirty="0"/>
-          </a:p>
-        </p:txBody>
-      </p:sp>
-      <p:sp>
-        <p:nvSpPr>
-          <p:cNvPr id="3" name="Content Placeholder 2"/>
-          <p:cNvSpPr>
-            <a:spLocks noGrp="1"/>
-          </p:cNvSpPr>
-          <p:nvPr>
-            <p:ph idx="1"/>
-          </p:nvPr>
-        </p:nvSpPr>
-        <p:spPr/>
-        <p:txBody>
-          <a:bodyPr/>
-          <a:lstStyle/>
-          <a:p>
-            <a:r>
-              <a:rPr lang="fr-FR" dirty="0" err="1" smtClean="0"/>
-              <a:t>Generalization</a:t>
-            </a:r>
-            <a:r>
-              <a:rPr lang="fr-FR" dirty="0" smtClean="0"/>
-              <a:t> of the notion of </a:t>
-            </a:r>
-            <a:r>
-              <a:rPr lang="fr-FR" dirty="0" err="1" smtClean="0"/>
-              <a:t>map</a:t>
-            </a:r>
-            <a:r>
-              <a:rPr lang="fr-FR" dirty="0" smtClean="0"/>
-              <a:t> : </a:t>
-            </a:r>
-            <a:r>
-              <a:rPr lang="fr-FR" dirty="0" err="1" smtClean="0"/>
-              <a:t>map</a:t>
-            </a:r>
-            <a:r>
-              <a:rPr lang="fr-FR" dirty="0" smtClean="0"/>
-              <a:t> </a:t>
-            </a:r>
-            <a:r>
-              <a:rPr lang="fr-FR" dirty="0" err="1" smtClean="0"/>
-              <a:t>between</a:t>
-            </a:r>
-            <a:r>
-              <a:rPr lang="fr-FR" dirty="0" smtClean="0"/>
-              <a:t> </a:t>
-            </a:r>
-            <a:r>
-              <a:rPr lang="fr-FR" dirty="0" err="1" smtClean="0"/>
-              <a:t>functions</a:t>
-            </a:r>
-            <a:endParaRPr lang="fr-FR" dirty="0" smtClean="0"/>
-          </a:p>
-          <a:p>
-            <a:r>
-              <a:rPr lang="fr-FR" dirty="0" smtClean="0"/>
-              <a:t>Compact </a:t>
-            </a:r>
-            <a:r>
-              <a:rPr lang="fr-FR" dirty="0" err="1" smtClean="0"/>
-              <a:t>representation</a:t>
-            </a:r>
-            <a:r>
-              <a:rPr lang="fr-FR" dirty="0" smtClean="0"/>
-              <a:t> : Laplace-Beltrami </a:t>
-            </a:r>
-            <a:r>
-              <a:rPr lang="fr-FR" dirty="0" err="1" smtClean="0"/>
-              <a:t>operator</a:t>
-            </a:r>
-            <a:endParaRPr lang="fr-FR" dirty="0" smtClean="0"/>
-          </a:p>
-          <a:p>
-            <a:r>
-              <a:rPr lang="fr-FR" dirty="0" smtClean="0"/>
-              <a:t>Natural </a:t>
-            </a:r>
-            <a:r>
-              <a:rPr lang="fr-FR" dirty="0" err="1" smtClean="0"/>
-              <a:t>constraints</a:t>
-            </a:r>
-            <a:r>
-              <a:rPr lang="fr-FR" dirty="0" smtClean="0"/>
-              <a:t> </a:t>
-            </a:r>
-            <a:r>
-              <a:rPr lang="fr-FR" dirty="0" err="1" smtClean="0"/>
-              <a:t>become</a:t>
-            </a:r>
-            <a:r>
-              <a:rPr lang="fr-FR" dirty="0" smtClean="0"/>
-              <a:t> </a:t>
-            </a:r>
-            <a:r>
-              <a:rPr lang="fr-FR" dirty="0" err="1" smtClean="0"/>
-              <a:t>linear</a:t>
-            </a:r>
-            <a:r>
-              <a:rPr lang="fr-FR" dirty="0"/>
-              <a:t> </a:t>
-            </a:r>
-            <a:r>
-              <a:rPr lang="fr-FR" dirty="0" smtClean="0"/>
-              <a:t>: </a:t>
-            </a:r>
-            <a:endParaRPr lang="fr-FR" dirty="0"/>
-          </a:p>
-          <a:p>
-            <a:endParaRPr lang="fr-FR" dirty="0" smtClean="0"/>
-          </a:p>
-        </p:txBody>
-      </p:sp>
-    </p:spTree>
-    <p:extLst>
-      <p:ext uri="{BB962C8B-B14F-4D97-AF65-F5344CB8AC3E}">
-        <p14:creationId xmlns:p14="http://schemas.microsoft.com/office/powerpoint/2010/main" val="740243349"/>
-      </p:ext>
-    </p:extLst>
-  </p:cSld>
-  <p:clrMapOvr>
-    <a:masterClrMapping/>
-  </p:clrMapOvr>
-  <p:timing>
-    <p:tnLst>
-      <p:par>
-        <p:cTn id="1" dur="indefinite" restart="never" nodeType="tmRoot"/>
-      </p:par>
-    </p:tnLst>
-  </p:timing>
-</p:sld>
-</file>
-
-<file path=ppt/slides/slide5.xml><?xml version="1.0" encoding="utf-8"?>
-<p:sld xmlns:a="http://schemas.openxmlformats.org/drawingml/2006/main" xmlns:r="http://schemas.openxmlformats.org/officeDocument/2006/relationships" xmlns:p="http://schemas.openxmlformats.org/presentationml/2006/main">
-  <p:cSld>
-    <p:spTree>
-      <p:nvGrpSpPr>
-        <p:cNvPr id="1" name=""/>
-        <p:cNvGrpSpPr/>
-        <p:nvPr/>
-      </p:nvGrpSpPr>
-      <p:grpSpPr>
-        <a:xfrm>
-          <a:off x="0" y="0"/>
-          <a:ext cx="0" cy="0"/>
-          <a:chOff x="0" y="0"/>
-          <a:chExt cx="0" cy="0"/>
-        </a:xfrm>
-      </p:grpSpPr>
-      <p:sp>
-        <p:nvSpPr>
-          <p:cNvPr id="2" name="Title 1"/>
-          <p:cNvSpPr>
-            <a:spLocks noGrp="1"/>
-          </p:cNvSpPr>
-          <p:nvPr>
-            <p:ph type="title"/>
-          </p:nvPr>
-        </p:nvSpPr>
-        <p:spPr/>
-        <p:txBody>
-          <a:bodyPr/>
-          <a:lstStyle/>
-          <a:p>
-            <a:r>
-              <a:rPr lang="fr-FR" dirty="0" smtClean="0"/>
-              <a:t>Théorie de la représentation fonctionnelle - Alex</a:t>
-            </a:r>
-            <a:endParaRPr lang="fr-FR" dirty="0"/>
-          </a:p>
-        </p:txBody>
-      </p:sp>
       <p:pic>
         <p:nvPicPr>
-          <p:cNvPr id="5" name="Picture 4"/>
+          <p:cNvPr id="3" name="Picture 2"/>
           <p:cNvPicPr>
             <a:picLocks noChangeAspect="1"/>
           </p:cNvPicPr>
@@ -8261,8 +8721,8 @@
         </p:blipFill>
         <p:spPr>
           <a:xfrm>
-            <a:off x="1281953" y="1690688"/>
-            <a:ext cx="3894269" cy="2915496"/>
+            <a:off x="1448713" y="1808418"/>
+            <a:ext cx="3308297" cy="2476800"/>
           </a:xfrm>
           <a:prstGeom prst="rect">
             <a:avLst/>
@@ -8271,7 +8731,7 @@
       </p:pic>
       <p:pic>
         <p:nvPicPr>
-          <p:cNvPr id="6" name="Picture 5"/>
+          <p:cNvPr id="8" name="Picture 7"/>
           <p:cNvPicPr>
             <a:picLocks noChangeAspect="1"/>
           </p:cNvPicPr>
@@ -8291,14 +8751,105 @@
         </p:blipFill>
         <p:spPr>
           <a:xfrm>
-            <a:off x="6096000" y="1690689"/>
-            <a:ext cx="3894268" cy="2915495"/>
+            <a:off x="6388985" y="1808418"/>
+            <a:ext cx="3308297" cy="2476800"/>
           </a:xfrm>
           <a:prstGeom prst="rect">
             <a:avLst/>
           </a:prstGeom>
         </p:spPr>
       </p:pic>
+      <p:pic>
+        <p:nvPicPr>
+          <p:cNvPr id="4" name="Picture 3"/>
+          <p:cNvPicPr>
+            <a:picLocks noChangeAspect="1"/>
+          </p:cNvPicPr>
+          <p:nvPr/>
+        </p:nvPicPr>
+        <p:blipFill>
+          <a:blip r:embed="rId4">
+            <a:extLst>
+              <a:ext uri="{28A0092B-C50C-407E-A947-70E740481C1C}">
+                <a14:useLocalDpi xmlns:a14="http://schemas.microsoft.com/office/drawing/2010/main" val="0"/>
+              </a:ext>
+            </a:extLst>
+          </a:blip>
+          <a:stretch>
+            <a:fillRect/>
+          </a:stretch>
+        </p:blipFill>
+        <p:spPr>
+          <a:xfrm>
+            <a:off x="1447962" y="1806941"/>
+            <a:ext cx="3309798" cy="2477924"/>
+          </a:xfrm>
+          <a:prstGeom prst="rect">
+            <a:avLst/>
+          </a:prstGeom>
+        </p:spPr>
+      </p:pic>
+      <p:pic>
+        <p:nvPicPr>
+          <p:cNvPr id="10" name="Picture 9"/>
+          <p:cNvPicPr>
+            <a:picLocks noChangeAspect="1"/>
+          </p:cNvPicPr>
+          <p:nvPr/>
+        </p:nvPicPr>
+        <p:blipFill>
+          <a:blip r:embed="rId5">
+            <a:extLst>
+              <a:ext uri="{28A0092B-C50C-407E-A947-70E740481C1C}">
+                <a14:useLocalDpi xmlns:a14="http://schemas.microsoft.com/office/drawing/2010/main" val="0"/>
+              </a:ext>
+            </a:extLst>
+          </a:blip>
+          <a:stretch>
+            <a:fillRect/>
+          </a:stretch>
+        </p:blipFill>
+        <p:spPr>
+          <a:xfrm>
+            <a:off x="6364940" y="1808065"/>
+            <a:ext cx="3308297" cy="2476800"/>
+          </a:xfrm>
+          <a:prstGeom prst="rect">
+            <a:avLst/>
+          </a:prstGeom>
+        </p:spPr>
+      </p:pic>
+      <p:sp>
+        <p:nvSpPr>
+          <p:cNvPr id="2" name="Title 1"/>
+          <p:cNvSpPr>
+            <a:spLocks noGrp="1"/>
+          </p:cNvSpPr>
+          <p:nvPr>
+            <p:ph type="title"/>
+          </p:nvPr>
+        </p:nvSpPr>
+        <p:spPr/>
+        <p:txBody>
+          <a:bodyPr/>
+          <a:lstStyle/>
+          <a:p>
+            <a:r>
+              <a:rPr lang="fr-FR" dirty="0" err="1" smtClean="0"/>
+              <a:t>Functional</a:t>
+            </a:r>
+            <a:r>
+              <a:rPr lang="fr-FR" dirty="0" smtClean="0"/>
+              <a:t> </a:t>
+            </a:r>
+            <a:r>
+              <a:rPr lang="fr-FR" dirty="0" err="1" smtClean="0"/>
+              <a:t>representation</a:t>
+            </a:r>
+            <a:endParaRPr lang="fr-FR" dirty="0"/>
+          </a:p>
+        </p:txBody>
+      </p:sp>
       <p:sp>
         <p:nvSpPr>
           <p:cNvPr id="7" name="Right Arrow 6"/>
@@ -8434,8 +8985,8 @@
           </a:p>
         </p:txBody>
       </p:sp>
-      <mc:AlternateContent xmlns:mc="http://schemas.openxmlformats.org/markup-compatibility/2006" xmlns:a14="http://schemas.microsoft.com/office/drawing/2010/main">
-        <mc:Choice Requires="a14">
+      <mc:AlternateContent xmlns:mc="http://schemas.openxmlformats.org/markup-compatibility/2006">
+        <mc:Choice xmlns:a14="http://schemas.microsoft.com/office/drawing/2010/main" Requires="a14">
           <p:sp>
             <p:nvSpPr>
               <p:cNvPr id="15" name="TextBox 14"/>
@@ -8506,7 +9057,7 @@
             </p:txBody>
           </p:sp>
         </mc:Choice>
-        <mc:Fallback xmlns="">
+        <mc:Fallback>
           <p:sp>
             <p:nvSpPr>
               <p:cNvPr id="15" name="TextBox 14"/>
@@ -8524,7 +9075,7 @@
                 <a:avLst/>
               </a:prstGeom>
               <a:blipFill rotWithShape="0">
-                <a:blip r:embed="rId4"/>
+                <a:blip r:embed="rId6"/>
                 <a:stretch>
                   <a:fillRect l="-6989" t="-2222" r="-4301" b="-35556"/>
                 </a:stretch>
@@ -8545,8 +9096,8 @@
           </p:sp>
         </mc:Fallback>
       </mc:AlternateContent>
-      <mc:AlternateContent xmlns:mc="http://schemas.openxmlformats.org/markup-compatibility/2006" xmlns:a14="http://schemas.microsoft.com/office/drawing/2010/main">
-        <mc:Choice Requires="a14">
+      <mc:AlternateContent xmlns:mc="http://schemas.openxmlformats.org/markup-compatibility/2006">
+        <mc:Choice xmlns:a14="http://schemas.microsoft.com/office/drawing/2010/main" Requires="a14">
           <p:sp>
             <p:nvSpPr>
               <p:cNvPr id="16" name="TextBox 15"/>
@@ -8617,7 +9168,7 @@
             </p:txBody>
           </p:sp>
         </mc:Choice>
-        <mc:Fallback xmlns="">
+        <mc:Fallback>
           <p:sp>
             <p:nvSpPr>
               <p:cNvPr id="16" name="TextBox 15"/>
@@ -8635,7 +9186,7 @@
                 <a:avLst/>
               </a:prstGeom>
               <a:blipFill rotWithShape="0">
-                <a:blip r:embed="rId5"/>
+                <a:blip r:embed="rId7"/>
                 <a:stretch>
                   <a:fillRect l="-3743" r="-3209" b="-26667"/>
                 </a:stretch>
@@ -8656,8 +9207,8 @@
           </p:sp>
         </mc:Fallback>
       </mc:AlternateContent>
-      <mc:AlternateContent xmlns:mc="http://schemas.openxmlformats.org/markup-compatibility/2006" xmlns:a14="http://schemas.microsoft.com/office/drawing/2010/main">
-        <mc:Choice Requires="a14">
+      <mc:AlternateContent xmlns:mc="http://schemas.openxmlformats.org/markup-compatibility/2006">
+        <mc:Choice xmlns:a14="http://schemas.microsoft.com/office/drawing/2010/main" Requires="a14">
           <p:sp>
             <p:nvSpPr>
               <p:cNvPr id="17" name="TextBox 16"/>
@@ -8804,7 +9355,7 @@
             </p:txBody>
           </p:sp>
         </mc:Choice>
-        <mc:Fallback xmlns="">
+        <mc:Fallback>
           <p:sp>
             <p:nvSpPr>
               <p:cNvPr id="17" name="TextBox 16"/>
@@ -8822,7 +9373,7 @@
                 <a:avLst/>
               </a:prstGeom>
               <a:blipFill rotWithShape="0">
-                <a:blip r:embed="rId6"/>
+                <a:blip r:embed="rId8"/>
                 <a:stretch>
                   <a:fillRect l="-2266" t="-4444" r="-850" b="-35556"/>
                 </a:stretch>
@@ -8888,8 +9439,8 @@
           </a:p>
         </p:txBody>
       </p:sp>
-      <mc:AlternateContent xmlns:mc="http://schemas.openxmlformats.org/markup-compatibility/2006" xmlns:a14="http://schemas.microsoft.com/office/drawing/2010/main">
-        <mc:Choice Requires="a14">
+      <mc:AlternateContent xmlns:mc="http://schemas.openxmlformats.org/markup-compatibility/2006">
+        <mc:Choice xmlns:a14="http://schemas.microsoft.com/office/drawing/2010/main" Requires="a14">
           <p:sp>
             <p:nvSpPr>
               <p:cNvPr id="19" name="TextBox 18"/>
@@ -8952,7 +9503,7 @@
             </p:txBody>
           </p:sp>
         </mc:Choice>
-        <mc:Fallback xmlns="">
+        <mc:Fallback>
           <p:sp>
             <p:nvSpPr>
               <p:cNvPr id="19" name="TextBox 18"/>
@@ -8970,7 +9521,7 @@
                 <a:avLst/>
               </a:prstGeom>
               <a:blipFill rotWithShape="0">
-                <a:blip r:embed="rId7"/>
+                <a:blip r:embed="rId9"/>
                 <a:stretch>
                   <a:fillRect/>
                 </a:stretch>
@@ -8994,7 +9545,7 @@
     </p:spTree>
     <p:extLst>
       <p:ext uri="{BB962C8B-B14F-4D97-AF65-F5344CB8AC3E}">
-        <p14:creationId xmlns:p14="http://schemas.microsoft.com/office/powerpoint/2010/main" val="3358487962"/>
+        <p14:creationId xmlns:p14="http://schemas.microsoft.com/office/powerpoint/2010/main" val="3736569479"/>
       </p:ext>
     </p:extLst>
   </p:cSld>
@@ -9004,14 +9555,307 @@
   <p:timing>
     <p:tnLst>
       <p:par>
-        <p:cTn id="1" dur="indefinite" restart="never" nodeType="tmRoot"/>
+        <p:cTn id="1" dur="indefinite" restart="never" nodeType="tmRoot">
+          <p:childTnLst>
+            <p:seq concurrent="1" nextAc="seek">
+              <p:cTn id="2" dur="indefinite" nodeType="mainSeq">
+                <p:childTnLst>
+                  <p:par>
+                    <p:cTn id="3" fill="hold">
+                      <p:stCondLst>
+                        <p:cond delay="indefinite"/>
+                      </p:stCondLst>
+                      <p:childTnLst>
+                        <p:par>
+                          <p:cTn id="4" fill="hold">
+                            <p:stCondLst>
+                              <p:cond delay="0"/>
+                            </p:stCondLst>
+                            <p:childTnLst>
+                              <p:par>
+                                <p:cTn id="5" presetID="10" presetClass="entr" presetSubtype="0" fill="hold" grpId="0" nodeType="clickEffect">
+                                  <p:stCondLst>
+                                    <p:cond delay="0"/>
+                                  </p:stCondLst>
+                                  <p:childTnLst>
+                                    <p:set>
+                                      <p:cBhvr>
+                                        <p:cTn id="6" dur="1" fill="hold">
+                                          <p:stCondLst>
+                                            <p:cond delay="0"/>
+                                          </p:stCondLst>
+                                        </p:cTn>
+                                        <p:tgtEl>
+                                          <p:spTgt spid="15"/>
+                                        </p:tgtEl>
+                                        <p:attrNameLst>
+                                          <p:attrName>style.visibility</p:attrName>
+                                        </p:attrNameLst>
+                                      </p:cBhvr>
+                                      <p:to>
+                                        <p:strVal val="visible"/>
+                                      </p:to>
+                                    </p:set>
+                                    <p:animEffect transition="in" filter="fade">
+                                      <p:cBhvr>
+                                        <p:cTn id="7" dur="500"/>
+                                        <p:tgtEl>
+                                          <p:spTgt spid="15"/>
+                                        </p:tgtEl>
+                                      </p:cBhvr>
+                                    </p:animEffect>
+                                  </p:childTnLst>
+                                </p:cTn>
+                              </p:par>
+                              <p:par>
+                                <p:cTn id="8" presetID="10" presetClass="entr" presetSubtype="0" fill="hold" grpId="0" nodeType="withEffect">
+                                  <p:stCondLst>
+                                    <p:cond delay="0"/>
+                                  </p:stCondLst>
+                                  <p:childTnLst>
+                                    <p:set>
+                                      <p:cBhvr>
+                                        <p:cTn id="9" dur="1" fill="hold">
+                                          <p:stCondLst>
+                                            <p:cond delay="0"/>
+                                          </p:stCondLst>
+                                        </p:cTn>
+                                        <p:tgtEl>
+                                          <p:spTgt spid="19"/>
+                                        </p:tgtEl>
+                                        <p:attrNameLst>
+                                          <p:attrName>style.visibility</p:attrName>
+                                        </p:attrNameLst>
+                                      </p:cBhvr>
+                                      <p:to>
+                                        <p:strVal val="visible"/>
+                                      </p:to>
+                                    </p:set>
+                                    <p:animEffect transition="in" filter="fade">
+                                      <p:cBhvr>
+                                        <p:cTn id="10" dur="500"/>
+                                        <p:tgtEl>
+                                          <p:spTgt spid="19"/>
+                                        </p:tgtEl>
+                                      </p:cBhvr>
+                                    </p:animEffect>
+                                  </p:childTnLst>
+                                </p:cTn>
+                              </p:par>
+                              <p:par>
+                                <p:cTn id="11" presetID="10" presetClass="entr" presetSubtype="0" fill="hold" grpId="0" nodeType="withEffect">
+                                  <p:stCondLst>
+                                    <p:cond delay="0"/>
+                                  </p:stCondLst>
+                                  <p:childTnLst>
+                                    <p:set>
+                                      <p:cBhvr>
+                                        <p:cTn id="12" dur="1" fill="hold">
+                                          <p:stCondLst>
+                                            <p:cond delay="0"/>
+                                          </p:stCondLst>
+                                        </p:cTn>
+                                        <p:tgtEl>
+                                          <p:spTgt spid="18"/>
+                                        </p:tgtEl>
+                                        <p:attrNameLst>
+                                          <p:attrName>style.visibility</p:attrName>
+                                        </p:attrNameLst>
+                                      </p:cBhvr>
+                                      <p:to>
+                                        <p:strVal val="visible"/>
+                                      </p:to>
+                                    </p:set>
+                                    <p:animEffect transition="in" filter="fade">
+                                      <p:cBhvr>
+                                        <p:cTn id="13" dur="500"/>
+                                        <p:tgtEl>
+                                          <p:spTgt spid="18"/>
+                                        </p:tgtEl>
+                                      </p:cBhvr>
+                                    </p:animEffect>
+                                  </p:childTnLst>
+                                </p:cTn>
+                              </p:par>
+                              <p:par>
+                                <p:cTn id="14" presetID="10" presetClass="entr" presetSubtype="0" fill="hold" grpId="0" nodeType="withEffect">
+                                  <p:stCondLst>
+                                    <p:cond delay="0"/>
+                                  </p:stCondLst>
+                                  <p:childTnLst>
+                                    <p:set>
+                                      <p:cBhvr>
+                                        <p:cTn id="15" dur="1" fill="hold">
+                                          <p:stCondLst>
+                                            <p:cond delay="0"/>
+                                          </p:stCondLst>
+                                        </p:cTn>
+                                        <p:tgtEl>
+                                          <p:spTgt spid="17"/>
+                                        </p:tgtEl>
+                                        <p:attrNameLst>
+                                          <p:attrName>style.visibility</p:attrName>
+                                        </p:attrNameLst>
+                                      </p:cBhvr>
+                                      <p:to>
+                                        <p:strVal val="visible"/>
+                                      </p:to>
+                                    </p:set>
+                                    <p:animEffect transition="in" filter="fade">
+                                      <p:cBhvr>
+                                        <p:cTn id="16" dur="500"/>
+                                        <p:tgtEl>
+                                          <p:spTgt spid="17"/>
+                                        </p:tgtEl>
+                                      </p:cBhvr>
+                                    </p:animEffect>
+                                  </p:childTnLst>
+                                </p:cTn>
+                              </p:par>
+                              <p:par>
+                                <p:cTn id="17" presetID="10" presetClass="entr" presetSubtype="0" fill="hold" grpId="0" nodeType="withEffect">
+                                  <p:stCondLst>
+                                    <p:cond delay="0"/>
+                                  </p:stCondLst>
+                                  <p:childTnLst>
+                                    <p:set>
+                                      <p:cBhvr>
+                                        <p:cTn id="18" dur="1" fill="hold">
+                                          <p:stCondLst>
+                                            <p:cond delay="0"/>
+                                          </p:stCondLst>
+                                        </p:cTn>
+                                        <p:tgtEl>
+                                          <p:spTgt spid="16"/>
+                                        </p:tgtEl>
+                                        <p:attrNameLst>
+                                          <p:attrName>style.visibility</p:attrName>
+                                        </p:attrNameLst>
+                                      </p:cBhvr>
+                                      <p:to>
+                                        <p:strVal val="visible"/>
+                                      </p:to>
+                                    </p:set>
+                                    <p:animEffect transition="in" filter="fade">
+                                      <p:cBhvr>
+                                        <p:cTn id="19" dur="500"/>
+                                        <p:tgtEl>
+                                          <p:spTgt spid="16"/>
+                                        </p:tgtEl>
+                                      </p:cBhvr>
+                                    </p:animEffect>
+                                  </p:childTnLst>
+                                </p:cTn>
+                              </p:par>
+                              <p:par>
+                                <p:cTn id="20" presetID="10" presetClass="entr" presetSubtype="0" fill="hold" nodeType="withEffect">
+                                  <p:stCondLst>
+                                    <p:cond delay="0"/>
+                                  </p:stCondLst>
+                                  <p:childTnLst>
+                                    <p:set>
+                                      <p:cBhvr>
+                                        <p:cTn id="21" dur="1" fill="hold">
+                                          <p:stCondLst>
+                                            <p:cond delay="0"/>
+                                          </p:stCondLst>
+                                        </p:cTn>
+                                        <p:tgtEl>
+                                          <p:spTgt spid="4"/>
+                                        </p:tgtEl>
+                                        <p:attrNameLst>
+                                          <p:attrName>style.visibility</p:attrName>
+                                        </p:attrNameLst>
+                                      </p:cBhvr>
+                                      <p:to>
+                                        <p:strVal val="visible"/>
+                                      </p:to>
+                                    </p:set>
+                                    <p:animEffect transition="in" filter="fade">
+                                      <p:cBhvr>
+                                        <p:cTn id="22" dur="500"/>
+                                        <p:tgtEl>
+                                          <p:spTgt spid="4"/>
+                                        </p:tgtEl>
+                                      </p:cBhvr>
+                                    </p:animEffect>
+                                  </p:childTnLst>
+                                </p:cTn>
+                              </p:par>
+                              <p:par>
+                                <p:cTn id="23" presetID="10" presetClass="entr" presetSubtype="0" fill="hold" nodeType="withEffect">
+                                  <p:stCondLst>
+                                    <p:cond delay="0"/>
+                                  </p:stCondLst>
+                                  <p:childTnLst>
+                                    <p:set>
+                                      <p:cBhvr>
+                                        <p:cTn id="24" dur="1" fill="hold">
+                                          <p:stCondLst>
+                                            <p:cond delay="0"/>
+                                          </p:stCondLst>
+                                        </p:cTn>
+                                        <p:tgtEl>
+                                          <p:spTgt spid="10"/>
+                                        </p:tgtEl>
+                                        <p:attrNameLst>
+                                          <p:attrName>style.visibility</p:attrName>
+                                        </p:attrNameLst>
+                                      </p:cBhvr>
+                                      <p:to>
+                                        <p:strVal val="visible"/>
+                                      </p:to>
+                                    </p:set>
+                                    <p:animEffect transition="in" filter="fade">
+                                      <p:cBhvr>
+                                        <p:cTn id="25" dur="500"/>
+                                        <p:tgtEl>
+                                          <p:spTgt spid="10"/>
+                                        </p:tgtEl>
+                                      </p:cBhvr>
+                                    </p:animEffect>
+                                  </p:childTnLst>
+                                </p:cTn>
+                              </p:par>
+                            </p:childTnLst>
+                          </p:cTn>
+                        </p:par>
+                      </p:childTnLst>
+                    </p:cTn>
+                  </p:par>
+                </p:childTnLst>
+              </p:cTn>
+              <p:prevCondLst>
+                <p:cond evt="onPrev" delay="0">
+                  <p:tgtEl>
+                    <p:sldTgt/>
+                  </p:tgtEl>
+                </p:cond>
+              </p:prevCondLst>
+              <p:nextCondLst>
+                <p:cond evt="onNext" delay="0">
+                  <p:tgtEl>
+                    <p:sldTgt/>
+                  </p:tgtEl>
+                </p:cond>
+              </p:nextCondLst>
+            </p:seq>
+          </p:childTnLst>
+        </p:cTn>
       </p:par>
     </p:tnLst>
+    <p:bldLst>
+      <p:bldP spid="15" grpId="0"/>
+      <p:bldP spid="16" grpId="0"/>
+      <p:bldP spid="17" grpId="0"/>
+      <p:bldP spid="18" grpId="0" animBg="1"/>
+      <p:bldP spid="19" grpId="0"/>
+    </p:bldLst>
   </p:timing>
 </p:sld>
 </file>
 
-<file path=ppt/slides/slide6.xml><?xml version="1.0" encoding="utf-8"?>
+<file path=ppt/slides/slide5.xml><?xml version="1.0" encoding="utf-8"?>
 <p:sld xmlns:a="http://schemas.openxmlformats.org/drawingml/2006/main" xmlns:r="http://schemas.openxmlformats.org/officeDocument/2006/relationships" xmlns:p="http://schemas.openxmlformats.org/presentationml/2006/main">
   <p:cSld>
     <p:spTree>
@@ -9045,7 +9889,15 @@
           <a:p>
             <a:r>
               <a:rPr lang="fr-FR" dirty="0" smtClean="0"/>
-              <a:t>Matrice du changement de base - Alex </a:t>
+              <a:t>Matrix </a:t>
+            </a:r>
+            <a:r>
+              <a:rPr lang="en-US" dirty="0" smtClean="0"/>
+              <a:t>of </a:t>
+            </a:r>
+            <a:r>
+              <a:rPr lang="en-US" dirty="0"/>
+              <a:t>change of basis</a:t>
             </a:r>
             <a:endParaRPr lang="fr-FR" dirty="0"/>
           </a:p>
@@ -9111,8 +9963,8 @@
           </a:prstGeom>
         </p:spPr>
       </p:pic>
-      <mc:AlternateContent xmlns:mc="http://schemas.openxmlformats.org/markup-compatibility/2006" xmlns:a14="http://schemas.microsoft.com/office/drawing/2010/main">
-        <mc:Choice Requires="a14">
+      <mc:AlternateContent xmlns:mc="http://schemas.openxmlformats.org/markup-compatibility/2006">
+        <mc:Choice xmlns:a14="http://schemas.microsoft.com/office/drawing/2010/main" Requires="a14">
           <p:sp>
             <p:nvSpPr>
               <p:cNvPr id="7" name="TextBox 6"/>
@@ -9183,7 +10035,7 @@
             </p:txBody>
           </p:sp>
         </mc:Choice>
-        <mc:Fallback xmlns="">
+        <mc:Fallback>
           <p:sp>
             <p:nvSpPr>
               <p:cNvPr id="7" name="TextBox 6"/>
@@ -9222,8 +10074,8 @@
           </p:sp>
         </mc:Fallback>
       </mc:AlternateContent>
-      <mc:AlternateContent xmlns:mc="http://schemas.openxmlformats.org/markup-compatibility/2006" xmlns:a14="http://schemas.microsoft.com/office/drawing/2010/main">
-        <mc:Choice Requires="a14">
+      <mc:AlternateContent xmlns:mc="http://schemas.openxmlformats.org/markup-compatibility/2006">
+        <mc:Choice xmlns:a14="http://schemas.microsoft.com/office/drawing/2010/main" Requires="a14">
           <p:sp>
             <p:nvSpPr>
               <p:cNvPr id="8" name="TextBox 7"/>
@@ -9294,7 +10146,7 @@
             </p:txBody>
           </p:sp>
         </mc:Choice>
-        <mc:Fallback xmlns="">
+        <mc:Fallback>
           <p:sp>
             <p:nvSpPr>
               <p:cNvPr id="8" name="TextBox 7"/>
@@ -9333,8 +10185,8 @@
           </p:sp>
         </mc:Fallback>
       </mc:AlternateContent>
-      <mc:AlternateContent xmlns:mc="http://schemas.openxmlformats.org/markup-compatibility/2006" xmlns:a14="http://schemas.microsoft.com/office/drawing/2010/main">
-        <mc:Choice Requires="a14">
+      <mc:AlternateContent xmlns:mc="http://schemas.openxmlformats.org/markup-compatibility/2006">
+        <mc:Choice xmlns:a14="http://schemas.microsoft.com/office/drawing/2010/main" Requires="a14">
           <p:sp>
             <p:nvSpPr>
               <p:cNvPr id="9" name="TextBox 8"/>
@@ -9412,7 +10264,7 @@
             </p:txBody>
           </p:sp>
         </mc:Choice>
-        <mc:Fallback xmlns="">
+        <mc:Fallback>
           <p:sp>
             <p:nvSpPr>
               <p:cNvPr id="9" name="TextBox 8"/>
@@ -9451,8 +10303,8 @@
           </p:sp>
         </mc:Fallback>
       </mc:AlternateContent>
-      <mc:AlternateContent xmlns:mc="http://schemas.openxmlformats.org/markup-compatibility/2006" xmlns:a14="http://schemas.microsoft.com/office/drawing/2010/main">
-        <mc:Choice Requires="a14">
+      <mc:AlternateContent xmlns:mc="http://schemas.openxmlformats.org/markup-compatibility/2006">
+        <mc:Choice xmlns:a14="http://schemas.microsoft.com/office/drawing/2010/main" Requires="a14">
           <p:sp>
             <p:nvSpPr>
               <p:cNvPr id="10" name="TextBox 9"/>
@@ -9534,7 +10386,7 @@
             </p:txBody>
           </p:sp>
         </mc:Choice>
-        <mc:Fallback xmlns="">
+        <mc:Fallback>
           <p:sp>
             <p:nvSpPr>
               <p:cNvPr id="10" name="TextBox 9"/>
@@ -9573,8 +10425,8 @@
           </p:sp>
         </mc:Fallback>
       </mc:AlternateContent>
-      <mc:AlternateContent xmlns:mc="http://schemas.openxmlformats.org/markup-compatibility/2006" xmlns:a14="http://schemas.microsoft.com/office/drawing/2010/main">
-        <mc:Choice Requires="a14">
+      <mc:AlternateContent xmlns:mc="http://schemas.openxmlformats.org/markup-compatibility/2006">
+        <mc:Choice xmlns:a14="http://schemas.microsoft.com/office/drawing/2010/main" Requires="a14">
           <p:sp>
             <p:nvSpPr>
               <p:cNvPr id="11" name="TextBox 10"/>
@@ -9708,7 +10560,7 @@
             </p:txBody>
           </p:sp>
         </mc:Choice>
-        <mc:Fallback xmlns="">
+        <mc:Fallback>
           <p:sp>
             <p:nvSpPr>
               <p:cNvPr id="11" name="TextBox 10"/>
@@ -9747,8 +10599,8 @@
           </p:sp>
         </mc:Fallback>
       </mc:AlternateContent>
-      <mc:AlternateContent xmlns:mc="http://schemas.openxmlformats.org/markup-compatibility/2006" xmlns:a14="http://schemas.microsoft.com/office/drawing/2010/main">
-        <mc:Choice Requires="a14">
+      <mc:AlternateContent xmlns:mc="http://schemas.openxmlformats.org/markup-compatibility/2006">
+        <mc:Choice xmlns:a14="http://schemas.microsoft.com/office/drawing/2010/main" Requires="a14">
           <p:sp>
             <p:nvSpPr>
               <p:cNvPr id="12" name="TextBox 11"/>
@@ -9882,7 +10734,7 @@
             </p:txBody>
           </p:sp>
         </mc:Choice>
-        <mc:Fallback xmlns="">
+        <mc:Fallback>
           <p:sp>
             <p:nvSpPr>
               <p:cNvPr id="12" name="TextBox 11"/>
@@ -9921,8 +10773,8 @@
           </p:sp>
         </mc:Fallback>
       </mc:AlternateContent>
-      <mc:AlternateContent xmlns:mc="http://schemas.openxmlformats.org/markup-compatibility/2006" xmlns:a14="http://schemas.microsoft.com/office/drawing/2010/main">
-        <mc:Choice Requires="a14">
+      <mc:AlternateContent xmlns:mc="http://schemas.openxmlformats.org/markup-compatibility/2006">
+        <mc:Choice xmlns:a14="http://schemas.microsoft.com/office/drawing/2010/main" Requires="a14">
           <p:sp>
             <p:nvSpPr>
               <p:cNvPr id="13" name="TextBox 12"/>
@@ -10129,7 +10981,7 @@
             </p:txBody>
           </p:sp>
         </mc:Choice>
-        <mc:Fallback xmlns="">
+        <mc:Fallback>
           <p:sp>
             <p:nvSpPr>
               <p:cNvPr id="13" name="TextBox 12"/>
@@ -10168,8 +11020,8 @@
           </p:sp>
         </mc:Fallback>
       </mc:AlternateContent>
-      <mc:AlternateContent xmlns:mc="http://schemas.openxmlformats.org/markup-compatibility/2006" xmlns:a14="http://schemas.microsoft.com/office/drawing/2010/main">
-        <mc:Choice Requires="a14">
+      <mc:AlternateContent xmlns:mc="http://schemas.openxmlformats.org/markup-compatibility/2006">
+        <mc:Choice xmlns:a14="http://schemas.microsoft.com/office/drawing/2010/main" Requires="a14">
           <p:sp>
             <p:nvSpPr>
               <p:cNvPr id="16" name="TextBox 15"/>
@@ -10347,7 +11199,7 @@
             </p:txBody>
           </p:sp>
         </mc:Choice>
-        <mc:Fallback xmlns="">
+        <mc:Fallback>
           <p:sp>
             <p:nvSpPr>
               <p:cNvPr id="16" name="TextBox 15"/>
@@ -10426,8 +11278,8 @@
           </a:p>
         </p:txBody>
       </p:sp>
-      <mc:AlternateContent xmlns:mc="http://schemas.openxmlformats.org/markup-compatibility/2006" xmlns:a14="http://schemas.microsoft.com/office/drawing/2010/main">
-        <mc:Choice Requires="a14">
+      <mc:AlternateContent xmlns:mc="http://schemas.openxmlformats.org/markup-compatibility/2006">
+        <mc:Choice xmlns:a14="http://schemas.microsoft.com/office/drawing/2010/main" Requires="a14">
           <p:sp>
             <p:nvSpPr>
               <p:cNvPr id="19" name="TextBox 18"/>
@@ -10571,7 +11423,7 @@
             </p:txBody>
           </p:sp>
         </mc:Choice>
-        <mc:Fallback xmlns="">
+        <mc:Fallback>
           <p:sp>
             <p:nvSpPr>
               <p:cNvPr id="19" name="TextBox 18"/>
@@ -10610,8 +11462,8 @@
           </p:sp>
         </mc:Fallback>
       </mc:AlternateContent>
-      <mc:AlternateContent xmlns:mc="http://schemas.openxmlformats.org/markup-compatibility/2006" xmlns:a14="http://schemas.microsoft.com/office/drawing/2010/main">
-        <mc:Choice Requires="a14">
+      <mc:AlternateContent xmlns:mc="http://schemas.openxmlformats.org/markup-compatibility/2006">
+        <mc:Choice xmlns:a14="http://schemas.microsoft.com/office/drawing/2010/main" Requires="a14">
           <p:sp>
             <p:nvSpPr>
               <p:cNvPr id="21" name="TextBox 20"/>
@@ -10671,7 +11523,7 @@
             </p:txBody>
           </p:sp>
         </mc:Choice>
-        <mc:Fallback xmlns="">
+        <mc:Fallback>
           <p:sp>
             <p:nvSpPr>
               <p:cNvPr id="21" name="TextBox 20"/>
@@ -10713,7 +11565,7 @@
     </p:spTree>
     <p:extLst>
       <p:ext uri="{BB962C8B-B14F-4D97-AF65-F5344CB8AC3E}">
-        <p14:creationId xmlns:p14="http://schemas.microsoft.com/office/powerpoint/2010/main" val="1869489878"/>
+        <p14:creationId xmlns:p14="http://schemas.microsoft.com/office/powerpoint/2010/main" val="1120346326"/>
       </p:ext>
     </p:extLst>
   </p:cSld>
@@ -10730,7 +11582,7 @@
 </p:sld>
 </file>
 
-<file path=ppt/slides/slide7.xml><?xml version="1.0" encoding="utf-8"?>
+<file path=ppt/slides/slide6.xml><?xml version="1.0" encoding="utf-8"?>
 <p:sld xmlns:a="http://schemas.openxmlformats.org/drawingml/2006/main" xmlns:r="http://schemas.openxmlformats.org/officeDocument/2006/relationships" xmlns:p="http://schemas.openxmlformats.org/presentationml/2006/main">
   <p:cSld>
     <p:spTree>
@@ -10763,8 +11615,12 @@
           <a:lstStyle/>
           <a:p>
             <a:r>
+              <a:rPr lang="fr-FR" dirty="0" err="1" smtClean="0"/>
+              <a:t>Choice</a:t>
+            </a:r>
+            <a:r>
               <a:rPr lang="fr-FR" dirty="0" smtClean="0"/>
-              <a:t>Bases ? - Alex</a:t>
+              <a:t> of basis</a:t>
             </a:r>
             <a:endParaRPr lang="fr-FR" dirty="0"/>
           </a:p>
@@ -10974,8 +11830,8 @@
           </a:p>
         </p:txBody>
       </p:sp>
-      <mc:AlternateContent xmlns:mc="http://schemas.openxmlformats.org/markup-compatibility/2006" xmlns:a14="http://schemas.microsoft.com/office/drawing/2010/main">
-        <mc:Choice Requires="a14">
+      <mc:AlternateContent xmlns:mc="http://schemas.openxmlformats.org/markup-compatibility/2006">
+        <mc:Choice xmlns:a14="http://schemas.microsoft.com/office/drawing/2010/main" Requires="a14">
           <p:sp>
             <p:nvSpPr>
               <p:cNvPr id="4" name="TextBox 3"/>
@@ -11222,7 +12078,7 @@
             </p:txBody>
           </p:sp>
         </mc:Choice>
-        <mc:Fallback xmlns="">
+        <mc:Fallback>
           <p:sp>
             <p:nvSpPr>
               <p:cNvPr id="4" name="TextBox 3"/>
@@ -11264,7 +12120,7 @@
     </p:spTree>
     <p:extLst>
       <p:ext uri="{BB962C8B-B14F-4D97-AF65-F5344CB8AC3E}">
-        <p14:creationId xmlns:p14="http://schemas.microsoft.com/office/powerpoint/2010/main" val="36537325"/>
+        <p14:creationId xmlns:p14="http://schemas.microsoft.com/office/powerpoint/2010/main" val="1523279123"/>
       </p:ext>
     </p:extLst>
   </p:cSld>
@@ -11418,7 +12274,7 @@
 </p:sld>
 </file>
 
-<file path=ppt/slides/slide8.xml><?xml version="1.0" encoding="utf-8"?>
+<file path=ppt/slides/slide7.xml><?xml version="1.0" encoding="utf-8"?>
 <p:sld xmlns:a="http://schemas.openxmlformats.org/drawingml/2006/main" xmlns:r="http://schemas.openxmlformats.org/officeDocument/2006/relationships" xmlns:p="http://schemas.openxmlformats.org/presentationml/2006/main">
   <p:cSld>
     <p:spTree>
@@ -12477,6 +13333,454 @@
 </p:sld>
 </file>
 
+<file path=ppt/slides/slide8.xml><?xml version="1.0" encoding="utf-8"?>
+<p:sld xmlns:a="http://schemas.openxmlformats.org/drawingml/2006/main" xmlns:r="http://schemas.openxmlformats.org/officeDocument/2006/relationships" xmlns:p="http://schemas.openxmlformats.org/presentationml/2006/main">
+  <p:cSld>
+    <p:spTree>
+      <p:nvGrpSpPr>
+        <p:cNvPr id="1" name=""/>
+        <p:cNvGrpSpPr/>
+        <p:nvPr/>
+      </p:nvGrpSpPr>
+      <p:grpSpPr>
+        <a:xfrm>
+          <a:off x="0" y="0"/>
+          <a:ext cx="0" cy="0"/>
+          <a:chOff x="0" y="0"/>
+          <a:chExt cx="0" cy="0"/>
+        </a:xfrm>
+      </p:grpSpPr>
+      <p:sp>
+        <p:nvSpPr>
+          <p:cNvPr id="2" name="Title 1"/>
+          <p:cNvSpPr>
+            <a:spLocks noGrp="1"/>
+          </p:cNvSpPr>
+          <p:nvPr>
+            <p:ph type="title"/>
+          </p:nvPr>
+        </p:nvSpPr>
+        <p:spPr/>
+        <p:txBody>
+          <a:bodyPr/>
+          <a:lstStyle/>
+          <a:p>
+            <a:r>
+              <a:rPr lang="fr-FR" dirty="0" err="1" smtClean="0"/>
+              <a:t>Constraints</a:t>
+            </a:r>
+            <a:r>
+              <a:rPr lang="fr-FR" dirty="0" smtClean="0"/>
+              <a:t> : </a:t>
+            </a:r>
+            <a:r>
+              <a:rPr lang="fr-FR" dirty="0" err="1" smtClean="0"/>
+              <a:t>Descriptor</a:t>
+            </a:r>
+            <a:r>
+              <a:rPr lang="fr-FR" dirty="0" smtClean="0"/>
+              <a:t> </a:t>
+            </a:r>
+            <a:r>
+              <a:rPr lang="fr-FR" dirty="0" err="1" smtClean="0"/>
+              <a:t>preservation</a:t>
+            </a:r>
+            <a:r>
+              <a:rPr lang="fr-FR" dirty="0" smtClean="0"/>
+              <a:t>		</a:t>
+            </a:r>
+            <a:endParaRPr lang="fr-FR" dirty="0"/>
+          </a:p>
+        </p:txBody>
+      </p:sp>
+      <mc:AlternateContent xmlns:mc="http://schemas.openxmlformats.org/markup-compatibility/2006" xmlns:a14="http://schemas.microsoft.com/office/drawing/2010/main">
+        <mc:Choice Requires="a14">
+          <p:sp>
+            <p:nvSpPr>
+              <p:cNvPr id="3" name="Content Placeholder 2"/>
+              <p:cNvSpPr>
+                <a:spLocks noGrp="1"/>
+              </p:cNvSpPr>
+              <p:nvPr>
+                <p:ph idx="1"/>
+              </p:nvPr>
+            </p:nvSpPr>
+            <p:spPr/>
+            <p:txBody>
+              <a:bodyPr/>
+              <a:lstStyle/>
+              <a:p>
+                <a14:m>
+                  <m:oMath xmlns:m="http://schemas.openxmlformats.org/officeDocument/2006/math">
+                    <m:r>
+                      <a:rPr lang="fr-FR" i="1" smtClean="0">
+                        <a:latin typeface="Cambria Math" panose="02040503050406030204" pitchFamily="18" charset="0"/>
+                      </a:rPr>
+                      <m:t>𝑓</m:t>
+                    </m:r>
+                  </m:oMath>
+                </a14:m>
+                <a:r>
+                  <a:rPr lang="fr-FR" dirty="0" smtClean="0"/>
+                  <a:t> and </a:t>
+                </a:r>
+                <a14:m>
+                  <m:oMath xmlns:m="http://schemas.openxmlformats.org/officeDocument/2006/math">
+                    <m:r>
+                      <a:rPr lang="fr-FR" i="1">
+                        <a:latin typeface="Cambria Math" panose="02040503050406030204" pitchFamily="18" charset="0"/>
+                      </a:rPr>
+                      <m:t>𝑔</m:t>
+                    </m:r>
+                  </m:oMath>
+                </a14:m>
+                <a:r>
+                  <a:rPr lang="fr-FR" dirty="0" smtClean="0"/>
+                  <a:t> are </a:t>
+                </a:r>
+                <a:r>
+                  <a:rPr lang="fr-FR" dirty="0" err="1" smtClean="0"/>
+                  <a:t>functions</a:t>
+                </a:r>
+                <a:r>
+                  <a:rPr lang="fr-FR" dirty="0" smtClean="0"/>
+                  <a:t> </a:t>
+                </a:r>
+                <a:r>
+                  <a:rPr lang="fr-FR" dirty="0" err="1" smtClean="0"/>
+                  <a:t>corresponding</a:t>
+                </a:r>
+                <a:r>
+                  <a:rPr lang="fr-FR" dirty="0" smtClean="0"/>
+                  <a:t> to point </a:t>
+                </a:r>
+                <a:r>
+                  <a:rPr lang="fr-FR" dirty="0" err="1" smtClean="0"/>
+                  <a:t>descriptors</a:t>
+                </a:r>
+                <a:r>
+                  <a:rPr lang="fr-FR" dirty="0" smtClean="0"/>
+                  <a:t> at </a:t>
+                </a:r>
+                <a14:m>
+                  <m:oMath xmlns:m="http://schemas.openxmlformats.org/officeDocument/2006/math">
+                    <m:r>
+                      <a:rPr lang="fr-FR" b="0" i="1" smtClean="0">
+                        <a:latin typeface="Cambria Math" panose="02040503050406030204" pitchFamily="18" charset="0"/>
+                      </a:rPr>
+                      <m:t>𝑥</m:t>
+                    </m:r>
+                  </m:oMath>
+                </a14:m>
+                <a:endParaRPr lang="fr-FR" dirty="0" smtClean="0"/>
+              </a:p>
+              <a:p>
+                <a:pPr lvl="1"/>
+                <a:r>
+                  <a:rPr lang="fr-FR" dirty="0" err="1" smtClean="0"/>
+                  <a:t>Add</a:t>
+                </a:r>
+                <a:r>
+                  <a:rPr lang="fr-FR" dirty="0" smtClean="0"/>
+                  <a:t> </a:t>
+                </a:r>
+                <a14:m>
+                  <m:oMath xmlns:m="http://schemas.openxmlformats.org/officeDocument/2006/math">
+                    <m:r>
+                      <a:rPr lang="fr-FR" i="1" dirty="0" smtClean="0">
+                        <a:latin typeface="Cambria Math" panose="02040503050406030204" pitchFamily="18" charset="0"/>
+                      </a:rPr>
+                      <m:t>1</m:t>
+                    </m:r>
+                  </m:oMath>
+                </a14:m>
+                <a:r>
+                  <a:rPr lang="fr-FR" dirty="0" smtClean="0"/>
+                  <a:t> functional </a:t>
+                </a:r>
+                <a:r>
+                  <a:rPr lang="fr-FR" dirty="0" err="1" smtClean="0"/>
+                  <a:t>preservation</a:t>
+                </a:r>
+                <a:r>
+                  <a:rPr lang="fr-FR" dirty="0" smtClean="0"/>
+                  <a:t> </a:t>
+                </a:r>
+                <a:r>
+                  <a:rPr lang="fr-FR" dirty="0" err="1" smtClean="0"/>
+                  <a:t>constraint</a:t>
+                </a:r>
+                <a:r>
+                  <a:rPr lang="fr-FR" dirty="0" smtClean="0"/>
+                  <a:t> for </a:t>
+                </a:r>
+                <a:r>
+                  <a:rPr lang="fr-FR" dirty="0" err="1" smtClean="0"/>
+                  <a:t>each</a:t>
+                </a:r>
+                <a:r>
+                  <a:rPr lang="fr-FR" dirty="0" smtClean="0"/>
+                  <a:t> dimension of the </a:t>
+                </a:r>
+                <a:r>
+                  <a:rPr lang="fr-FR" dirty="0" err="1" smtClean="0"/>
+                  <a:t>descriptor</a:t>
+                </a:r>
+                <a:endParaRPr lang="fr-FR" dirty="0" smtClean="0"/>
+              </a:p>
+              <a:p>
+                <a:r>
+                  <a:rPr lang="fr-FR" dirty="0" smtClean="0"/>
+                  <a:t>Use </a:t>
+                </a:r>
+                <a:r>
+                  <a:rPr lang="fr-FR" dirty="0" err="1" smtClean="0"/>
+                  <a:t>isometry</a:t>
+                </a:r>
+                <a:r>
+                  <a:rPr lang="fr-FR" dirty="0" smtClean="0"/>
+                  <a:t> invariant </a:t>
+                </a:r>
+                <a:r>
+                  <a:rPr lang="fr-FR" dirty="0" err="1" smtClean="0"/>
+                  <a:t>descriptors</a:t>
+                </a:r>
+                <a:r>
+                  <a:rPr lang="fr-FR" dirty="0" smtClean="0"/>
+                  <a:t> </a:t>
+                </a:r>
+                <a:r>
+                  <a:rPr lang="fr-FR" dirty="0" err="1" smtClean="0"/>
+                  <a:t>such</a:t>
+                </a:r>
+                <a:r>
+                  <a:rPr lang="fr-FR" dirty="0" smtClean="0"/>
+                  <a:t> as :</a:t>
+                </a:r>
+              </a:p>
+              <a:p>
+                <a:endParaRPr lang="fr-FR" dirty="0" smtClean="0"/>
+              </a:p>
+              <a:p>
+                <a:pPr lvl="1"/>
+                <a:r>
+                  <a:rPr lang="fr-FR" dirty="0" err="1" smtClean="0"/>
+                  <a:t>Heat</a:t>
+                </a:r>
+                <a:r>
+                  <a:rPr lang="fr-FR" dirty="0" smtClean="0"/>
+                  <a:t> </a:t>
+                </a:r>
+                <a:r>
+                  <a:rPr lang="fr-FR" dirty="0" err="1" smtClean="0"/>
+                  <a:t>Kernel</a:t>
+                </a:r>
+                <a:r>
+                  <a:rPr lang="fr-FR" dirty="0" smtClean="0"/>
+                  <a:t> Signature</a:t>
+                </a:r>
+              </a:p>
+              <a:p>
+                <a:pPr lvl="1"/>
+                <a:endParaRPr lang="fr-FR" dirty="0"/>
+              </a:p>
+              <a:p>
+                <a:pPr lvl="1"/>
+                <a:endParaRPr lang="fr-FR" dirty="0" smtClean="0"/>
+              </a:p>
+              <a:p>
+                <a:pPr lvl="1"/>
+                <a:r>
+                  <a:rPr lang="fr-FR" dirty="0" err="1" smtClean="0"/>
+                  <a:t>Wave</a:t>
+                </a:r>
+                <a:r>
+                  <a:rPr lang="fr-FR" dirty="0" smtClean="0"/>
+                  <a:t> </a:t>
+                </a:r>
+                <a:r>
+                  <a:rPr lang="fr-FR" dirty="0" err="1" smtClean="0"/>
+                  <a:t>Kernel</a:t>
+                </a:r>
+                <a:r>
+                  <a:rPr lang="fr-FR" dirty="0" smtClean="0"/>
+                  <a:t> Signature </a:t>
+                </a:r>
+                <a:endParaRPr lang="fr-FR" dirty="0"/>
+              </a:p>
+            </p:txBody>
+          </p:sp>
+        </mc:Choice>
+        <mc:Fallback xmlns="">
+          <p:sp>
+            <p:nvSpPr>
+              <p:cNvPr id="3" name="Content Placeholder 2"/>
+              <p:cNvSpPr>
+                <a:spLocks noGrp="1" noRot="1" noChangeAspect="1" noMove="1" noResize="1" noEditPoints="1" noAdjustHandles="1" noChangeArrowheads="1" noChangeShapeType="1" noTextEdit="1"/>
+              </p:cNvSpPr>
+              <p:nvPr>
+                <p:ph idx="1"/>
+              </p:nvPr>
+            </p:nvSpPr>
+            <p:spPr>
+              <a:blipFill rotWithShape="0">
+                <a:blip r:embed="rId2"/>
+                <a:stretch>
+                  <a:fillRect l="-1043" t="-2241" r="-116"/>
+                </a:stretch>
+              </a:blipFill>
+            </p:spPr>
+            <p:txBody>
+              <a:bodyPr/>
+              <a:lstStyle/>
+              <a:p>
+                <a:r>
+                  <a:rPr lang="en-US">
+                    <a:noFill/>
+                  </a:rPr>
+                  <a:t> </a:t>
+                </a:r>
+              </a:p>
+            </p:txBody>
+          </p:sp>
+        </mc:Fallback>
+      </mc:AlternateContent>
+      <p:pic>
+        <p:nvPicPr>
+          <p:cNvPr id="4" name="Image 3"/>
+          <p:cNvPicPr>
+            <a:picLocks noChangeAspect="1"/>
+          </p:cNvPicPr>
+          <p:nvPr/>
+        </p:nvPicPr>
+        <p:blipFill rotWithShape="1">
+          <a:blip r:embed="rId3">
+            <a:extLst>
+              <a:ext uri="{28A0092B-C50C-407E-A947-70E740481C1C}">
+                <a14:useLocalDpi xmlns:a14="http://schemas.microsoft.com/office/drawing/2010/main" val="0"/>
+              </a:ext>
+            </a:extLst>
+          </a:blip>
+          <a:srcRect l="12456" t="9656" r="8910" b="11261"/>
+          <a:stretch/>
+        </p:blipFill>
+        <p:spPr>
+          <a:xfrm>
+            <a:off x="5200378" y="4660793"/>
+            <a:ext cx="2013663" cy="1516170"/>
+          </a:xfrm>
+          <a:prstGeom prst="rect">
+            <a:avLst/>
+          </a:prstGeom>
+        </p:spPr>
+      </p:pic>
+      <p:pic>
+        <p:nvPicPr>
+          <p:cNvPr id="6" name="Image 5"/>
+          <p:cNvPicPr>
+            <a:picLocks noChangeAspect="1"/>
+          </p:cNvPicPr>
+          <p:nvPr/>
+        </p:nvPicPr>
+        <p:blipFill rotWithShape="1">
+          <a:blip r:embed="rId4">
+            <a:extLst>
+              <a:ext uri="{28A0092B-C50C-407E-A947-70E740481C1C}">
+                <a14:useLocalDpi xmlns:a14="http://schemas.microsoft.com/office/drawing/2010/main" val="0"/>
+              </a:ext>
+            </a:extLst>
+          </a:blip>
+          <a:srcRect l="10534" t="9012" r="8024" b="11815"/>
+          <a:stretch/>
+        </p:blipFill>
+        <p:spPr>
+          <a:xfrm>
+            <a:off x="8086575" y="4640949"/>
+            <a:ext cx="2110459" cy="1536014"/>
+          </a:xfrm>
+          <a:prstGeom prst="rect">
+            <a:avLst/>
+          </a:prstGeom>
+        </p:spPr>
+      </p:pic>
+      <p:pic>
+        <p:nvPicPr>
+          <p:cNvPr id="7" name="Image 6"/>
+          <p:cNvPicPr>
+            <a:picLocks noChangeAspect="1"/>
+          </p:cNvPicPr>
+          <p:nvPr/>
+        </p:nvPicPr>
+        <p:blipFill rotWithShape="1">
+          <a:blip r:embed="rId5">
+            <a:extLst>
+              <a:ext uri="{28A0092B-C50C-407E-A947-70E740481C1C}">
+                <a14:useLocalDpi xmlns:a14="http://schemas.microsoft.com/office/drawing/2010/main" val="0"/>
+              </a:ext>
+            </a:extLst>
+          </a:blip>
+          <a:srcRect l="12456" t="10304" r="8910" b="13393"/>
+          <a:stretch/>
+        </p:blipFill>
+        <p:spPr>
+          <a:xfrm>
+            <a:off x="5138274" y="3152809"/>
+            <a:ext cx="2075766" cy="1507984"/>
+          </a:xfrm>
+          <a:prstGeom prst="rect">
+            <a:avLst/>
+          </a:prstGeom>
+        </p:spPr>
+      </p:pic>
+      <p:pic>
+        <p:nvPicPr>
+          <p:cNvPr id="8" name="Image 7"/>
+          <p:cNvPicPr>
+            <a:picLocks noChangeAspect="1"/>
+          </p:cNvPicPr>
+          <p:nvPr/>
+        </p:nvPicPr>
+        <p:blipFill rotWithShape="1">
+          <a:blip r:embed="rId6">
+            <a:extLst>
+              <a:ext uri="{28A0092B-C50C-407E-A947-70E740481C1C}">
+                <a14:useLocalDpi xmlns:a14="http://schemas.microsoft.com/office/drawing/2010/main" val="0"/>
+              </a:ext>
+            </a:extLst>
+          </a:blip>
+          <a:srcRect l="12798" t="8559" r="9724" b="12049"/>
+          <a:stretch/>
+        </p:blipFill>
+        <p:spPr>
+          <a:xfrm>
+            <a:off x="8134554" y="3078532"/>
+            <a:ext cx="2062480" cy="1582261"/>
+          </a:xfrm>
+          <a:prstGeom prst="rect">
+            <a:avLst/>
+          </a:prstGeom>
+        </p:spPr>
+      </p:pic>
+    </p:spTree>
+    <p:extLst>
+      <p:ext uri="{BB962C8B-B14F-4D97-AF65-F5344CB8AC3E}">
+        <p14:creationId xmlns:p14="http://schemas.microsoft.com/office/powerpoint/2010/main" val="1753176929"/>
+      </p:ext>
+    </p:extLst>
+  </p:cSld>
+  <p:clrMapOvr>
+    <a:masterClrMapping/>
+  </p:clrMapOvr>
+  <p:timing>
+    <p:tnLst>
+      <p:par>
+        <p:cTn id="1" dur="indefinite" restart="never" nodeType="tmRoot"/>
+      </p:par>
+    </p:tnLst>
+  </p:timing>
+</p:sld>
+</file>
+
 <file path=ppt/slides/slide9.xml><?xml version="1.0" encoding="utf-8"?>
 <p:sld xmlns:a="http://schemas.openxmlformats.org/drawingml/2006/main" xmlns:r="http://schemas.openxmlformats.org/officeDocument/2006/relationships" xmlns:p="http://schemas.openxmlformats.org/presentationml/2006/main">
   <p:cSld>
@@ -12515,25 +13819,373 @@
             </a:r>
             <a:r>
               <a:rPr lang="fr-FR" dirty="0" smtClean="0"/>
-              <a:t> : </a:t>
+              <a:t> : Landmark &amp; Segmentation </a:t>
             </a:r>
             <a:r>
               <a:rPr lang="fr-FR" dirty="0" err="1" smtClean="0"/>
-              <a:t>Descriptor</a:t>
-            </a:r>
-            <a:r>
-              <a:rPr lang="fr-FR" dirty="0" smtClean="0"/>
-              <a:t> </a:t>
-            </a:r>
-            <a:r>
-              <a:rPr lang="fr-FR" dirty="0" err="1" smtClean="0"/>
-              <a:t>preservation</a:t>
+              <a:t>correspondences</a:t>
             </a:r>
             <a:r>
               <a:rPr lang="fr-FR" dirty="0" smtClean="0"/>
               <a:t>		</a:t>
             </a:r>
             <a:endParaRPr lang="fr-FR" dirty="0"/>
+          </a:p>
+        </p:txBody>
+      </p:sp>
+      <p:sp>
+        <p:nvSpPr>
+          <p:cNvPr id="3" name="Content Placeholder 2"/>
+          <p:cNvSpPr>
+            <a:spLocks noGrp="1"/>
+          </p:cNvSpPr>
+          <p:nvPr>
+            <p:ph idx="1"/>
+          </p:nvPr>
+        </p:nvSpPr>
+        <p:spPr/>
+        <p:txBody>
+          <a:bodyPr/>
+          <a:lstStyle/>
+          <a:p>
+            <a:r>
+              <a:rPr lang="fr-FR" dirty="0" smtClean="0"/>
+              <a:t>Landmark point </a:t>
+            </a:r>
+            <a:r>
+              <a:rPr lang="fr-FR" dirty="0" err="1" smtClean="0"/>
+              <a:t>correspondences</a:t>
+            </a:r>
+            <a:r>
+              <a:rPr lang="fr-FR" dirty="0" smtClean="0"/>
+              <a:t> :</a:t>
+            </a:r>
+          </a:p>
+          <a:p>
+            <a:endParaRPr lang="fr-FR" dirty="0"/>
+          </a:p>
+          <a:p>
+            <a:endParaRPr lang="fr-FR" dirty="0" smtClean="0"/>
+          </a:p>
+          <a:p>
+            <a:endParaRPr lang="fr-FR" dirty="0"/>
+          </a:p>
+          <a:p>
+            <a:r>
+              <a:rPr lang="fr-FR" dirty="0" smtClean="0"/>
+              <a:t>Segment </a:t>
+            </a:r>
+            <a:r>
+              <a:rPr lang="fr-FR" dirty="0" err="1" smtClean="0"/>
+              <a:t>correspondences</a:t>
+            </a:r>
+            <a:r>
+              <a:rPr lang="fr-FR" dirty="0" smtClean="0"/>
+              <a:t> :</a:t>
+            </a:r>
+          </a:p>
+          <a:p>
+            <a:endParaRPr lang="fr-FR" dirty="0"/>
+          </a:p>
+        </p:txBody>
+      </p:sp>
+      <p:pic>
+        <p:nvPicPr>
+          <p:cNvPr id="4" name="Image 3"/>
+          <p:cNvPicPr>
+            <a:picLocks noChangeAspect="1"/>
+          </p:cNvPicPr>
+          <p:nvPr/>
+        </p:nvPicPr>
+        <p:blipFill>
+          <a:blip r:embed="rId2" cstate="print">
+            <a:extLst>
+              <a:ext uri="{28A0092B-C50C-407E-A947-70E740481C1C}">
+                <a14:useLocalDpi xmlns:a14="http://schemas.microsoft.com/office/drawing/2010/main" val="0"/>
+              </a:ext>
+            </a:extLst>
+          </a:blip>
+          <a:stretch>
+            <a:fillRect/>
+          </a:stretch>
+        </p:blipFill>
+        <p:spPr>
+          <a:xfrm>
+            <a:off x="1188416" y="2397425"/>
+            <a:ext cx="1902674" cy="1424462"/>
+          </a:xfrm>
+          <a:prstGeom prst="rect">
+            <a:avLst/>
+          </a:prstGeom>
+        </p:spPr>
+      </p:pic>
+      <p:pic>
+        <p:nvPicPr>
+          <p:cNvPr id="5" name="Image 4"/>
+          <p:cNvPicPr>
+            <a:picLocks noChangeAspect="1"/>
+          </p:cNvPicPr>
+          <p:nvPr/>
+        </p:nvPicPr>
+        <p:blipFill>
+          <a:blip r:embed="rId3" cstate="print">
+            <a:extLst>
+              <a:ext uri="{28A0092B-C50C-407E-A947-70E740481C1C}">
+                <a14:useLocalDpi xmlns:a14="http://schemas.microsoft.com/office/drawing/2010/main" val="0"/>
+              </a:ext>
+            </a:extLst>
+          </a:blip>
+          <a:stretch>
+            <a:fillRect/>
+          </a:stretch>
+        </p:blipFill>
+        <p:spPr>
+          <a:xfrm>
+            <a:off x="3091090" y="2397425"/>
+            <a:ext cx="1784134" cy="1335715"/>
+          </a:xfrm>
+          <a:prstGeom prst="rect">
+            <a:avLst/>
+          </a:prstGeom>
+        </p:spPr>
+      </p:pic>
+      <p:sp>
+        <p:nvSpPr>
+          <p:cNvPr id="6" name="Ellipse 5"/>
+          <p:cNvSpPr/>
+          <p:nvPr/>
+        </p:nvSpPr>
+        <p:spPr>
+          <a:xfrm>
+            <a:off x="1687592" y="2797482"/>
+            <a:ext cx="74428" cy="85060"/>
+          </a:xfrm>
+          <a:prstGeom prst="ellipse">
+            <a:avLst/>
+          </a:prstGeom>
+        </p:spPr>
+        <p:style>
+          <a:lnRef idx="2">
+            <a:schemeClr val="accent1">
+              <a:shade val="50000"/>
+            </a:schemeClr>
+          </a:lnRef>
+          <a:fillRef idx="1">
+            <a:schemeClr val="accent1"/>
+          </a:fillRef>
+          <a:effectRef idx="0">
+            <a:schemeClr val="accent1"/>
+          </a:effectRef>
+          <a:fontRef idx="minor">
+            <a:schemeClr val="lt1"/>
+          </a:fontRef>
+        </p:style>
+        <p:txBody>
+          <a:bodyPr rtlCol="0" anchor="ctr"/>
+          <a:lstStyle/>
+          <a:p>
+            <a:pPr algn="ctr"/>
+            <a:endParaRPr lang="en-US"/>
+          </a:p>
+        </p:txBody>
+      </p:sp>
+      <p:sp>
+        <p:nvSpPr>
+          <p:cNvPr id="7" name="Ellipse 6"/>
+          <p:cNvSpPr/>
+          <p:nvPr/>
+        </p:nvSpPr>
+        <p:spPr>
+          <a:xfrm>
+            <a:off x="3594364" y="3188118"/>
+            <a:ext cx="71438" cy="76872"/>
+          </a:xfrm>
+          <a:prstGeom prst="ellipse">
+            <a:avLst/>
+          </a:prstGeom>
+        </p:spPr>
+        <p:style>
+          <a:lnRef idx="2">
+            <a:schemeClr val="accent1">
+              <a:shade val="50000"/>
+            </a:schemeClr>
+          </a:lnRef>
+          <a:fillRef idx="1">
+            <a:schemeClr val="accent1"/>
+          </a:fillRef>
+          <a:effectRef idx="0">
+            <a:schemeClr val="accent1"/>
+          </a:effectRef>
+          <a:fontRef idx="minor">
+            <a:schemeClr val="lt1"/>
+          </a:fontRef>
+        </p:style>
+        <p:txBody>
+          <a:bodyPr rtlCol="0" anchor="ctr"/>
+          <a:lstStyle/>
+          <a:p>
+            <a:pPr algn="ctr"/>
+            <a:endParaRPr lang="en-US"/>
+          </a:p>
+        </p:txBody>
+      </p:sp>
+      <p:sp>
+        <p:nvSpPr>
+          <p:cNvPr id="8" name="Ellipse 7"/>
+          <p:cNvSpPr/>
+          <p:nvPr/>
+        </p:nvSpPr>
+        <p:spPr>
+          <a:xfrm>
+            <a:off x="1994773" y="3549957"/>
+            <a:ext cx="74428" cy="85060"/>
+          </a:xfrm>
+          <a:prstGeom prst="ellipse">
+            <a:avLst/>
+          </a:prstGeom>
+        </p:spPr>
+        <p:style>
+          <a:lnRef idx="2">
+            <a:schemeClr val="accent2">
+              <a:shade val="50000"/>
+            </a:schemeClr>
+          </a:lnRef>
+          <a:fillRef idx="1">
+            <a:schemeClr val="accent2"/>
+          </a:fillRef>
+          <a:effectRef idx="0">
+            <a:schemeClr val="accent2"/>
+          </a:effectRef>
+          <a:fontRef idx="minor">
+            <a:schemeClr val="lt1"/>
+          </a:fontRef>
+        </p:style>
+        <p:txBody>
+          <a:bodyPr rtlCol="0" anchor="ctr"/>
+          <a:lstStyle/>
+          <a:p>
+            <a:pPr algn="ctr"/>
+            <a:endParaRPr lang="en-US"/>
+          </a:p>
+        </p:txBody>
+      </p:sp>
+      <p:sp>
+        <p:nvSpPr>
+          <p:cNvPr id="9" name="Ellipse 8"/>
+          <p:cNvSpPr/>
+          <p:nvPr/>
+        </p:nvSpPr>
+        <p:spPr>
+          <a:xfrm>
+            <a:off x="3742610" y="3383269"/>
+            <a:ext cx="74428" cy="85060"/>
+          </a:xfrm>
+          <a:prstGeom prst="ellipse">
+            <a:avLst/>
+          </a:prstGeom>
+        </p:spPr>
+        <p:style>
+          <a:lnRef idx="2">
+            <a:schemeClr val="accent2">
+              <a:shade val="50000"/>
+            </a:schemeClr>
+          </a:lnRef>
+          <a:fillRef idx="1">
+            <a:schemeClr val="accent2"/>
+          </a:fillRef>
+          <a:effectRef idx="0">
+            <a:schemeClr val="accent2"/>
+          </a:effectRef>
+          <a:fontRef idx="minor">
+            <a:schemeClr val="lt1"/>
+          </a:fontRef>
+        </p:style>
+        <p:txBody>
+          <a:bodyPr rtlCol="0" anchor="ctr"/>
+          <a:lstStyle/>
+          <a:p>
+            <a:pPr algn="ctr"/>
+            <a:endParaRPr lang="en-US"/>
+          </a:p>
+        </p:txBody>
+      </p:sp>
+      <p:sp>
+        <p:nvSpPr>
+          <p:cNvPr id="10" name="Ellipse 9"/>
+          <p:cNvSpPr/>
+          <p:nvPr/>
+        </p:nvSpPr>
+        <p:spPr>
+          <a:xfrm>
+            <a:off x="2581246" y="3549957"/>
+            <a:ext cx="74428" cy="85060"/>
+          </a:xfrm>
+          <a:prstGeom prst="ellipse">
+            <a:avLst/>
+          </a:prstGeom>
+        </p:spPr>
+        <p:style>
+          <a:lnRef idx="2">
+            <a:schemeClr val="accent6">
+              <a:shade val="50000"/>
+            </a:schemeClr>
+          </a:lnRef>
+          <a:fillRef idx="1">
+            <a:schemeClr val="accent6"/>
+          </a:fillRef>
+          <a:effectRef idx="0">
+            <a:schemeClr val="accent6"/>
+          </a:effectRef>
+          <a:fontRef idx="minor">
+            <a:schemeClr val="lt1"/>
+          </a:fontRef>
+        </p:style>
+        <p:txBody>
+          <a:bodyPr rtlCol="0" anchor="ctr"/>
+          <a:lstStyle/>
+          <a:p>
+            <a:pPr algn="ctr"/>
+            <a:endParaRPr lang="en-US"/>
+          </a:p>
+        </p:txBody>
+      </p:sp>
+      <p:sp>
+        <p:nvSpPr>
+          <p:cNvPr id="11" name="Ellipse 10"/>
+          <p:cNvSpPr/>
+          <p:nvPr/>
+        </p:nvSpPr>
+        <p:spPr>
+          <a:xfrm>
+            <a:off x="4213024" y="3464897"/>
+            <a:ext cx="78859" cy="85060"/>
+          </a:xfrm>
+          <a:prstGeom prst="ellipse">
+            <a:avLst/>
+          </a:prstGeom>
+        </p:spPr>
+        <p:style>
+          <a:lnRef idx="2">
+            <a:schemeClr val="accent6">
+              <a:shade val="50000"/>
+            </a:schemeClr>
+          </a:lnRef>
+          <a:fillRef idx="1">
+            <a:schemeClr val="accent6"/>
+          </a:fillRef>
+          <a:effectRef idx="0">
+            <a:schemeClr val="accent6"/>
+          </a:effectRef>
+          <a:fontRef idx="minor">
+            <a:schemeClr val="lt1"/>
+          </a:fontRef>
+        </p:style>
+        <p:txBody>
+          <a:bodyPr rtlCol="0" anchor="ctr"/>
+          <a:lstStyle/>
+          <a:p>
+            <a:pPr algn="ctr"/>
+            <a:endParaRPr lang="en-US"/>
           </a:p>
         </p:txBody>
       </p:sp>
@@ -12541,23 +14193,114 @@
         <mc:Choice Requires="a14">
           <p:sp>
             <p:nvSpPr>
-              <p:cNvPr id="3" name="Content Placeholder 2"/>
-              <p:cNvSpPr>
-                <a:spLocks noGrp="1"/>
-              </p:cNvSpPr>
-              <p:nvPr>
-                <p:ph idx="1"/>
-              </p:nvPr>
+              <p:cNvPr id="12" name="ZoneTexte 11"/>
+              <p:cNvSpPr txBox="1"/>
+              <p:nvPr/>
             </p:nvSpPr>
-            <p:spPr/>
+            <p:spPr>
+              <a:xfrm>
+                <a:off x="5225440" y="2549611"/>
+                <a:ext cx="5963927" cy="923330"/>
+              </a:xfrm>
+              <a:prstGeom prst="rect">
+                <a:avLst/>
+              </a:prstGeom>
+              <a:noFill/>
+            </p:spPr>
             <p:txBody>
-              <a:bodyPr/>
+              <a:bodyPr wrap="square" rtlCol="0">
+                <a:spAutoFit/>
+              </a:bodyPr>
               <a:lstStyle/>
               <a:p>
+                <a:r>
+                  <a:rPr lang="en-US" dirty="0" smtClean="0"/>
+                  <a:t>Construct</a:t>
+                </a:r>
+              </a:p>
+              <a:p>
+                <a:pPr marL="285750" indent="-285750">
+                  <a:buFont typeface="Arial" panose="020B0604020202020204" pitchFamily="34" charset="0"/>
+                  <a:buChar char="•"/>
+                </a:pPr>
+                <a:r>
+                  <a:rPr lang="en-US" dirty="0" smtClean="0"/>
+                  <a:t>Indicator functions around </a:t>
+                </a:r>
                 <a14:m>
                   <m:oMath xmlns:m="http://schemas.openxmlformats.org/officeDocument/2006/math">
                     <m:r>
-                      <a:rPr lang="fr-FR" i="1" smtClean="0">
+                      <a:rPr lang="en-US" i="1" dirty="0" smtClean="0">
+                        <a:latin typeface="Cambria Math" panose="02040503050406030204" pitchFamily="18" charset="0"/>
+                      </a:rPr>
+                      <m:t>𝑥</m:t>
+                    </m:r>
+                  </m:oMath>
+                </a14:m>
+                <a:r>
+                  <a:rPr lang="en-US" dirty="0" smtClean="0"/>
+                  <a:t> and </a:t>
+                </a:r>
+                <a14:m>
+                  <m:oMath xmlns:m="http://schemas.openxmlformats.org/officeDocument/2006/math">
+                    <m:r>
+                      <a:rPr lang="en-US" i="1" dirty="0" smtClean="0">
+                        <a:latin typeface="Cambria Math" panose="02040503050406030204" pitchFamily="18" charset="0"/>
+                      </a:rPr>
+                      <m:t>𝑦</m:t>
+                    </m:r>
+                  </m:oMath>
+                </a14:m>
+                <a:r>
+                  <a:rPr lang="en-US" dirty="0" smtClean="0"/>
+                  <a:t> and set </a:t>
+                </a:r>
+                <a14:m>
+                  <m:oMath xmlns:m="http://schemas.openxmlformats.org/officeDocument/2006/math">
+                    <m:r>
+                      <a:rPr lang="fr-FR" i="1">
+                        <a:latin typeface="Cambria Math" panose="02040503050406030204" pitchFamily="18" charset="0"/>
+                      </a:rPr>
+                      <m:t>𝐶</m:t>
+                    </m:r>
+                    <m:r>
+                      <a:rPr lang="fr-FR" b="1" i="1">
+                        <a:latin typeface="Cambria Math" panose="02040503050406030204" pitchFamily="18" charset="0"/>
+                      </a:rPr>
+                      <m:t>𝒂</m:t>
+                    </m:r>
+                    <m:r>
+                      <a:rPr lang="fr-FR" i="1">
+                        <a:latin typeface="Cambria Math" panose="02040503050406030204" pitchFamily="18" charset="0"/>
+                      </a:rPr>
+                      <m:t>=</m:t>
+                    </m:r>
+                    <m:r>
+                      <a:rPr lang="fr-FR" b="1" i="1">
+                        <a:latin typeface="Cambria Math" panose="02040503050406030204" pitchFamily="18" charset="0"/>
+                      </a:rPr>
+                      <m:t>𝒃</m:t>
+                    </m:r>
+                  </m:oMath>
+                </a14:m>
+                <a:r>
+                  <a:rPr lang="en-US" dirty="0" smtClean="0"/>
+                  <a:t> </a:t>
+                </a:r>
+              </a:p>
+              <a:p>
+                <a:pPr marL="285750" indent="-285750">
+                  <a:buFont typeface="Arial" panose="020B0604020202020204" pitchFamily="34" charset="0"/>
+                  <a:buChar char="•"/>
+                </a:pPr>
+                <a:r>
+                  <a:rPr lang="en-US" dirty="0" smtClean="0"/>
+                  <a:t>Distance functions </a:t>
+                </a:r>
+                <a14:m>
+                  <m:oMath xmlns:m="http://schemas.openxmlformats.org/officeDocument/2006/math">
+                    <m:r>
+                      <a:rPr lang="en-US" i="1" dirty="0" smtClean="0">
                         <a:latin typeface="Cambria Math" panose="02040503050406030204" pitchFamily="18" charset="0"/>
                       </a:rPr>
                       <m:t>𝑓</m:t>
@@ -12565,8 +14308,50 @@
                   </m:oMath>
                 </a14:m>
                 <a:r>
-                  <a:rPr lang="fr-FR" dirty="0" smtClean="0"/>
+                  <a:rPr lang="en-US" dirty="0" smtClean="0"/>
                   <a:t> and </a:t>
+                </a:r>
+                <a14:m>
+                  <m:oMath xmlns:m="http://schemas.openxmlformats.org/officeDocument/2006/math">
+                    <m:r>
+                      <a:rPr lang="en-US" i="1" dirty="0" smtClean="0">
+                        <a:latin typeface="Cambria Math" panose="02040503050406030204" pitchFamily="18" charset="0"/>
+                      </a:rPr>
+                      <m:t>𝑔</m:t>
+                    </m:r>
+                  </m:oMath>
+                </a14:m>
+                <a:r>
+                  <a:rPr lang="en-US" dirty="0" smtClean="0"/>
+                  <a:t> to </a:t>
+                </a:r>
+                <a14:m>
+                  <m:oMath xmlns:m="http://schemas.openxmlformats.org/officeDocument/2006/math">
+                    <m:r>
+                      <a:rPr lang="en-US" i="1" dirty="0" smtClean="0">
+                        <a:latin typeface="Cambria Math" panose="02040503050406030204" pitchFamily="18" charset="0"/>
+                      </a:rPr>
+                      <m:t>𝑥</m:t>
+                    </m:r>
+                  </m:oMath>
+                </a14:m>
+                <a:r>
+                  <a:rPr lang="en-US" dirty="0" smtClean="0"/>
+                  <a:t> and </a:t>
+                </a:r>
+                <a14:m>
+                  <m:oMath xmlns:m="http://schemas.openxmlformats.org/officeDocument/2006/math">
+                    <m:r>
+                      <a:rPr lang="en-US" i="1" dirty="0" smtClean="0">
+                        <a:latin typeface="Cambria Math" panose="02040503050406030204" pitchFamily="18" charset="0"/>
+                      </a:rPr>
+                      <m:t>𝑦</m:t>
+                    </m:r>
+                  </m:oMath>
+                </a14:m>
+                <a:r>
+                  <a:rPr lang="en-US" dirty="0" smtClean="0"/>
+                  <a:t> and set </a:t>
                 </a:r>
                 <a14:m>
                   <m:oMath xmlns:m="http://schemas.openxmlformats.org/officeDocument/2006/math">
@@ -12574,188 +14359,32 @@
                       <a:rPr lang="fr-FR" i="1">
                         <a:latin typeface="Cambria Math" panose="02040503050406030204" pitchFamily="18" charset="0"/>
                       </a:rPr>
-                      <m:t>𝑔</m:t>
+                      <m:t>𝐶</m:t>
+                    </m:r>
+                    <m:r>
+                      <a:rPr lang="fr-FR" b="1" i="1">
+                        <a:latin typeface="Cambria Math" panose="02040503050406030204" pitchFamily="18" charset="0"/>
+                      </a:rPr>
+                      <m:t>𝒂</m:t>
+                    </m:r>
+                    <m:r>
+                      <a:rPr lang="fr-FR" i="1">
+                        <a:latin typeface="Cambria Math" panose="02040503050406030204" pitchFamily="18" charset="0"/>
+                      </a:rPr>
+                      <m:t>=</m:t>
+                    </m:r>
+                    <m:r>
+                      <a:rPr lang="fr-FR" b="1" i="1">
+                        <a:latin typeface="Cambria Math" panose="02040503050406030204" pitchFamily="18" charset="0"/>
+                      </a:rPr>
+                      <m:t>𝒃</m:t>
                     </m:r>
                   </m:oMath>
                 </a14:m>
                 <a:r>
-                  <a:rPr lang="fr-FR" dirty="0" smtClean="0"/>
-                  <a:t> are </a:t>
-                </a:r>
-                <a:r>
-                  <a:rPr lang="fr-FR" dirty="0" err="1" smtClean="0"/>
-                  <a:t>functions</a:t>
-                </a:r>
-                <a:r>
-                  <a:rPr lang="fr-FR" dirty="0" smtClean="0"/>
+                  <a:rPr lang="en-US" dirty="0"/>
                   <a:t> </a:t>
                 </a:r>
-                <a:r>
-                  <a:rPr lang="fr-FR" dirty="0" err="1" smtClean="0"/>
-                  <a:t>corresponding</a:t>
-                </a:r>
-                <a:r>
-                  <a:rPr lang="fr-FR" dirty="0" smtClean="0"/>
-                  <a:t> to point </a:t>
-                </a:r>
-                <a:r>
-                  <a:rPr lang="fr-FR" dirty="0" err="1" smtClean="0"/>
-                  <a:t>descriptors</a:t>
-                </a:r>
-                <a:r>
-                  <a:rPr lang="fr-FR" dirty="0" smtClean="0"/>
-                  <a:t> at </a:t>
-                </a:r>
-                <a14:m>
-                  <m:oMath xmlns:m="http://schemas.openxmlformats.org/officeDocument/2006/math">
-                    <m:r>
-                      <a:rPr lang="fr-FR" b="0" i="1" smtClean="0">
-                        <a:latin typeface="Cambria Math" panose="02040503050406030204" pitchFamily="18" charset="0"/>
-                      </a:rPr>
-                      <m:t>𝑥</m:t>
-                    </m:r>
-                  </m:oMath>
-                </a14:m>
-                <a:endParaRPr lang="fr-FR" dirty="0" smtClean="0"/>
-              </a:p>
-              <a:p>
-                <a:pPr lvl="1"/>
-                <a:r>
-                  <a:rPr lang="fr-FR" dirty="0" err="1" smtClean="0"/>
-                  <a:t>Add</a:t>
-                </a:r>
-                <a:r>
-                  <a:rPr lang="fr-FR" dirty="0" smtClean="0"/>
-                  <a:t> </a:t>
-                </a:r>
-                <a14:m>
-                  <m:oMath xmlns:m="http://schemas.openxmlformats.org/officeDocument/2006/math">
-                    <m:r>
-                      <a:rPr lang="fr-FR" i="1" dirty="0" smtClean="0">
-                        <a:latin typeface="Cambria Math" panose="02040503050406030204" pitchFamily="18" charset="0"/>
-                      </a:rPr>
-                      <m:t>1</m:t>
-                    </m:r>
-                  </m:oMath>
-                </a14:m>
-                <a:r>
-                  <a:rPr lang="fr-FR" dirty="0" smtClean="0"/>
-                  <a:t> </a:t>
-                </a:r>
-                <a:r>
-                  <a:rPr lang="fr-FR" dirty="0" err="1" smtClean="0"/>
-                  <a:t>function</a:t>
-                </a:r>
-                <a:r>
-                  <a:rPr lang="fr-FR" dirty="0" smtClean="0"/>
-                  <a:t> </a:t>
-                </a:r>
-                <a:r>
-                  <a:rPr lang="fr-FR" dirty="0" err="1" smtClean="0"/>
-                  <a:t>preservation</a:t>
-                </a:r>
-                <a:r>
-                  <a:rPr lang="fr-FR" dirty="0" smtClean="0"/>
-                  <a:t> </a:t>
-                </a:r>
-                <a:r>
-                  <a:rPr lang="fr-FR" dirty="0" err="1" smtClean="0"/>
-                  <a:t>constraint</a:t>
-                </a:r>
-                <a:r>
-                  <a:rPr lang="fr-FR" dirty="0" smtClean="0"/>
-                  <a:t> for </a:t>
-                </a:r>
-                <a:r>
-                  <a:rPr lang="fr-FR" dirty="0" err="1" smtClean="0"/>
-                  <a:t>each</a:t>
-                </a:r>
-                <a:r>
-                  <a:rPr lang="fr-FR" dirty="0" smtClean="0"/>
-                  <a:t> dimension of the </a:t>
-                </a:r>
-                <a:r>
-                  <a:rPr lang="fr-FR" dirty="0" err="1" smtClean="0"/>
-                  <a:t>descriptor</a:t>
-                </a:r>
-                <a:endParaRPr lang="fr-FR" dirty="0" smtClean="0"/>
-              </a:p>
-              <a:p>
-                <a:r>
-                  <a:rPr lang="fr-FR" dirty="0" smtClean="0"/>
-                  <a:t>Use </a:t>
-                </a:r>
-                <a:r>
-                  <a:rPr lang="fr-FR" dirty="0" err="1" smtClean="0"/>
-                  <a:t>isometry</a:t>
-                </a:r>
-                <a:r>
-                  <a:rPr lang="fr-FR" dirty="0" smtClean="0"/>
-                  <a:t> invariant </a:t>
-                </a:r>
-                <a:r>
-                  <a:rPr lang="fr-FR" dirty="0" err="1" smtClean="0"/>
-                  <a:t>descriptors</a:t>
-                </a:r>
-                <a:r>
-                  <a:rPr lang="fr-FR" dirty="0" smtClean="0"/>
-                  <a:t> </a:t>
-                </a:r>
-                <a:r>
-                  <a:rPr lang="fr-FR" dirty="0" err="1" smtClean="0"/>
-                  <a:t>such</a:t>
-                </a:r>
-                <a:r>
-                  <a:rPr lang="fr-FR" dirty="0" smtClean="0"/>
-                  <a:t> as :</a:t>
-                </a:r>
-              </a:p>
-              <a:p>
-                <a:pPr lvl="1"/>
-                <a:r>
-                  <a:rPr lang="fr-FR" dirty="0" err="1" smtClean="0"/>
-                  <a:t>Heat</a:t>
-                </a:r>
-                <a:r>
-                  <a:rPr lang="fr-FR" dirty="0" smtClean="0"/>
-                  <a:t> </a:t>
-                </a:r>
-                <a:r>
-                  <a:rPr lang="fr-FR" dirty="0" err="1" smtClean="0"/>
-                  <a:t>Kernel</a:t>
-                </a:r>
-                <a:r>
-                  <a:rPr lang="fr-FR" dirty="0" smtClean="0"/>
-                  <a:t> Signature</a:t>
-                </a:r>
-              </a:p>
-              <a:p>
-                <a:pPr lvl="1"/>
-                <a:endParaRPr lang="fr-FR" dirty="0"/>
-              </a:p>
-              <a:p>
-                <a:pPr lvl="1"/>
-                <a:endParaRPr lang="fr-FR" dirty="0" smtClean="0"/>
-              </a:p>
-              <a:p>
-                <a:pPr lvl="1"/>
-                <a:r>
-                  <a:rPr lang="fr-FR" dirty="0" err="1" smtClean="0"/>
-                  <a:t>Wave</a:t>
-                </a:r>
-                <a:r>
-                  <a:rPr lang="fr-FR" dirty="0" smtClean="0"/>
-                  <a:t> </a:t>
-                </a:r>
-                <a:r>
-                  <a:rPr lang="fr-FR" dirty="0" err="1" smtClean="0"/>
-                  <a:t>Kernel</a:t>
-                </a:r>
-                <a:r>
-                  <a:rPr lang="fr-FR" dirty="0" smtClean="0"/>
-                  <a:t> Signature </a:t>
-                </a:r>
-                <a:endParaRPr lang="fr-FR" dirty="0"/>
               </a:p>
             </p:txBody>
           </p:sp>
@@ -12763,19 +14392,24 @@
         <mc:Fallback xmlns="">
           <p:sp>
             <p:nvSpPr>
-              <p:cNvPr id="3" name="Content Placeholder 2"/>
-              <p:cNvSpPr>
-                <a:spLocks noGrp="1" noRot="1" noChangeAspect="1" noMove="1" noResize="1" noEditPoints="1" noAdjustHandles="1" noChangeArrowheads="1" noChangeShapeType="1" noTextEdit="1"/>
+              <p:cNvPr id="12" name="ZoneTexte 11"/>
+              <p:cNvSpPr txBox="1">
+                <a:spLocks noRot="1" noChangeAspect="1" noMove="1" noResize="1" noEditPoints="1" noAdjustHandles="1" noChangeArrowheads="1" noChangeShapeType="1" noTextEdit="1"/>
               </p:cNvSpPr>
-              <p:nvPr>
-                <p:ph idx="1"/>
-              </p:nvPr>
+              <p:nvPr/>
             </p:nvSpPr>
             <p:spPr>
+              <a:xfrm>
+                <a:off x="5225440" y="2549611"/>
+                <a:ext cx="5963927" cy="923330"/>
+              </a:xfrm>
+              <a:prstGeom prst="rect">
+                <a:avLst/>
+              </a:prstGeom>
               <a:blipFill rotWithShape="0">
-                <a:blip r:embed="rId2"/>
+                <a:blip r:embed="rId4"/>
                 <a:stretch>
-                  <a:fillRect l="-1043" t="-2241"/>
+                  <a:fillRect l="-817" t="-3289" b="-9211"/>
                 </a:stretch>
               </a:blipFill>
             </p:spPr>
@@ -12794,10 +14428,287 @@
           </p:sp>
         </mc:Fallback>
       </mc:AlternateContent>
+      <mc:AlternateContent xmlns:mc="http://schemas.openxmlformats.org/markup-compatibility/2006" xmlns:a14="http://schemas.microsoft.com/office/drawing/2010/main">
+        <mc:Choice Requires="a14">
+          <p:sp>
+            <p:nvSpPr>
+              <p:cNvPr id="13" name="Rectangle 12"/>
+              <p:cNvSpPr/>
+              <p:nvPr/>
+            </p:nvSpPr>
+            <p:spPr>
+              <a:xfrm>
+                <a:off x="1394035" y="2655346"/>
+                <a:ext cx="367985" cy="369332"/>
+              </a:xfrm>
+              <a:prstGeom prst="rect">
+                <a:avLst/>
+              </a:prstGeom>
+            </p:spPr>
+            <p:txBody>
+              <a:bodyPr wrap="none">
+                <a:spAutoFit/>
+              </a:bodyPr>
+              <a:lstStyle/>
+              <a:p>
+                <a:pPr/>
+                <a14:m>
+                  <m:oMathPara xmlns:m="http://schemas.openxmlformats.org/officeDocument/2006/math">
+                    <m:oMathParaPr>
+                      <m:jc m:val="centerGroup"/>
+                    </m:oMathParaPr>
+                    <m:oMath xmlns:m="http://schemas.openxmlformats.org/officeDocument/2006/math">
+                      <m:r>
+                        <a:rPr lang="en-US" i="1" dirty="0">
+                          <a:latin typeface="Cambria Math" panose="02040503050406030204" pitchFamily="18" charset="0"/>
+                        </a:rPr>
+                        <m:t>𝑥</m:t>
+                      </m:r>
+                    </m:oMath>
+                  </m:oMathPara>
+                </a14:m>
+                <a:endParaRPr lang="en-US" dirty="0"/>
+              </a:p>
+            </p:txBody>
+          </p:sp>
+        </mc:Choice>
+        <mc:Fallback xmlns="">
+          <p:sp>
+            <p:nvSpPr>
+              <p:cNvPr id="13" name="Rectangle 12"/>
+              <p:cNvSpPr>
+                <a:spLocks noRot="1" noChangeAspect="1" noMove="1" noResize="1" noEditPoints="1" noAdjustHandles="1" noChangeArrowheads="1" noChangeShapeType="1" noTextEdit="1"/>
+              </p:cNvSpPr>
+              <p:nvPr/>
+            </p:nvSpPr>
+            <p:spPr>
+              <a:xfrm>
+                <a:off x="1394035" y="2655346"/>
+                <a:ext cx="367985" cy="369332"/>
+              </a:xfrm>
+              <a:prstGeom prst="rect">
+                <a:avLst/>
+              </a:prstGeom>
+              <a:blipFill rotWithShape="0">
+                <a:blip r:embed="rId5"/>
+                <a:stretch>
+                  <a:fillRect/>
+                </a:stretch>
+              </a:blipFill>
+            </p:spPr>
+            <p:txBody>
+              <a:bodyPr/>
+              <a:lstStyle/>
+              <a:p>
+                <a:r>
+                  <a:rPr lang="en-US">
+                    <a:noFill/>
+                  </a:rPr>
+                  <a:t> </a:t>
+                </a:r>
+              </a:p>
+            </p:txBody>
+          </p:sp>
+        </mc:Fallback>
+      </mc:AlternateContent>
+      <mc:AlternateContent xmlns:mc="http://schemas.openxmlformats.org/markup-compatibility/2006" xmlns:a14="http://schemas.microsoft.com/office/drawing/2010/main">
+        <mc:Choice Requires="a14">
+          <p:sp>
+            <p:nvSpPr>
+              <p:cNvPr id="14" name="Rectangle 13"/>
+              <p:cNvSpPr/>
+              <p:nvPr/>
+            </p:nvSpPr>
+            <p:spPr>
+              <a:xfrm>
+                <a:off x="3296709" y="3016691"/>
+                <a:ext cx="371384" cy="369332"/>
+              </a:xfrm>
+              <a:prstGeom prst="rect">
+                <a:avLst/>
+              </a:prstGeom>
+            </p:spPr>
+            <p:txBody>
+              <a:bodyPr wrap="none">
+                <a:spAutoFit/>
+              </a:bodyPr>
+              <a:lstStyle/>
+              <a:p>
+                <a:pPr/>
+                <a14:m>
+                  <m:oMathPara xmlns:m="http://schemas.openxmlformats.org/officeDocument/2006/math">
+                    <m:oMathParaPr>
+                      <m:jc m:val="centerGroup"/>
+                    </m:oMathParaPr>
+                    <m:oMath xmlns:m="http://schemas.openxmlformats.org/officeDocument/2006/math">
+                      <m:r>
+                        <a:rPr lang="en-US" i="1" dirty="0">
+                          <a:latin typeface="Cambria Math" panose="02040503050406030204" pitchFamily="18" charset="0"/>
+                        </a:rPr>
+                        <m:t>𝑦</m:t>
+                      </m:r>
+                    </m:oMath>
+                  </m:oMathPara>
+                </a14:m>
+                <a:endParaRPr lang="en-US" dirty="0"/>
+              </a:p>
+            </p:txBody>
+          </p:sp>
+        </mc:Choice>
+        <mc:Fallback xmlns="">
+          <p:sp>
+            <p:nvSpPr>
+              <p:cNvPr id="14" name="Rectangle 13"/>
+              <p:cNvSpPr>
+                <a:spLocks noRot="1" noChangeAspect="1" noMove="1" noResize="1" noEditPoints="1" noAdjustHandles="1" noChangeArrowheads="1" noChangeShapeType="1" noTextEdit="1"/>
+              </p:cNvSpPr>
+              <p:nvPr/>
+            </p:nvSpPr>
+            <p:spPr>
+              <a:xfrm>
+                <a:off x="3296709" y="3016691"/>
+                <a:ext cx="371384" cy="369332"/>
+              </a:xfrm>
+              <a:prstGeom prst="rect">
+                <a:avLst/>
+              </a:prstGeom>
+              <a:blipFill rotWithShape="0">
+                <a:blip r:embed="rId6"/>
+                <a:stretch>
+                  <a:fillRect b="-6667"/>
+                </a:stretch>
+              </a:blipFill>
+            </p:spPr>
+            <p:txBody>
+              <a:bodyPr/>
+              <a:lstStyle/>
+              <a:p>
+                <a:r>
+                  <a:rPr lang="en-US">
+                    <a:noFill/>
+                  </a:rPr>
+                  <a:t> </a:t>
+                </a:r>
+              </a:p>
+            </p:txBody>
+          </p:sp>
+        </mc:Fallback>
+      </mc:AlternateContent>
+      <p:pic>
+        <p:nvPicPr>
+          <p:cNvPr id="15" name="Image 14"/>
+          <p:cNvPicPr>
+            <a:picLocks noChangeAspect="1"/>
+          </p:cNvPicPr>
+          <p:nvPr/>
+        </p:nvPicPr>
+        <p:blipFill>
+          <a:blip r:embed="rId7" cstate="print">
+            <a:extLst>
+              <a:ext uri="{28A0092B-C50C-407E-A947-70E740481C1C}">
+                <a14:useLocalDpi xmlns:a14="http://schemas.microsoft.com/office/drawing/2010/main" val="0"/>
+              </a:ext>
+            </a:extLst>
+          </a:blip>
+          <a:stretch>
+            <a:fillRect/>
+          </a:stretch>
+        </p:blipFill>
+        <p:spPr>
+          <a:xfrm>
+            <a:off x="768510" y="4571256"/>
+            <a:ext cx="1987020" cy="1487608"/>
+          </a:xfrm>
+          <a:prstGeom prst="rect">
+            <a:avLst/>
+          </a:prstGeom>
+        </p:spPr>
+      </p:pic>
+      <p:pic>
+        <p:nvPicPr>
+          <p:cNvPr id="16" name="Image 15"/>
+          <p:cNvPicPr>
+            <a:picLocks noChangeAspect="1"/>
+          </p:cNvPicPr>
+          <p:nvPr/>
+        </p:nvPicPr>
+        <p:blipFill>
+          <a:blip r:embed="rId8" cstate="print">
+            <a:extLst>
+              <a:ext uri="{28A0092B-C50C-407E-A947-70E740481C1C}">
+                <a14:useLocalDpi xmlns:a14="http://schemas.microsoft.com/office/drawing/2010/main" val="0"/>
+              </a:ext>
+            </a:extLst>
+          </a:blip>
+          <a:stretch>
+            <a:fillRect/>
+          </a:stretch>
+        </p:blipFill>
+        <p:spPr>
+          <a:xfrm>
+            <a:off x="2825220" y="4469997"/>
+            <a:ext cx="2257524" cy="1690125"/>
+          </a:xfrm>
+          <a:prstGeom prst="rect">
+            <a:avLst/>
+          </a:prstGeom>
+        </p:spPr>
+      </p:pic>
+      <p:sp>
+        <p:nvSpPr>
+          <p:cNvPr id="19" name="ZoneTexte 18"/>
+          <p:cNvSpPr txBox="1"/>
+          <p:nvPr/>
+        </p:nvSpPr>
+        <p:spPr>
+          <a:xfrm>
+            <a:off x="5082744" y="4714894"/>
+            <a:ext cx="6507894" cy="1200329"/>
+          </a:xfrm>
+          <a:prstGeom prst="rect">
+            <a:avLst/>
+          </a:prstGeom>
+          <a:noFill/>
+        </p:spPr>
+        <p:txBody>
+          <a:bodyPr wrap="square" rtlCol="0">
+            <a:spAutoFit/>
+          </a:bodyPr>
+          <a:lstStyle/>
+          <a:p>
+            <a:pPr marL="285750" indent="-285750">
+              <a:buFont typeface="Arial" panose="020B0604020202020204" pitchFamily="34" charset="0"/>
+              <a:buChar char="•"/>
+            </a:pPr>
+            <a:r>
+              <a:rPr lang="en-US" dirty="0" smtClean="0"/>
+              <a:t>Construct linear constraints exactly like for landmark but for a part of the shapes</a:t>
+            </a:r>
+            <a:r>
+              <a:rPr lang="en-US" dirty="0"/>
+              <a:t> </a:t>
+            </a:r>
+            <a:r>
+              <a:rPr lang="en-US" dirty="0" smtClean="0"/>
+              <a:t>: add more constraints  than few landmark point</a:t>
+            </a:r>
+          </a:p>
+          <a:p>
+            <a:pPr marL="285750" indent="-285750">
+              <a:buFont typeface="Arial" panose="020B0604020202020204" pitchFamily="34" charset="0"/>
+              <a:buChar char="•"/>
+            </a:pPr>
+            <a:r>
+              <a:rPr lang="en-US" dirty="0" smtClean="0"/>
+              <a:t>Need to pre-segment shape and match corresponding segments</a:t>
+            </a:r>
+          </a:p>
+        </p:txBody>
+      </p:sp>
     </p:spTree>
     <p:extLst>
       <p:ext uri="{BB962C8B-B14F-4D97-AF65-F5344CB8AC3E}">
-        <p14:creationId xmlns:p14="http://schemas.microsoft.com/office/powerpoint/2010/main" val="1753176929"/>
+        <p14:creationId xmlns:p14="http://schemas.microsoft.com/office/powerpoint/2010/main" val="3736656639"/>
       </p:ext>
     </p:extLst>
   </p:cSld>

--- a/Report/Presentation_slide_nico.pptx
+++ b/Report/Presentation_slide_nico.pptx
@@ -5,7 +5,7 @@
     <p:sldMasterId id="2147483648" r:id="rId1"/>
   </p:sldMasterIdLst>
   <p:notesMasterIdLst>
-    <p:notesMasterId r:id="rId18"/>
+    <p:notesMasterId r:id="rId19"/>
   </p:notesMasterIdLst>
   <p:sldIdLst>
     <p:sldId id="277" r:id="rId2"/>
@@ -24,6 +24,7 @@
     <p:sldId id="287" r:id="rId15"/>
     <p:sldId id="276" r:id="rId16"/>
     <p:sldId id="288" r:id="rId17"/>
+    <p:sldId id="289" r:id="rId18"/>
   </p:sldIdLst>
   <p:sldSz cx="12192000" cy="6858000"/>
   <p:notesSz cx="6858000" cy="9144000"/>
@@ -371,7 +372,7 @@
           <a:p>
             <a:fld id="{20A6EE4E-73B9-4172-9487-6AF1D46B4DD1}" type="slidenum">
               <a:rPr lang="en-US" smtClean="0"/>
-              <a:t>‹N°›</a:t>
+              <a:t>‹#›</a:t>
             </a:fld>
             <a:endParaRPr lang="en-US"/>
           </a:p>
@@ -737,7 +738,7 @@
           <a:p>
             <a:fld id="{2B090BD9-1061-4611-856B-6F0E685FFA8C}" type="slidenum">
               <a:rPr lang="fr-FR" smtClean="0"/>
-              <a:t>‹N°›</a:t>
+              <a:t>‹#›</a:t>
             </a:fld>
             <a:endParaRPr lang="fr-FR"/>
           </a:p>
@@ -907,7 +908,7 @@
           <a:p>
             <a:fld id="{2B090BD9-1061-4611-856B-6F0E685FFA8C}" type="slidenum">
               <a:rPr lang="fr-FR" smtClean="0"/>
-              <a:t>‹N°›</a:t>
+              <a:t>‹#›</a:t>
             </a:fld>
             <a:endParaRPr lang="fr-FR"/>
           </a:p>
@@ -1087,7 +1088,7 @@
           <a:p>
             <a:fld id="{2B090BD9-1061-4611-856B-6F0E685FFA8C}" type="slidenum">
               <a:rPr lang="fr-FR" smtClean="0"/>
-              <a:t>‹N°›</a:t>
+              <a:t>‹#›</a:t>
             </a:fld>
             <a:endParaRPr lang="fr-FR"/>
           </a:p>
@@ -1257,7 +1258,7 @@
           <a:p>
             <a:fld id="{2B090BD9-1061-4611-856B-6F0E685FFA8C}" type="slidenum">
               <a:rPr lang="fr-FR" smtClean="0"/>
-              <a:t>‹N°›</a:t>
+              <a:t>‹#›</a:t>
             </a:fld>
             <a:endParaRPr lang="fr-FR"/>
           </a:p>
@@ -1503,7 +1504,7 @@
           <a:p>
             <a:fld id="{2B090BD9-1061-4611-856B-6F0E685FFA8C}" type="slidenum">
               <a:rPr lang="fr-FR" smtClean="0"/>
-              <a:t>‹N°›</a:t>
+              <a:t>‹#›</a:t>
             </a:fld>
             <a:endParaRPr lang="fr-FR"/>
           </a:p>
@@ -1735,7 +1736,7 @@
           <a:p>
             <a:fld id="{2B090BD9-1061-4611-856B-6F0E685FFA8C}" type="slidenum">
               <a:rPr lang="fr-FR" smtClean="0"/>
-              <a:t>‹N°›</a:t>
+              <a:t>‹#›</a:t>
             </a:fld>
             <a:endParaRPr lang="fr-FR"/>
           </a:p>
@@ -2102,7 +2103,7 @@
           <a:p>
             <a:fld id="{2B090BD9-1061-4611-856B-6F0E685FFA8C}" type="slidenum">
               <a:rPr lang="fr-FR" smtClean="0"/>
-              <a:t>‹N°›</a:t>
+              <a:t>‹#›</a:t>
             </a:fld>
             <a:endParaRPr lang="fr-FR"/>
           </a:p>
@@ -2220,7 +2221,7 @@
           <a:p>
             <a:fld id="{2B090BD9-1061-4611-856B-6F0E685FFA8C}" type="slidenum">
               <a:rPr lang="fr-FR" smtClean="0"/>
-              <a:t>‹N°›</a:t>
+              <a:t>‹#›</a:t>
             </a:fld>
             <a:endParaRPr lang="fr-FR"/>
           </a:p>
@@ -2315,7 +2316,7 @@
           <a:p>
             <a:fld id="{2B090BD9-1061-4611-856B-6F0E685FFA8C}" type="slidenum">
               <a:rPr lang="fr-FR" smtClean="0"/>
-              <a:t>‹N°›</a:t>
+              <a:t>‹#›</a:t>
             </a:fld>
             <a:endParaRPr lang="fr-FR"/>
           </a:p>
@@ -2592,7 +2593,7 @@
           <a:p>
             <a:fld id="{2B090BD9-1061-4611-856B-6F0E685FFA8C}" type="slidenum">
               <a:rPr lang="fr-FR" smtClean="0"/>
-              <a:t>‹N°›</a:t>
+              <a:t>‹#›</a:t>
             </a:fld>
             <a:endParaRPr lang="fr-FR"/>
           </a:p>
@@ -2845,7 +2846,7 @@
           <a:p>
             <a:fld id="{2B090BD9-1061-4611-856B-6F0E685FFA8C}" type="slidenum">
               <a:rPr lang="fr-FR" smtClean="0"/>
-              <a:t>‹N°›</a:t>
+              <a:t>‹#›</a:t>
             </a:fld>
             <a:endParaRPr lang="fr-FR"/>
           </a:p>
@@ -3094,7 +3095,7 @@
           <a:p>
             <a:fld id="{2B090BD9-1061-4611-856B-6F0E685FFA8C}" type="slidenum">
               <a:rPr lang="fr-FR" smtClean="0"/>
-              <a:t>‹N°›</a:t>
+              <a:t>‹#›</a:t>
             </a:fld>
             <a:endParaRPr lang="fr-FR"/>
           </a:p>
@@ -4683,8 +4684,8 @@
           </a:p>
         </p:txBody>
       </p:sp>
-      <mc:AlternateContent xmlns:mc="http://schemas.openxmlformats.org/markup-compatibility/2006">
-        <mc:Choice xmlns:a14="http://schemas.microsoft.com/office/drawing/2010/main" Requires="a14">
+      <mc:AlternateContent xmlns:mc="http://schemas.openxmlformats.org/markup-compatibility/2006" xmlns:a14="http://schemas.microsoft.com/office/drawing/2010/main">
+        <mc:Choice Requires="a14">
           <p:sp>
             <p:nvSpPr>
               <p:cNvPr id="3" name="Content Placeholder 2"/>
@@ -5022,7 +5023,7 @@
             </p:txBody>
           </p:sp>
         </mc:Choice>
-        <mc:Fallback>
+        <mc:Fallback xmlns="">
           <p:sp>
             <p:nvSpPr>
               <p:cNvPr id="3" name="Content Placeholder 2"/>
@@ -6501,8 +6502,8 @@
           </a:p>
         </p:txBody>
       </p:sp>
-      <mc:AlternateContent xmlns:mc="http://schemas.openxmlformats.org/markup-compatibility/2006">
-        <mc:Choice xmlns:a14="http://schemas.microsoft.com/office/drawing/2010/main" Requires="a14">
+      <mc:AlternateContent xmlns:mc="http://schemas.openxmlformats.org/markup-compatibility/2006" xmlns:a14="http://schemas.microsoft.com/office/drawing/2010/main">
+        <mc:Choice Requires="a14">
           <p:sp>
             <p:nvSpPr>
               <p:cNvPr id="3" name="Content Placeholder 2"/>
@@ -7029,7 +7030,7 @@
             </p:txBody>
           </p:sp>
         </mc:Choice>
-        <mc:Fallback>
+        <mc:Fallback xmlns="">
           <p:sp>
             <p:nvSpPr>
               <p:cNvPr id="3" name="Content Placeholder 2"/>
@@ -7080,6 +7081,527 @@
       </p:par>
     </p:tnLst>
   </p:timing>
+</p:sld>
+</file>
+
+<file path=ppt/slides/slide17.xml><?xml version="1.0" encoding="utf-8"?>
+<p:sld xmlns:a="http://schemas.openxmlformats.org/drawingml/2006/main" xmlns:r="http://schemas.openxmlformats.org/officeDocument/2006/relationships" xmlns:p="http://schemas.openxmlformats.org/presentationml/2006/main">
+  <p:cSld>
+    <p:spTree>
+      <p:nvGrpSpPr>
+        <p:cNvPr id="1" name=""/>
+        <p:cNvGrpSpPr/>
+        <p:nvPr/>
+      </p:nvGrpSpPr>
+      <p:grpSpPr>
+        <a:xfrm>
+          <a:off x="0" y="0"/>
+          <a:ext cx="0" cy="0"/>
+          <a:chOff x="0" y="0"/>
+          <a:chExt cx="0" cy="0"/>
+        </a:xfrm>
+      </p:grpSpPr>
+      <p:sp>
+        <p:nvSpPr>
+          <p:cNvPr id="2" name="Title 1"/>
+          <p:cNvSpPr>
+            <a:spLocks noGrp="1"/>
+          </p:cNvSpPr>
+          <p:nvPr>
+            <p:ph type="title"/>
+          </p:nvPr>
+        </p:nvSpPr>
+        <p:spPr/>
+        <p:txBody>
+          <a:bodyPr/>
+          <a:lstStyle/>
+          <a:p>
+            <a:r>
+              <a:rPr lang="fr-FR" dirty="0" err="1" smtClean="0"/>
+              <a:t>Current</a:t>
+            </a:r>
+            <a:r>
+              <a:rPr lang="fr-FR" dirty="0" smtClean="0"/>
+              <a:t> and  </a:t>
+            </a:r>
+            <a:r>
+              <a:rPr lang="fr-FR" dirty="0" err="1" smtClean="0"/>
+              <a:t>further</a:t>
+            </a:r>
+            <a:r>
+              <a:rPr lang="fr-FR" dirty="0" smtClean="0"/>
+              <a:t> </a:t>
+            </a:r>
+            <a:r>
+              <a:rPr lang="fr-FR" dirty="0" err="1" smtClean="0"/>
+              <a:t>work</a:t>
+            </a:r>
+            <a:endParaRPr lang="fr-FR" dirty="0"/>
+          </a:p>
+        </p:txBody>
+      </p:sp>
+      <p:sp>
+        <p:nvSpPr>
+          <p:cNvPr id="3" name="Content Placeholder 2"/>
+          <p:cNvSpPr>
+            <a:spLocks noGrp="1"/>
+          </p:cNvSpPr>
+          <p:nvPr>
+            <p:ph idx="1"/>
+          </p:nvPr>
+        </p:nvSpPr>
+        <p:spPr/>
+        <p:txBody>
+          <a:bodyPr>
+            <a:normAutofit fontScale="92500" lnSpcReduction="10000"/>
+          </a:bodyPr>
+          <a:lstStyle/>
+          <a:p>
+            <a:pPr marL="0" indent="0">
+              <a:buNone/>
+            </a:pPr>
+            <a:r>
+              <a:rPr lang="fr-FR" dirty="0"/>
+              <a:t> </a:t>
+            </a:r>
+            <a:r>
+              <a:rPr lang="fr-FR" dirty="0" smtClean="0"/>
+              <a:t>  LB </a:t>
+            </a:r>
+            <a:r>
+              <a:rPr lang="fr-FR" dirty="0" err="1" smtClean="0"/>
+              <a:t>operator</a:t>
+            </a:r>
+            <a:r>
+              <a:rPr lang="fr-FR" dirty="0" smtClean="0"/>
+              <a:t>, HKS and WKS </a:t>
+            </a:r>
+            <a:r>
+              <a:rPr lang="fr-FR" dirty="0" err="1" smtClean="0"/>
+              <a:t>were</a:t>
+            </a:r>
+            <a:r>
+              <a:rPr lang="fr-FR" dirty="0" smtClean="0"/>
+              <a:t> </a:t>
+            </a:r>
+            <a:r>
+              <a:rPr lang="fr-FR" dirty="0" err="1" smtClean="0"/>
+              <a:t>provided</a:t>
+            </a:r>
+            <a:endParaRPr lang="fr-FR" dirty="0" smtClean="0"/>
+          </a:p>
+          <a:p>
+            <a:pPr marL="0" indent="0">
+              <a:buNone/>
+            </a:pPr>
+            <a:r>
+              <a:rPr lang="fr-FR" dirty="0"/>
+              <a:t> </a:t>
+            </a:r>
+            <a:r>
+              <a:rPr lang="fr-FR" dirty="0" smtClean="0"/>
+              <a:t>  </a:t>
+            </a:r>
+            <a:r>
+              <a:rPr lang="fr-FR" dirty="0" err="1" smtClean="0"/>
+              <a:t>What</a:t>
+            </a:r>
+            <a:r>
+              <a:rPr lang="fr-FR" dirty="0" smtClean="0"/>
+              <a:t> </a:t>
+            </a:r>
+            <a:r>
+              <a:rPr lang="fr-FR" dirty="0" err="1" smtClean="0"/>
+              <a:t>we</a:t>
+            </a:r>
+            <a:r>
+              <a:rPr lang="fr-FR" dirty="0" smtClean="0"/>
+              <a:t> </a:t>
+            </a:r>
+            <a:r>
+              <a:rPr lang="fr-FR" dirty="0" err="1" smtClean="0"/>
+              <a:t>did</a:t>
+            </a:r>
+            <a:r>
+              <a:rPr lang="fr-FR" dirty="0" smtClean="0"/>
+              <a:t> </a:t>
+            </a:r>
+            <a:r>
+              <a:rPr lang="fr-FR" dirty="0" err="1" smtClean="0"/>
+              <a:t>until</a:t>
+            </a:r>
+            <a:r>
+              <a:rPr lang="fr-FR" dirty="0" smtClean="0"/>
+              <a:t> </a:t>
+            </a:r>
+            <a:r>
+              <a:rPr lang="fr-FR" dirty="0" err="1" smtClean="0"/>
+              <a:t>now</a:t>
+            </a:r>
+            <a:r>
+              <a:rPr lang="fr-FR" dirty="0" smtClean="0"/>
+              <a:t>  :</a:t>
+            </a:r>
+          </a:p>
+          <a:p>
+            <a:pPr lvl="1"/>
+            <a:r>
+              <a:rPr lang="fr-FR" dirty="0" err="1" smtClean="0"/>
+              <a:t>Linear</a:t>
+            </a:r>
+            <a:r>
+              <a:rPr lang="fr-FR" dirty="0" smtClean="0"/>
+              <a:t> </a:t>
+            </a:r>
+            <a:r>
+              <a:rPr lang="fr-FR" dirty="0" err="1" smtClean="0"/>
+              <a:t>constraints</a:t>
+            </a:r>
+            <a:r>
+              <a:rPr lang="fr-FR" dirty="0" smtClean="0"/>
+              <a:t> for </a:t>
+            </a:r>
+          </a:p>
+          <a:p>
+            <a:pPr lvl="2"/>
+            <a:r>
+              <a:rPr lang="fr-FR" dirty="0" err="1" smtClean="0"/>
+              <a:t>descriptor</a:t>
+            </a:r>
+            <a:r>
+              <a:rPr lang="fr-FR" dirty="0" smtClean="0"/>
+              <a:t> </a:t>
+            </a:r>
+            <a:r>
+              <a:rPr lang="fr-FR" dirty="0" err="1" smtClean="0"/>
+              <a:t>preservation</a:t>
+            </a:r>
+            <a:r>
+              <a:rPr lang="fr-FR" dirty="0" smtClean="0"/>
+              <a:t> </a:t>
+            </a:r>
+          </a:p>
+          <a:p>
+            <a:pPr lvl="2"/>
+            <a:r>
+              <a:rPr lang="fr-FR" dirty="0" smtClean="0"/>
+              <a:t>Segment </a:t>
+            </a:r>
+            <a:r>
+              <a:rPr lang="fr-FR" dirty="0" err="1" smtClean="0"/>
+              <a:t>preservation</a:t>
+            </a:r>
+            <a:r>
+              <a:rPr lang="fr-FR" dirty="0" smtClean="0"/>
+              <a:t> </a:t>
+            </a:r>
+            <a:r>
+              <a:rPr lang="fr-FR" dirty="0" err="1" smtClean="0"/>
+              <a:t>constraints</a:t>
+            </a:r>
+            <a:endParaRPr lang="fr-FR" dirty="0"/>
+          </a:p>
+          <a:p>
+            <a:pPr lvl="2"/>
+            <a:r>
+              <a:rPr lang="fr-FR" dirty="0" err="1" smtClean="0"/>
+              <a:t>Operator</a:t>
+            </a:r>
+            <a:r>
+              <a:rPr lang="fr-FR" dirty="0" smtClean="0"/>
+              <a:t> </a:t>
+            </a:r>
+            <a:r>
+              <a:rPr lang="fr-FR" dirty="0" err="1" smtClean="0"/>
+              <a:t>commutativity</a:t>
+            </a:r>
+            <a:r>
+              <a:rPr lang="fr-FR" dirty="0" smtClean="0"/>
+              <a:t> </a:t>
+            </a:r>
+            <a:r>
+              <a:rPr lang="fr-FR" dirty="0" err="1" smtClean="0"/>
+              <a:t>constraints</a:t>
+            </a:r>
+            <a:endParaRPr lang="fr-FR" dirty="0" smtClean="0"/>
+          </a:p>
+          <a:p>
+            <a:pPr lvl="1"/>
+            <a:r>
+              <a:rPr lang="fr-FR" dirty="0" err="1" smtClean="0"/>
+              <a:t>We</a:t>
+            </a:r>
+            <a:r>
+              <a:rPr lang="fr-FR" dirty="0" smtClean="0"/>
+              <a:t> </a:t>
+            </a:r>
+            <a:r>
+              <a:rPr lang="fr-FR" dirty="0" err="1" smtClean="0"/>
+              <a:t>also</a:t>
+            </a:r>
+            <a:r>
+              <a:rPr lang="fr-FR" dirty="0" smtClean="0"/>
+              <a:t> </a:t>
+            </a:r>
+            <a:r>
+              <a:rPr lang="fr-FR" dirty="0" err="1" smtClean="0"/>
+              <a:t>implemented</a:t>
+            </a:r>
+            <a:r>
+              <a:rPr lang="fr-FR" dirty="0" smtClean="0"/>
+              <a:t> the </a:t>
+            </a:r>
+            <a:r>
+              <a:rPr lang="fr-FR" dirty="0" err="1" smtClean="0"/>
+              <a:t>persistence</a:t>
+            </a:r>
+            <a:r>
+              <a:rPr lang="fr-FR" dirty="0" smtClean="0"/>
+              <a:t> </a:t>
+            </a:r>
+            <a:r>
+              <a:rPr lang="fr-FR" dirty="0" err="1" smtClean="0"/>
+              <a:t>based</a:t>
+            </a:r>
+            <a:r>
+              <a:rPr lang="fr-FR" dirty="0" smtClean="0"/>
+              <a:t> segmentation </a:t>
+            </a:r>
+            <a:r>
+              <a:rPr lang="fr-FR" dirty="0" err="1" smtClean="0"/>
+              <a:t>algorithm</a:t>
+            </a:r>
+            <a:endParaRPr lang="fr-FR" dirty="0" smtClean="0"/>
+          </a:p>
+          <a:p>
+            <a:pPr marL="0" indent="0">
+              <a:buNone/>
+            </a:pPr>
+            <a:endParaRPr lang="fr-FR" dirty="0"/>
+          </a:p>
+          <a:p>
+            <a:pPr marL="0" indent="0">
+              <a:buNone/>
+            </a:pPr>
+            <a:r>
+              <a:rPr lang="fr-FR" dirty="0" smtClean="0"/>
+              <a:t>   </a:t>
+            </a:r>
+            <a:r>
+              <a:rPr lang="fr-FR" dirty="0" err="1" smtClean="0"/>
+              <a:t>What’s</a:t>
+            </a:r>
+            <a:r>
+              <a:rPr lang="fr-FR" dirty="0" smtClean="0"/>
+              <a:t> </a:t>
+            </a:r>
+            <a:r>
+              <a:rPr lang="fr-FR" dirty="0" err="1" smtClean="0"/>
+              <a:t>next</a:t>
+            </a:r>
+            <a:r>
+              <a:rPr lang="fr-FR" dirty="0" smtClean="0"/>
+              <a:t> : </a:t>
+            </a:r>
+          </a:p>
+          <a:p>
+            <a:pPr lvl="1"/>
+            <a:r>
+              <a:rPr lang="fr-FR" dirty="0" err="1" smtClean="0"/>
+              <a:t>Refinement</a:t>
+            </a:r>
+            <a:r>
+              <a:rPr lang="fr-FR" dirty="0" smtClean="0"/>
+              <a:t> </a:t>
+            </a:r>
+            <a:r>
+              <a:rPr lang="fr-FR" dirty="0" err="1" smtClean="0"/>
+              <a:t>using</a:t>
+            </a:r>
+            <a:r>
+              <a:rPr lang="fr-FR" dirty="0" smtClean="0"/>
+              <a:t> ICP</a:t>
+            </a:r>
+          </a:p>
+          <a:p>
+            <a:pPr lvl="1"/>
+            <a:r>
+              <a:rPr lang="fr-FR" dirty="0" err="1" smtClean="0"/>
+              <a:t>Implementing</a:t>
+            </a:r>
+            <a:r>
+              <a:rPr lang="fr-FR" dirty="0" smtClean="0"/>
+              <a:t> the conversion to </a:t>
+            </a:r>
+            <a:r>
+              <a:rPr lang="fr-FR" dirty="0" err="1" smtClean="0"/>
+              <a:t>get</a:t>
+            </a:r>
+            <a:r>
+              <a:rPr lang="fr-FR" dirty="0" smtClean="0"/>
+              <a:t> the point to point </a:t>
+            </a:r>
+            <a:r>
+              <a:rPr lang="fr-FR" dirty="0" err="1" smtClean="0"/>
+              <a:t>mapping</a:t>
+            </a:r>
+            <a:endParaRPr lang="fr-FR" dirty="0" smtClean="0"/>
+          </a:p>
+          <a:p>
+            <a:pPr lvl="1"/>
+            <a:r>
+              <a:rPr lang="fr-FR" dirty="0" smtClean="0"/>
+              <a:t>More qualitative and quantitative tests</a:t>
+            </a:r>
+          </a:p>
+          <a:p>
+            <a:pPr lvl="1"/>
+            <a:endParaRPr lang="fr-FR" dirty="0"/>
+          </a:p>
+        </p:txBody>
+      </p:sp>
+      <p:sp>
+        <p:nvSpPr>
+          <p:cNvPr id="4" name="Right Arrow 3"/>
+          <p:cNvSpPr/>
+          <p:nvPr/>
+        </p:nvSpPr>
+        <p:spPr>
+          <a:xfrm>
+            <a:off x="838198" y="1877644"/>
+            <a:ext cx="301083" cy="226199"/>
+          </a:xfrm>
+          <a:prstGeom prst="rightArrow">
+            <a:avLst>
+              <a:gd name="adj1" fmla="val 50000"/>
+              <a:gd name="adj2" fmla="val 53703"/>
+            </a:avLst>
+          </a:prstGeom>
+        </p:spPr>
+        <p:style>
+          <a:lnRef idx="2">
+            <a:schemeClr val="accent1">
+              <a:shade val="50000"/>
+            </a:schemeClr>
+          </a:lnRef>
+          <a:fillRef idx="1">
+            <a:schemeClr val="accent1"/>
+          </a:fillRef>
+          <a:effectRef idx="0">
+            <a:schemeClr val="accent1"/>
+          </a:effectRef>
+          <a:fontRef idx="minor">
+            <a:schemeClr val="lt1"/>
+          </a:fontRef>
+        </p:style>
+        <p:txBody>
+          <a:bodyPr rtlCol="0" anchor="ctr"/>
+          <a:lstStyle/>
+          <a:p>
+            <a:pPr algn="ctr"/>
+            <a:endParaRPr lang="fr-FR"/>
+          </a:p>
+        </p:txBody>
+      </p:sp>
+      <p:sp>
+        <p:nvSpPr>
+          <p:cNvPr id="5" name="Right Arrow 4"/>
+          <p:cNvSpPr/>
+          <p:nvPr/>
+        </p:nvSpPr>
+        <p:spPr>
+          <a:xfrm>
+            <a:off x="838198" y="2339121"/>
+            <a:ext cx="301083" cy="226199"/>
+          </a:xfrm>
+          <a:prstGeom prst="rightArrow">
+            <a:avLst>
+              <a:gd name="adj1" fmla="val 50000"/>
+              <a:gd name="adj2" fmla="val 53703"/>
+            </a:avLst>
+          </a:prstGeom>
+        </p:spPr>
+        <p:style>
+          <a:lnRef idx="2">
+            <a:schemeClr val="accent1">
+              <a:shade val="50000"/>
+            </a:schemeClr>
+          </a:lnRef>
+          <a:fillRef idx="1">
+            <a:schemeClr val="accent1"/>
+          </a:fillRef>
+          <a:effectRef idx="0">
+            <a:schemeClr val="accent1"/>
+          </a:effectRef>
+          <a:fontRef idx="minor">
+            <a:schemeClr val="lt1"/>
+          </a:fontRef>
+        </p:style>
+        <p:txBody>
+          <a:bodyPr rtlCol="0" anchor="ctr"/>
+          <a:lstStyle/>
+          <a:p>
+            <a:pPr algn="ctr"/>
+            <a:endParaRPr lang="fr-FR"/>
+          </a:p>
+        </p:txBody>
+      </p:sp>
+      <p:sp>
+        <p:nvSpPr>
+          <p:cNvPr id="7" name="Right Arrow 6"/>
+          <p:cNvSpPr/>
+          <p:nvPr/>
+        </p:nvSpPr>
+        <p:spPr>
+          <a:xfrm>
+            <a:off x="838197" y="4784995"/>
+            <a:ext cx="301083" cy="226199"/>
+          </a:xfrm>
+          <a:prstGeom prst="rightArrow">
+            <a:avLst>
+              <a:gd name="adj1" fmla="val 50000"/>
+              <a:gd name="adj2" fmla="val 53703"/>
+            </a:avLst>
+          </a:prstGeom>
+          <a:solidFill>
+            <a:schemeClr val="accent2"/>
+          </a:solidFill>
+        </p:spPr>
+        <p:style>
+          <a:lnRef idx="2">
+            <a:schemeClr val="accent1">
+              <a:shade val="50000"/>
+            </a:schemeClr>
+          </a:lnRef>
+          <a:fillRef idx="1">
+            <a:schemeClr val="accent1"/>
+          </a:fillRef>
+          <a:effectRef idx="0">
+            <a:schemeClr val="accent1"/>
+          </a:effectRef>
+          <a:fontRef idx="minor">
+            <a:schemeClr val="lt1"/>
+          </a:fontRef>
+        </p:style>
+        <p:txBody>
+          <a:bodyPr rtlCol="0" anchor="ctr"/>
+          <a:lstStyle/>
+          <a:p>
+            <a:pPr algn="ctr"/>
+            <a:endParaRPr lang="fr-FR"/>
+          </a:p>
+        </p:txBody>
+      </p:sp>
+    </p:spTree>
+    <p:extLst>
+      <p:ext uri="{BB962C8B-B14F-4D97-AF65-F5344CB8AC3E}">
+        <p14:creationId xmlns:p14="http://schemas.microsoft.com/office/powerpoint/2010/main" val="1871608672"/>
+      </p:ext>
+    </p:extLst>
+  </p:cSld>
+  <p:clrMapOvr>
+    <a:masterClrMapping/>
+  </p:clrMapOvr>
 </p:sld>
 </file>
 
@@ -8985,8 +9507,8 @@
           </a:p>
         </p:txBody>
       </p:sp>
-      <mc:AlternateContent xmlns:mc="http://schemas.openxmlformats.org/markup-compatibility/2006">
-        <mc:Choice xmlns:a14="http://schemas.microsoft.com/office/drawing/2010/main" Requires="a14">
+      <mc:AlternateContent xmlns:mc="http://schemas.openxmlformats.org/markup-compatibility/2006" xmlns:a14="http://schemas.microsoft.com/office/drawing/2010/main">
+        <mc:Choice Requires="a14">
           <p:sp>
             <p:nvSpPr>
               <p:cNvPr id="15" name="TextBox 14"/>
@@ -9057,7 +9579,7 @@
             </p:txBody>
           </p:sp>
         </mc:Choice>
-        <mc:Fallback>
+        <mc:Fallback xmlns="">
           <p:sp>
             <p:nvSpPr>
               <p:cNvPr id="15" name="TextBox 14"/>
@@ -9096,8 +9618,8 @@
           </p:sp>
         </mc:Fallback>
       </mc:AlternateContent>
-      <mc:AlternateContent xmlns:mc="http://schemas.openxmlformats.org/markup-compatibility/2006">
-        <mc:Choice xmlns:a14="http://schemas.microsoft.com/office/drawing/2010/main" Requires="a14">
+      <mc:AlternateContent xmlns:mc="http://schemas.openxmlformats.org/markup-compatibility/2006" xmlns:a14="http://schemas.microsoft.com/office/drawing/2010/main">
+        <mc:Choice Requires="a14">
           <p:sp>
             <p:nvSpPr>
               <p:cNvPr id="16" name="TextBox 15"/>
@@ -9168,7 +9690,7 @@
             </p:txBody>
           </p:sp>
         </mc:Choice>
-        <mc:Fallback>
+        <mc:Fallback xmlns="">
           <p:sp>
             <p:nvSpPr>
               <p:cNvPr id="16" name="TextBox 15"/>
@@ -9207,8 +9729,8 @@
           </p:sp>
         </mc:Fallback>
       </mc:AlternateContent>
-      <mc:AlternateContent xmlns:mc="http://schemas.openxmlformats.org/markup-compatibility/2006">
-        <mc:Choice xmlns:a14="http://schemas.microsoft.com/office/drawing/2010/main" Requires="a14">
+      <mc:AlternateContent xmlns:mc="http://schemas.openxmlformats.org/markup-compatibility/2006" xmlns:a14="http://schemas.microsoft.com/office/drawing/2010/main">
+        <mc:Choice Requires="a14">
           <p:sp>
             <p:nvSpPr>
               <p:cNvPr id="17" name="TextBox 16"/>
@@ -9355,7 +9877,7 @@
             </p:txBody>
           </p:sp>
         </mc:Choice>
-        <mc:Fallback>
+        <mc:Fallback xmlns="">
           <p:sp>
             <p:nvSpPr>
               <p:cNvPr id="17" name="TextBox 16"/>
@@ -9439,8 +9961,8 @@
           </a:p>
         </p:txBody>
       </p:sp>
-      <mc:AlternateContent xmlns:mc="http://schemas.openxmlformats.org/markup-compatibility/2006">
-        <mc:Choice xmlns:a14="http://schemas.microsoft.com/office/drawing/2010/main" Requires="a14">
+      <mc:AlternateContent xmlns:mc="http://schemas.openxmlformats.org/markup-compatibility/2006" xmlns:a14="http://schemas.microsoft.com/office/drawing/2010/main">
+        <mc:Choice Requires="a14">
           <p:sp>
             <p:nvSpPr>
               <p:cNvPr id="19" name="TextBox 18"/>
@@ -9503,7 +10025,7 @@
             </p:txBody>
           </p:sp>
         </mc:Choice>
-        <mc:Fallback>
+        <mc:Fallback xmlns="">
           <p:sp>
             <p:nvSpPr>
               <p:cNvPr id="19" name="TextBox 18"/>
@@ -9963,8 +10485,8 @@
           </a:prstGeom>
         </p:spPr>
       </p:pic>
-      <mc:AlternateContent xmlns:mc="http://schemas.openxmlformats.org/markup-compatibility/2006">
-        <mc:Choice xmlns:a14="http://schemas.microsoft.com/office/drawing/2010/main" Requires="a14">
+      <mc:AlternateContent xmlns:mc="http://schemas.openxmlformats.org/markup-compatibility/2006" xmlns:a14="http://schemas.microsoft.com/office/drawing/2010/main">
+        <mc:Choice Requires="a14">
           <p:sp>
             <p:nvSpPr>
               <p:cNvPr id="7" name="TextBox 6"/>
@@ -10035,7 +10557,7 @@
             </p:txBody>
           </p:sp>
         </mc:Choice>
-        <mc:Fallback>
+        <mc:Fallback xmlns="">
           <p:sp>
             <p:nvSpPr>
               <p:cNvPr id="7" name="TextBox 6"/>
@@ -10074,8 +10596,8 @@
           </p:sp>
         </mc:Fallback>
       </mc:AlternateContent>
-      <mc:AlternateContent xmlns:mc="http://schemas.openxmlformats.org/markup-compatibility/2006">
-        <mc:Choice xmlns:a14="http://schemas.microsoft.com/office/drawing/2010/main" Requires="a14">
+      <mc:AlternateContent xmlns:mc="http://schemas.openxmlformats.org/markup-compatibility/2006" xmlns:a14="http://schemas.microsoft.com/office/drawing/2010/main">
+        <mc:Choice Requires="a14">
           <p:sp>
             <p:nvSpPr>
               <p:cNvPr id="8" name="TextBox 7"/>
@@ -10146,7 +10668,7 @@
             </p:txBody>
           </p:sp>
         </mc:Choice>
-        <mc:Fallback>
+        <mc:Fallback xmlns="">
           <p:sp>
             <p:nvSpPr>
               <p:cNvPr id="8" name="TextBox 7"/>
@@ -10185,8 +10707,8 @@
           </p:sp>
         </mc:Fallback>
       </mc:AlternateContent>
-      <mc:AlternateContent xmlns:mc="http://schemas.openxmlformats.org/markup-compatibility/2006">
-        <mc:Choice xmlns:a14="http://schemas.microsoft.com/office/drawing/2010/main" Requires="a14">
+      <mc:AlternateContent xmlns:mc="http://schemas.openxmlformats.org/markup-compatibility/2006" xmlns:a14="http://schemas.microsoft.com/office/drawing/2010/main">
+        <mc:Choice Requires="a14">
           <p:sp>
             <p:nvSpPr>
               <p:cNvPr id="9" name="TextBox 8"/>
@@ -10264,7 +10786,7 @@
             </p:txBody>
           </p:sp>
         </mc:Choice>
-        <mc:Fallback>
+        <mc:Fallback xmlns="">
           <p:sp>
             <p:nvSpPr>
               <p:cNvPr id="9" name="TextBox 8"/>
@@ -10303,8 +10825,8 @@
           </p:sp>
         </mc:Fallback>
       </mc:AlternateContent>
-      <mc:AlternateContent xmlns:mc="http://schemas.openxmlformats.org/markup-compatibility/2006">
-        <mc:Choice xmlns:a14="http://schemas.microsoft.com/office/drawing/2010/main" Requires="a14">
+      <mc:AlternateContent xmlns:mc="http://schemas.openxmlformats.org/markup-compatibility/2006" xmlns:a14="http://schemas.microsoft.com/office/drawing/2010/main">
+        <mc:Choice Requires="a14">
           <p:sp>
             <p:nvSpPr>
               <p:cNvPr id="10" name="TextBox 9"/>
@@ -10386,7 +10908,7 @@
             </p:txBody>
           </p:sp>
         </mc:Choice>
-        <mc:Fallback>
+        <mc:Fallback xmlns="">
           <p:sp>
             <p:nvSpPr>
               <p:cNvPr id="10" name="TextBox 9"/>
@@ -10425,8 +10947,8 @@
           </p:sp>
         </mc:Fallback>
       </mc:AlternateContent>
-      <mc:AlternateContent xmlns:mc="http://schemas.openxmlformats.org/markup-compatibility/2006">
-        <mc:Choice xmlns:a14="http://schemas.microsoft.com/office/drawing/2010/main" Requires="a14">
+      <mc:AlternateContent xmlns:mc="http://schemas.openxmlformats.org/markup-compatibility/2006" xmlns:a14="http://schemas.microsoft.com/office/drawing/2010/main">
+        <mc:Choice Requires="a14">
           <p:sp>
             <p:nvSpPr>
               <p:cNvPr id="11" name="TextBox 10"/>
@@ -10560,7 +11082,7 @@
             </p:txBody>
           </p:sp>
         </mc:Choice>
-        <mc:Fallback>
+        <mc:Fallback xmlns="">
           <p:sp>
             <p:nvSpPr>
               <p:cNvPr id="11" name="TextBox 10"/>
@@ -10599,8 +11121,8 @@
           </p:sp>
         </mc:Fallback>
       </mc:AlternateContent>
-      <mc:AlternateContent xmlns:mc="http://schemas.openxmlformats.org/markup-compatibility/2006">
-        <mc:Choice xmlns:a14="http://schemas.microsoft.com/office/drawing/2010/main" Requires="a14">
+      <mc:AlternateContent xmlns:mc="http://schemas.openxmlformats.org/markup-compatibility/2006" xmlns:a14="http://schemas.microsoft.com/office/drawing/2010/main">
+        <mc:Choice Requires="a14">
           <p:sp>
             <p:nvSpPr>
               <p:cNvPr id="12" name="TextBox 11"/>
@@ -10734,7 +11256,7 @@
             </p:txBody>
           </p:sp>
         </mc:Choice>
-        <mc:Fallback>
+        <mc:Fallback xmlns="">
           <p:sp>
             <p:nvSpPr>
               <p:cNvPr id="12" name="TextBox 11"/>
@@ -10773,8 +11295,8 @@
           </p:sp>
         </mc:Fallback>
       </mc:AlternateContent>
-      <mc:AlternateContent xmlns:mc="http://schemas.openxmlformats.org/markup-compatibility/2006">
-        <mc:Choice xmlns:a14="http://schemas.microsoft.com/office/drawing/2010/main" Requires="a14">
+      <mc:AlternateContent xmlns:mc="http://schemas.openxmlformats.org/markup-compatibility/2006" xmlns:a14="http://schemas.microsoft.com/office/drawing/2010/main">
+        <mc:Choice Requires="a14">
           <p:sp>
             <p:nvSpPr>
               <p:cNvPr id="13" name="TextBox 12"/>
@@ -10981,7 +11503,7 @@
             </p:txBody>
           </p:sp>
         </mc:Choice>
-        <mc:Fallback>
+        <mc:Fallback xmlns="">
           <p:sp>
             <p:nvSpPr>
               <p:cNvPr id="13" name="TextBox 12"/>
@@ -11020,8 +11542,8 @@
           </p:sp>
         </mc:Fallback>
       </mc:AlternateContent>
-      <mc:AlternateContent xmlns:mc="http://schemas.openxmlformats.org/markup-compatibility/2006">
-        <mc:Choice xmlns:a14="http://schemas.microsoft.com/office/drawing/2010/main" Requires="a14">
+      <mc:AlternateContent xmlns:mc="http://schemas.openxmlformats.org/markup-compatibility/2006" xmlns:a14="http://schemas.microsoft.com/office/drawing/2010/main">
+        <mc:Choice Requires="a14">
           <p:sp>
             <p:nvSpPr>
               <p:cNvPr id="16" name="TextBox 15"/>
@@ -11199,7 +11721,7 @@
             </p:txBody>
           </p:sp>
         </mc:Choice>
-        <mc:Fallback>
+        <mc:Fallback xmlns="">
           <p:sp>
             <p:nvSpPr>
               <p:cNvPr id="16" name="TextBox 15"/>
@@ -11278,8 +11800,8 @@
           </a:p>
         </p:txBody>
       </p:sp>
-      <mc:AlternateContent xmlns:mc="http://schemas.openxmlformats.org/markup-compatibility/2006">
-        <mc:Choice xmlns:a14="http://schemas.microsoft.com/office/drawing/2010/main" Requires="a14">
+      <mc:AlternateContent xmlns:mc="http://schemas.openxmlformats.org/markup-compatibility/2006" xmlns:a14="http://schemas.microsoft.com/office/drawing/2010/main">
+        <mc:Choice Requires="a14">
           <p:sp>
             <p:nvSpPr>
               <p:cNvPr id="19" name="TextBox 18"/>
@@ -11423,7 +11945,7 @@
             </p:txBody>
           </p:sp>
         </mc:Choice>
-        <mc:Fallback>
+        <mc:Fallback xmlns="">
           <p:sp>
             <p:nvSpPr>
               <p:cNvPr id="19" name="TextBox 18"/>
@@ -11462,8 +11984,8 @@
           </p:sp>
         </mc:Fallback>
       </mc:AlternateContent>
-      <mc:AlternateContent xmlns:mc="http://schemas.openxmlformats.org/markup-compatibility/2006">
-        <mc:Choice xmlns:a14="http://schemas.microsoft.com/office/drawing/2010/main" Requires="a14">
+      <mc:AlternateContent xmlns:mc="http://schemas.openxmlformats.org/markup-compatibility/2006" xmlns:a14="http://schemas.microsoft.com/office/drawing/2010/main">
+        <mc:Choice Requires="a14">
           <p:sp>
             <p:nvSpPr>
               <p:cNvPr id="21" name="TextBox 20"/>
@@ -11523,7 +12045,7 @@
             </p:txBody>
           </p:sp>
         </mc:Choice>
-        <mc:Fallback>
+        <mc:Fallback xmlns="">
           <p:sp>
             <p:nvSpPr>
               <p:cNvPr id="21" name="TextBox 20"/>
@@ -11830,8 +12352,8 @@
           </a:p>
         </p:txBody>
       </p:sp>
-      <mc:AlternateContent xmlns:mc="http://schemas.openxmlformats.org/markup-compatibility/2006">
-        <mc:Choice xmlns:a14="http://schemas.microsoft.com/office/drawing/2010/main" Requires="a14">
+      <mc:AlternateContent xmlns:mc="http://schemas.openxmlformats.org/markup-compatibility/2006" xmlns:a14="http://schemas.microsoft.com/office/drawing/2010/main">
+        <mc:Choice Requires="a14">
           <p:sp>
             <p:nvSpPr>
               <p:cNvPr id="4" name="TextBox 3"/>
@@ -12078,7 +12600,7 @@
             </p:txBody>
           </p:sp>
         </mc:Choice>
-        <mc:Fallback>
+        <mc:Fallback xmlns="">
           <p:sp>
             <p:nvSpPr>
               <p:cNvPr id="4" name="TextBox 3"/>

--- a/Report/Presentation_slide_nico.pptx
+++ b/Report/Presentation_slide_nico.pptx
@@ -3422,6 +3422,47 @@
           <a:chExt cx="0" cy="0"/>
         </a:xfrm>
       </p:grpSpPr>
+      <p:pic>
+        <p:nvPicPr>
+          <p:cNvPr id="1026" name="Picture 2" descr="http://w3.lmt.ens-cachan.fr/tacs/resources/Images/logo_ensc_bleu.png"/>
+          <p:cNvPicPr>
+            <a:picLocks noChangeAspect="1" noChangeArrowheads="1"/>
+          </p:cNvPicPr>
+          <p:nvPr/>
+        </p:nvPicPr>
+        <p:blipFill>
+          <a:blip r:embed="rId3" cstate="print">
+            <a:extLst>
+              <a:ext uri="{28A0092B-C50C-407E-A947-70E740481C1C}">
+                <a14:useLocalDpi xmlns:a14="http://schemas.microsoft.com/office/drawing/2010/main" val="0"/>
+              </a:ext>
+            </a:extLst>
+          </a:blip>
+          <a:srcRect/>
+          <a:stretch>
+            <a:fillRect/>
+          </a:stretch>
+        </p:blipFill>
+        <p:spPr bwMode="auto">
+          <a:xfrm>
+            <a:off x="10123828" y="224419"/>
+            <a:ext cx="1837803" cy="994926"/>
+          </a:xfrm>
+          <a:prstGeom prst="rect">
+            <a:avLst/>
+          </a:prstGeom>
+          <a:noFill/>
+          <a:extLst>
+            <a:ext uri="{909E8E84-426E-40DD-AFC4-6F175D3DCCD1}">
+              <a14:hiddenFill xmlns:a14="http://schemas.microsoft.com/office/drawing/2010/main">
+                <a:solidFill>
+                  <a:srgbClr val="FFFFFF"/>
+                </a:solidFill>
+              </a14:hiddenFill>
+            </a:ext>
+          </a:extLst>
+        </p:spPr>
+      </p:pic>
       <p:sp>
         <p:nvSpPr>
           <p:cNvPr id="2" name="Title 1"/>
@@ -3490,36 +3531,6 @@
           </a:p>
         </p:txBody>
       </p:sp>
-      <p:pic>
-        <p:nvPicPr>
-          <p:cNvPr id="4" name="Image 3"/>
-          <p:cNvPicPr>
-            <a:picLocks noChangeAspect="1"/>
-          </p:cNvPicPr>
-          <p:nvPr/>
-        </p:nvPicPr>
-        <p:blipFill>
-          <a:blip r:embed="rId3">
-            <a:extLst>
-              <a:ext uri="{28A0092B-C50C-407E-A947-70E740481C1C}">
-                <a14:useLocalDpi xmlns:a14="http://schemas.microsoft.com/office/drawing/2010/main" val="0"/>
-              </a:ext>
-            </a:extLst>
-          </a:blip>
-          <a:stretch>
-            <a:fillRect/>
-          </a:stretch>
-        </p:blipFill>
-        <p:spPr>
-          <a:xfrm>
-            <a:off x="10155936" y="127560"/>
-            <a:ext cx="2036064" cy="1101477"/>
-          </a:xfrm>
-          <a:prstGeom prst="rect">
-            <a:avLst/>
-          </a:prstGeom>
-        </p:spPr>
-      </p:pic>
       <p:sp>
         <p:nvSpPr>
           <p:cNvPr id="5" name="ZoneTexte 4"/>
